--- a/Scheduling_game/Figures/graph.pptx
+++ b/Scheduling_game/Figures/graph.pptx
@@ -7,6 +7,7 @@
   <p:sldIdLst>
     <p:sldId id="256" r:id="rId2"/>
     <p:sldId id="257" r:id="rId3"/>
+    <p:sldId id="259" r:id="rId4"/>
   </p:sldIdLst>
   <p:sldSz cx="12192000" cy="6858000"/>
   <p:notesSz cx="6858000" cy="9144000"/>
@@ -260,7 +261,7 @@
           <a:p>
             <a:fld id="{C5470989-1518-4E82-95B9-0CD9C1A9D2E1}" type="datetimeFigureOut">
               <a:rPr lang="zh-CN" altLang="en-US" smtClean="0"/>
-              <a:t>2020/7/6</a:t>
+              <a:t>2020/7/7</a:t>
             </a:fld>
             <a:endParaRPr lang="zh-CN" altLang="en-US"/>
           </a:p>
@@ -458,7 +459,7 @@
           <a:p>
             <a:fld id="{C5470989-1518-4E82-95B9-0CD9C1A9D2E1}" type="datetimeFigureOut">
               <a:rPr lang="zh-CN" altLang="en-US" smtClean="0"/>
-              <a:t>2020/7/6</a:t>
+              <a:t>2020/7/7</a:t>
             </a:fld>
             <a:endParaRPr lang="zh-CN" altLang="en-US"/>
           </a:p>
@@ -666,7 +667,7 @@
           <a:p>
             <a:fld id="{C5470989-1518-4E82-95B9-0CD9C1A9D2E1}" type="datetimeFigureOut">
               <a:rPr lang="zh-CN" altLang="en-US" smtClean="0"/>
-              <a:t>2020/7/6</a:t>
+              <a:t>2020/7/7</a:t>
             </a:fld>
             <a:endParaRPr lang="zh-CN" altLang="en-US"/>
           </a:p>
@@ -864,7 +865,7 @@
           <a:p>
             <a:fld id="{C5470989-1518-4E82-95B9-0CD9C1A9D2E1}" type="datetimeFigureOut">
               <a:rPr lang="zh-CN" altLang="en-US" smtClean="0"/>
-              <a:t>2020/7/6</a:t>
+              <a:t>2020/7/7</a:t>
             </a:fld>
             <a:endParaRPr lang="zh-CN" altLang="en-US"/>
           </a:p>
@@ -1139,7 +1140,7 @@
           <a:p>
             <a:fld id="{C5470989-1518-4E82-95B9-0CD9C1A9D2E1}" type="datetimeFigureOut">
               <a:rPr lang="zh-CN" altLang="en-US" smtClean="0"/>
-              <a:t>2020/7/6</a:t>
+              <a:t>2020/7/7</a:t>
             </a:fld>
             <a:endParaRPr lang="zh-CN" altLang="en-US"/>
           </a:p>
@@ -1404,7 +1405,7 @@
           <a:p>
             <a:fld id="{C5470989-1518-4E82-95B9-0CD9C1A9D2E1}" type="datetimeFigureOut">
               <a:rPr lang="zh-CN" altLang="en-US" smtClean="0"/>
-              <a:t>2020/7/6</a:t>
+              <a:t>2020/7/7</a:t>
             </a:fld>
             <a:endParaRPr lang="zh-CN" altLang="en-US"/>
           </a:p>
@@ -1816,7 +1817,7 @@
           <a:p>
             <a:fld id="{C5470989-1518-4E82-95B9-0CD9C1A9D2E1}" type="datetimeFigureOut">
               <a:rPr lang="zh-CN" altLang="en-US" smtClean="0"/>
-              <a:t>2020/7/6</a:t>
+              <a:t>2020/7/7</a:t>
             </a:fld>
             <a:endParaRPr lang="zh-CN" altLang="en-US"/>
           </a:p>
@@ -1957,7 +1958,7 @@
           <a:p>
             <a:fld id="{C5470989-1518-4E82-95B9-0CD9C1A9D2E1}" type="datetimeFigureOut">
               <a:rPr lang="zh-CN" altLang="en-US" smtClean="0"/>
-              <a:t>2020/7/6</a:t>
+              <a:t>2020/7/7</a:t>
             </a:fld>
             <a:endParaRPr lang="zh-CN" altLang="en-US"/>
           </a:p>
@@ -2070,7 +2071,7 @@
           <a:p>
             <a:fld id="{C5470989-1518-4E82-95B9-0CD9C1A9D2E1}" type="datetimeFigureOut">
               <a:rPr lang="zh-CN" altLang="en-US" smtClean="0"/>
-              <a:t>2020/7/6</a:t>
+              <a:t>2020/7/7</a:t>
             </a:fld>
             <a:endParaRPr lang="zh-CN" altLang="en-US"/>
           </a:p>
@@ -2381,7 +2382,7 @@
           <a:p>
             <a:fld id="{C5470989-1518-4E82-95B9-0CD9C1A9D2E1}" type="datetimeFigureOut">
               <a:rPr lang="zh-CN" altLang="en-US" smtClean="0"/>
-              <a:t>2020/7/6</a:t>
+              <a:t>2020/7/7</a:t>
             </a:fld>
             <a:endParaRPr lang="zh-CN" altLang="en-US"/>
           </a:p>
@@ -2669,7 +2670,7 @@
           <a:p>
             <a:fld id="{C5470989-1518-4E82-95B9-0CD9C1A9D2E1}" type="datetimeFigureOut">
               <a:rPr lang="zh-CN" altLang="en-US" smtClean="0"/>
-              <a:t>2020/7/6</a:t>
+              <a:t>2020/7/7</a:t>
             </a:fld>
             <a:endParaRPr lang="zh-CN" altLang="en-US"/>
           </a:p>
@@ -2910,7 +2911,7 @@
           <a:p>
             <a:fld id="{C5470989-1518-4E82-95B9-0CD9C1A9D2E1}" type="datetimeFigureOut">
               <a:rPr lang="zh-CN" altLang="en-US" smtClean="0"/>
-              <a:t>2020/7/6</a:t>
+              <a:t>2020/7/7</a:t>
             </a:fld>
             <a:endParaRPr lang="zh-CN" altLang="en-US"/>
           </a:p>
@@ -6595,6 +6596,1657 @@
 </p:sld>
 </file>
 
+<file path=ppt/slides/slide3.xml><?xml version="1.0" encoding="utf-8"?>
+<p:sld xmlns:a="http://schemas.openxmlformats.org/drawingml/2006/main" xmlns:r="http://schemas.openxmlformats.org/officeDocument/2006/relationships" xmlns:p="http://schemas.openxmlformats.org/presentationml/2006/main">
+  <p:cSld>
+    <p:spTree>
+      <p:nvGrpSpPr>
+        <p:cNvPr id="1" name=""/>
+        <p:cNvGrpSpPr/>
+        <p:nvPr/>
+      </p:nvGrpSpPr>
+      <p:grpSpPr>
+        <a:xfrm>
+          <a:off x="0" y="0"/>
+          <a:ext cx="0" cy="0"/>
+          <a:chOff x="0" y="0"/>
+          <a:chExt cx="0" cy="0"/>
+        </a:xfrm>
+      </p:grpSpPr>
+      <p:cxnSp>
+        <p:nvCxnSpPr>
+          <p:cNvPr id="5" name="直接箭头连接符 4">
+            <a:extLst>
+              <a:ext uri="{FF2B5EF4-FFF2-40B4-BE49-F238E27FC236}">
+                <a16:creationId xmlns:a16="http://schemas.microsoft.com/office/drawing/2014/main" id="{DA4C754F-39BE-4439-B17A-98FB24634359}"/>
+              </a:ext>
+            </a:extLst>
+          </p:cNvPr>
+          <p:cNvCxnSpPr/>
+          <p:nvPr/>
+        </p:nvCxnSpPr>
+        <p:spPr>
+          <a:xfrm>
+            <a:off x="2164080" y="5779008"/>
+            <a:ext cx="7708392" cy="0"/>
+          </a:xfrm>
+          <a:prstGeom prst="straightConnector1">
+            <a:avLst/>
+          </a:prstGeom>
+          <a:ln>
+            <a:headEnd type="none" w="med" len="med"/>
+            <a:tailEnd type="triangle" w="med" len="med"/>
+          </a:ln>
+        </p:spPr>
+        <p:style>
+          <a:lnRef idx="1">
+            <a:schemeClr val="dk1"/>
+          </a:lnRef>
+          <a:fillRef idx="0">
+            <a:schemeClr val="dk1"/>
+          </a:fillRef>
+          <a:effectRef idx="0">
+            <a:schemeClr val="dk1"/>
+          </a:effectRef>
+          <a:fontRef idx="minor">
+            <a:schemeClr val="tx1"/>
+          </a:fontRef>
+        </p:style>
+      </p:cxnSp>
+      <p:cxnSp>
+        <p:nvCxnSpPr>
+          <p:cNvPr id="7" name="直接箭头连接符 6">
+            <a:extLst>
+              <a:ext uri="{FF2B5EF4-FFF2-40B4-BE49-F238E27FC236}">
+                <a16:creationId xmlns:a16="http://schemas.microsoft.com/office/drawing/2014/main" id="{853654CE-FE26-482C-BB8A-6163D89E8E24}"/>
+              </a:ext>
+            </a:extLst>
+          </p:cNvPr>
+          <p:cNvCxnSpPr/>
+          <p:nvPr/>
+        </p:nvCxnSpPr>
+        <p:spPr>
+          <a:xfrm flipV="1">
+            <a:off x="2164080" y="530352"/>
+            <a:ext cx="0" cy="5248656"/>
+          </a:xfrm>
+          <a:prstGeom prst="straightConnector1">
+            <a:avLst/>
+          </a:prstGeom>
+          <a:ln>
+            <a:headEnd type="oval" w="med" len="med"/>
+            <a:tailEnd type="triangle" w="med" len="med"/>
+          </a:ln>
+        </p:spPr>
+        <p:style>
+          <a:lnRef idx="1">
+            <a:schemeClr val="dk1"/>
+          </a:lnRef>
+          <a:fillRef idx="0">
+            <a:schemeClr val="dk1"/>
+          </a:fillRef>
+          <a:effectRef idx="0">
+            <a:schemeClr val="dk1"/>
+          </a:effectRef>
+          <a:fontRef idx="minor">
+            <a:schemeClr val="tx1"/>
+          </a:fontRef>
+        </p:style>
+      </p:cxnSp>
+      <p:graphicFrame>
+        <p:nvGraphicFramePr>
+          <p:cNvPr id="9" name="对象 8">
+            <a:extLst>
+              <a:ext uri="{FF2B5EF4-FFF2-40B4-BE49-F238E27FC236}">
+                <a16:creationId xmlns:a16="http://schemas.microsoft.com/office/drawing/2014/main" id="{6E0AA8B3-0A20-42CA-9CFF-DB7BAF91212E}"/>
+              </a:ext>
+            </a:extLst>
+          </p:cNvPr>
+          <p:cNvGraphicFramePr>
+            <a:graphicFrameLocks noChangeAspect="1"/>
+          </p:cNvGraphicFramePr>
+          <p:nvPr/>
+        </p:nvGraphicFramePr>
+        <p:xfrm>
+          <a:off x="2045811" y="5911406"/>
+          <a:ext cx="236538" cy="239712"/>
+        </p:xfrm>
+        <a:graphic>
+          <a:graphicData uri="http://schemas.openxmlformats.org/presentationml/2006/ole">
+            <mc:AlternateContent xmlns:mc="http://schemas.openxmlformats.org/markup-compatibility/2006">
+              <mc:Choice xmlns:v="urn:schemas-microsoft-com:vml" Requires="v">
+                <p:oleObj spid="_x0000_s1041" name="Formula" r:id="rId3" imgW="118440" imgH="120960" progId="Equation.Ribbit">
+                  <p:embed/>
+                </p:oleObj>
+              </mc:Choice>
+              <mc:Fallback>
+                <p:oleObj name="Formula" r:id="rId3" imgW="118440" imgH="120960" progId="Equation.Ribbit">
+                  <p:embed/>
+                  <p:pic>
+                    <p:nvPicPr>
+                      <p:cNvPr id="9" name="对象 8">
+                        <a:extLst>
+                          <a:ext uri="{FF2B5EF4-FFF2-40B4-BE49-F238E27FC236}">
+                            <a16:creationId xmlns:a16="http://schemas.microsoft.com/office/drawing/2014/main" id="{6E0AA8B3-0A20-42CA-9CFF-DB7BAF91212E}"/>
+                          </a:ext>
+                        </a:extLst>
+                      </p:cNvPr>
+                      <p:cNvPicPr/>
+                      <p:nvPr/>
+                    </p:nvPicPr>
+                    <p:blipFill>
+                      <a:blip r:embed="rId4"/>
+                      <a:stretch>
+                        <a:fillRect/>
+                      </a:stretch>
+                    </p:blipFill>
+                    <p:spPr>
+                      <a:xfrm>
+                        <a:off x="2045811" y="5911406"/>
+                        <a:ext cx="236538" cy="239712"/>
+                      </a:xfrm>
+                      <a:prstGeom prst="rect">
+                        <a:avLst/>
+                      </a:prstGeom>
+                    </p:spPr>
+                  </p:pic>
+                </p:oleObj>
+              </mc:Fallback>
+            </mc:AlternateContent>
+          </a:graphicData>
+        </a:graphic>
+      </p:graphicFrame>
+      <p:graphicFrame>
+        <p:nvGraphicFramePr>
+          <p:cNvPr id="10" name="对象 9">
+            <a:extLst>
+              <a:ext uri="{FF2B5EF4-FFF2-40B4-BE49-F238E27FC236}">
+                <a16:creationId xmlns:a16="http://schemas.microsoft.com/office/drawing/2014/main" id="{43742701-CAB6-4F77-94C4-51E6C940D884}"/>
+              </a:ext>
+            </a:extLst>
+          </p:cNvPr>
+          <p:cNvGraphicFramePr>
+            <a:graphicFrameLocks noChangeAspect="1"/>
+          </p:cNvGraphicFramePr>
+          <p:nvPr/>
+        </p:nvGraphicFramePr>
+        <p:xfrm>
+          <a:off x="7208839" y="5886451"/>
+          <a:ext cx="242887" cy="239713"/>
+        </p:xfrm>
+        <a:graphic>
+          <a:graphicData uri="http://schemas.openxmlformats.org/presentationml/2006/ole">
+            <mc:AlternateContent xmlns:mc="http://schemas.openxmlformats.org/markup-compatibility/2006">
+              <mc:Choice xmlns:v="urn:schemas-microsoft-com:vml" Requires="v">
+                <p:oleObj spid="_x0000_s1042" name="Formula" r:id="rId5" imgW="122040" imgH="120960" progId="Equation.Ribbit">
+                  <p:embed/>
+                </p:oleObj>
+              </mc:Choice>
+              <mc:Fallback>
+                <p:oleObj name="Formula" r:id="rId5" imgW="122040" imgH="120960" progId="Equation.Ribbit">
+                  <p:embed/>
+                  <p:pic>
+                    <p:nvPicPr>
+                      <p:cNvPr id="10" name="对象 9">
+                        <a:extLst>
+                          <a:ext uri="{FF2B5EF4-FFF2-40B4-BE49-F238E27FC236}">
+                            <a16:creationId xmlns:a16="http://schemas.microsoft.com/office/drawing/2014/main" id="{43742701-CAB6-4F77-94C4-51E6C940D884}"/>
+                          </a:ext>
+                        </a:extLst>
+                      </p:cNvPr>
+                      <p:cNvPicPr/>
+                      <p:nvPr/>
+                    </p:nvPicPr>
+                    <p:blipFill>
+                      <a:blip r:embed="rId6"/>
+                      <a:stretch>
+                        <a:fillRect/>
+                      </a:stretch>
+                    </p:blipFill>
+                    <p:spPr>
+                      <a:xfrm>
+                        <a:off x="7208839" y="5886451"/>
+                        <a:ext cx="242887" cy="239713"/>
+                      </a:xfrm>
+                      <a:prstGeom prst="rect">
+                        <a:avLst/>
+                      </a:prstGeom>
+                    </p:spPr>
+                  </p:pic>
+                </p:oleObj>
+              </mc:Fallback>
+            </mc:AlternateContent>
+          </a:graphicData>
+        </a:graphic>
+      </p:graphicFrame>
+      <p:cxnSp>
+        <p:nvCxnSpPr>
+          <p:cNvPr id="12" name="直接箭头连接符 11">
+            <a:extLst>
+              <a:ext uri="{FF2B5EF4-FFF2-40B4-BE49-F238E27FC236}">
+                <a16:creationId xmlns:a16="http://schemas.microsoft.com/office/drawing/2014/main" id="{033C6210-5789-4CC7-A793-F9B272C3573F}"/>
+              </a:ext>
+            </a:extLst>
+          </p:cNvPr>
+          <p:cNvCxnSpPr>
+            <a:cxnSpLocks/>
+          </p:cNvCxnSpPr>
+          <p:nvPr/>
+        </p:nvCxnSpPr>
+        <p:spPr>
+          <a:xfrm>
+            <a:off x="2164080" y="1889316"/>
+            <a:ext cx="1207008" cy="1152144"/>
+          </a:xfrm>
+          <a:prstGeom prst="straightConnector1">
+            <a:avLst/>
+          </a:prstGeom>
+          <a:ln>
+            <a:prstDash val="lgDashDotDot"/>
+            <a:headEnd type="diamond" w="med" len="med"/>
+            <a:tailEnd type="diamond" w="med" len="med"/>
+          </a:ln>
+        </p:spPr>
+        <p:style>
+          <a:lnRef idx="1">
+            <a:schemeClr val="dk1"/>
+          </a:lnRef>
+          <a:fillRef idx="0">
+            <a:schemeClr val="dk1"/>
+          </a:fillRef>
+          <a:effectRef idx="0">
+            <a:schemeClr val="dk1"/>
+          </a:effectRef>
+          <a:fontRef idx="minor">
+            <a:schemeClr val="tx1"/>
+          </a:fontRef>
+        </p:style>
+      </p:cxnSp>
+      <p:cxnSp>
+        <p:nvCxnSpPr>
+          <p:cNvPr id="15" name="直接箭头连接符 14">
+            <a:extLst>
+              <a:ext uri="{FF2B5EF4-FFF2-40B4-BE49-F238E27FC236}">
+                <a16:creationId xmlns:a16="http://schemas.microsoft.com/office/drawing/2014/main" id="{BB699E6C-975B-4B71-BFA4-276CB1FAAC5B}"/>
+              </a:ext>
+            </a:extLst>
+          </p:cNvPr>
+          <p:cNvCxnSpPr>
+            <a:cxnSpLocks/>
+          </p:cNvCxnSpPr>
+          <p:nvPr/>
+        </p:nvCxnSpPr>
+        <p:spPr>
+          <a:xfrm>
+            <a:off x="3371088" y="3041460"/>
+            <a:ext cx="0" cy="2737548"/>
+          </a:xfrm>
+          <a:prstGeom prst="straightConnector1">
+            <a:avLst/>
+          </a:prstGeom>
+          <a:ln>
+            <a:prstDash val="sysDot"/>
+            <a:headEnd type="oval" w="med" len="med"/>
+            <a:tailEnd type="oval" w="med" len="med"/>
+          </a:ln>
+        </p:spPr>
+        <p:style>
+          <a:lnRef idx="1">
+            <a:schemeClr val="dk1"/>
+          </a:lnRef>
+          <a:fillRef idx="0">
+            <a:schemeClr val="dk1"/>
+          </a:fillRef>
+          <a:effectRef idx="0">
+            <a:schemeClr val="dk1"/>
+          </a:effectRef>
+          <a:fontRef idx="minor">
+            <a:schemeClr val="tx1"/>
+          </a:fontRef>
+        </p:style>
+      </p:cxnSp>
+      <p:graphicFrame>
+        <p:nvGraphicFramePr>
+          <p:cNvPr id="17" name="对象 16">
+            <a:extLst>
+              <a:ext uri="{FF2B5EF4-FFF2-40B4-BE49-F238E27FC236}">
+                <a16:creationId xmlns:a16="http://schemas.microsoft.com/office/drawing/2014/main" id="{4D742D15-1145-4A8F-BEFB-229C79E787ED}"/>
+              </a:ext>
+            </a:extLst>
+          </p:cNvPr>
+          <p:cNvGraphicFramePr>
+            <a:graphicFrameLocks noChangeAspect="1"/>
+          </p:cNvGraphicFramePr>
+          <p:nvPr/>
+        </p:nvGraphicFramePr>
+        <p:xfrm>
+          <a:off x="3132963" y="5888356"/>
+          <a:ext cx="476250" cy="236538"/>
+        </p:xfrm>
+        <a:graphic>
+          <a:graphicData uri="http://schemas.openxmlformats.org/presentationml/2006/ole">
+            <mc:AlternateContent xmlns:mc="http://schemas.openxmlformats.org/markup-compatibility/2006">
+              <mc:Choice xmlns:v="urn:schemas-microsoft-com:vml" Requires="v">
+                <p:oleObj spid="_x0000_s1043" name="Formula" r:id="rId7" imgW="240120" imgH="119520" progId="Equation.Ribbit">
+                  <p:embed/>
+                </p:oleObj>
+              </mc:Choice>
+              <mc:Fallback>
+                <p:oleObj name="Formula" r:id="rId7" imgW="240120" imgH="119520" progId="Equation.Ribbit">
+                  <p:embed/>
+                  <p:pic>
+                    <p:nvPicPr>
+                      <p:cNvPr id="17" name="对象 16">
+                        <a:extLst>
+                          <a:ext uri="{FF2B5EF4-FFF2-40B4-BE49-F238E27FC236}">
+                            <a16:creationId xmlns:a16="http://schemas.microsoft.com/office/drawing/2014/main" id="{4D742D15-1145-4A8F-BEFB-229C79E787ED}"/>
+                          </a:ext>
+                        </a:extLst>
+                      </p:cNvPr>
+                      <p:cNvPicPr/>
+                      <p:nvPr/>
+                    </p:nvPicPr>
+                    <p:blipFill>
+                      <a:blip r:embed="rId8"/>
+                      <a:stretch>
+                        <a:fillRect/>
+                      </a:stretch>
+                    </p:blipFill>
+                    <p:spPr>
+                      <a:xfrm>
+                        <a:off x="3132963" y="5888356"/>
+                        <a:ext cx="476250" cy="236538"/>
+                      </a:xfrm>
+                      <a:prstGeom prst="rect">
+                        <a:avLst/>
+                      </a:prstGeom>
+                    </p:spPr>
+                  </p:pic>
+                </p:oleObj>
+              </mc:Fallback>
+            </mc:AlternateContent>
+          </a:graphicData>
+        </a:graphic>
+      </p:graphicFrame>
+      <p:graphicFrame>
+        <p:nvGraphicFramePr>
+          <p:cNvPr id="18" name="对象 17">
+            <a:extLst>
+              <a:ext uri="{FF2B5EF4-FFF2-40B4-BE49-F238E27FC236}">
+                <a16:creationId xmlns:a16="http://schemas.microsoft.com/office/drawing/2014/main" id="{9265BF84-9436-4D18-811D-894FF8BCAD6A}"/>
+              </a:ext>
+            </a:extLst>
+          </p:cNvPr>
+          <p:cNvGraphicFramePr>
+            <a:graphicFrameLocks noChangeAspect="1"/>
+          </p:cNvGraphicFramePr>
+          <p:nvPr/>
+        </p:nvGraphicFramePr>
+        <p:xfrm>
+          <a:off x="3016894" y="2198053"/>
+          <a:ext cx="1238250" cy="358775"/>
+        </p:xfrm>
+        <a:graphic>
+          <a:graphicData uri="http://schemas.openxmlformats.org/presentationml/2006/ole">
+            <mc:AlternateContent xmlns:mc="http://schemas.openxmlformats.org/markup-compatibility/2006">
+              <mc:Choice xmlns:v="urn:schemas-microsoft-com:vml" Requires="v">
+                <p:oleObj spid="_x0000_s1044" name="Formula" r:id="rId9" imgW="623880" imgH="180360" progId="Equation.Ribbit">
+                  <p:embed/>
+                </p:oleObj>
+              </mc:Choice>
+              <mc:Fallback>
+                <p:oleObj name="Formula" r:id="rId9" imgW="623880" imgH="180360" progId="Equation.Ribbit">
+                  <p:embed/>
+                  <p:pic>
+                    <p:nvPicPr>
+                      <p:cNvPr id="18" name="对象 17">
+                        <a:extLst>
+                          <a:ext uri="{FF2B5EF4-FFF2-40B4-BE49-F238E27FC236}">
+                            <a16:creationId xmlns:a16="http://schemas.microsoft.com/office/drawing/2014/main" id="{9265BF84-9436-4D18-811D-894FF8BCAD6A}"/>
+                          </a:ext>
+                        </a:extLst>
+                      </p:cNvPr>
+                      <p:cNvPicPr/>
+                      <p:nvPr/>
+                    </p:nvPicPr>
+                    <p:blipFill>
+                      <a:blip r:embed="rId10"/>
+                      <a:stretch>
+                        <a:fillRect/>
+                      </a:stretch>
+                    </p:blipFill>
+                    <p:spPr>
+                      <a:xfrm>
+                        <a:off x="3016894" y="2198053"/>
+                        <a:ext cx="1238250" cy="358775"/>
+                      </a:xfrm>
+                      <a:prstGeom prst="rect">
+                        <a:avLst/>
+                      </a:prstGeom>
+                    </p:spPr>
+                  </p:pic>
+                </p:oleObj>
+              </mc:Fallback>
+            </mc:AlternateContent>
+          </a:graphicData>
+        </a:graphic>
+      </p:graphicFrame>
+      <p:cxnSp>
+        <p:nvCxnSpPr>
+          <p:cNvPr id="20" name="直接箭头连接符 19">
+            <a:extLst>
+              <a:ext uri="{FF2B5EF4-FFF2-40B4-BE49-F238E27FC236}">
+                <a16:creationId xmlns:a16="http://schemas.microsoft.com/office/drawing/2014/main" id="{7E348587-5044-47E3-B715-10BB55E390C3}"/>
+              </a:ext>
+            </a:extLst>
+          </p:cNvPr>
+          <p:cNvCxnSpPr>
+            <a:cxnSpLocks/>
+          </p:cNvCxnSpPr>
+          <p:nvPr/>
+        </p:nvCxnSpPr>
+        <p:spPr>
+          <a:xfrm>
+            <a:off x="3371089" y="3041460"/>
+            <a:ext cx="1000125" cy="484633"/>
+          </a:xfrm>
+          <a:prstGeom prst="straightConnector1">
+            <a:avLst/>
+          </a:prstGeom>
+          <a:ln>
+            <a:prstDash val="solid"/>
+            <a:headEnd type="none" w="med" len="med"/>
+            <a:tailEnd type="none" w="med" len="med"/>
+          </a:ln>
+        </p:spPr>
+        <p:style>
+          <a:lnRef idx="1">
+            <a:schemeClr val="dk1"/>
+          </a:lnRef>
+          <a:fillRef idx="0">
+            <a:schemeClr val="dk1"/>
+          </a:fillRef>
+          <a:effectRef idx="0">
+            <a:schemeClr val="dk1"/>
+          </a:effectRef>
+          <a:fontRef idx="minor">
+            <a:schemeClr val="tx1"/>
+          </a:fontRef>
+        </p:style>
+      </p:cxnSp>
+      <p:cxnSp>
+        <p:nvCxnSpPr>
+          <p:cNvPr id="25" name="直接连接符 24">
+            <a:extLst>
+              <a:ext uri="{FF2B5EF4-FFF2-40B4-BE49-F238E27FC236}">
+                <a16:creationId xmlns:a16="http://schemas.microsoft.com/office/drawing/2014/main" id="{0446A58F-4AC8-4F4D-917A-44933CC11D6E}"/>
+              </a:ext>
+            </a:extLst>
+          </p:cNvPr>
+          <p:cNvCxnSpPr>
+            <a:cxnSpLocks/>
+          </p:cNvCxnSpPr>
+          <p:nvPr/>
+        </p:nvCxnSpPr>
+        <p:spPr>
+          <a:xfrm>
+            <a:off x="2276284" y="2361031"/>
+            <a:ext cx="3377993" cy="2135939"/>
+          </a:xfrm>
+          <a:prstGeom prst="line">
+            <a:avLst/>
+          </a:prstGeom>
+          <a:ln w="19050">
+            <a:solidFill>
+              <a:schemeClr val="tx1"/>
+            </a:solidFill>
+            <a:prstDash val="sysDash"/>
+          </a:ln>
+        </p:spPr>
+        <p:style>
+          <a:lnRef idx="1">
+            <a:schemeClr val="dk1"/>
+          </a:lnRef>
+          <a:fillRef idx="0">
+            <a:schemeClr val="dk1"/>
+          </a:fillRef>
+          <a:effectRef idx="0">
+            <a:schemeClr val="dk1"/>
+          </a:effectRef>
+          <a:fontRef idx="minor">
+            <a:schemeClr val="tx1"/>
+          </a:fontRef>
+        </p:style>
+      </p:cxnSp>
+      <p:cxnSp>
+        <p:nvCxnSpPr>
+          <p:cNvPr id="29" name="直接箭头连接符 28">
+            <a:extLst>
+              <a:ext uri="{FF2B5EF4-FFF2-40B4-BE49-F238E27FC236}">
+                <a16:creationId xmlns:a16="http://schemas.microsoft.com/office/drawing/2014/main" id="{72E79FCC-DD1D-4FB2-B785-948AD954C5A2}"/>
+              </a:ext>
+            </a:extLst>
+          </p:cNvPr>
+          <p:cNvCxnSpPr/>
+          <p:nvPr/>
+        </p:nvCxnSpPr>
+        <p:spPr>
+          <a:xfrm flipV="1">
+            <a:off x="2642863" y="2913585"/>
+            <a:ext cx="357809" cy="732656"/>
+          </a:xfrm>
+          <a:prstGeom prst="straightConnector1">
+            <a:avLst/>
+          </a:prstGeom>
+          <a:ln>
+            <a:tailEnd type="triangle"/>
+          </a:ln>
+        </p:spPr>
+        <p:style>
+          <a:lnRef idx="3">
+            <a:schemeClr val="dk1"/>
+          </a:lnRef>
+          <a:fillRef idx="0">
+            <a:schemeClr val="dk1"/>
+          </a:fillRef>
+          <a:effectRef idx="2">
+            <a:schemeClr val="dk1"/>
+          </a:effectRef>
+          <a:fontRef idx="minor">
+            <a:schemeClr val="tx1"/>
+          </a:fontRef>
+        </p:style>
+      </p:cxnSp>
+      <p:graphicFrame>
+        <p:nvGraphicFramePr>
+          <p:cNvPr id="31" name="对象 30">
+            <a:extLst>
+              <a:ext uri="{FF2B5EF4-FFF2-40B4-BE49-F238E27FC236}">
+                <a16:creationId xmlns:a16="http://schemas.microsoft.com/office/drawing/2014/main" id="{C8C76398-3390-4772-8382-D2E3852DCF04}"/>
+              </a:ext>
+            </a:extLst>
+          </p:cNvPr>
+          <p:cNvGraphicFramePr>
+            <a:graphicFrameLocks noChangeAspect="1"/>
+          </p:cNvGraphicFramePr>
+          <p:nvPr/>
+        </p:nvGraphicFramePr>
+        <p:xfrm>
+          <a:off x="2313429" y="3647331"/>
+          <a:ext cx="779462" cy="252413"/>
+        </p:xfrm>
+        <a:graphic>
+          <a:graphicData uri="http://schemas.openxmlformats.org/presentationml/2006/ole">
+            <mc:AlternateContent xmlns:mc="http://schemas.openxmlformats.org/markup-compatibility/2006">
+              <mc:Choice xmlns:v="urn:schemas-microsoft-com:vml" Requires="v">
+                <p:oleObj spid="_x0000_s1045" name="Formula" r:id="rId11" imgW="393840" imgH="127080" progId="Equation.Ribbit">
+                  <p:embed/>
+                </p:oleObj>
+              </mc:Choice>
+              <mc:Fallback>
+                <p:oleObj name="Formula" r:id="rId11" imgW="393840" imgH="127080" progId="Equation.Ribbit">
+                  <p:embed/>
+                  <p:pic>
+                    <p:nvPicPr>
+                      <p:cNvPr id="31" name="对象 30">
+                        <a:extLst>
+                          <a:ext uri="{FF2B5EF4-FFF2-40B4-BE49-F238E27FC236}">
+                            <a16:creationId xmlns:a16="http://schemas.microsoft.com/office/drawing/2014/main" id="{C8C76398-3390-4772-8382-D2E3852DCF04}"/>
+                          </a:ext>
+                        </a:extLst>
+                      </p:cNvPr>
+                      <p:cNvPicPr/>
+                      <p:nvPr/>
+                    </p:nvPicPr>
+                    <p:blipFill>
+                      <a:blip r:embed="rId12"/>
+                      <a:stretch>
+                        <a:fillRect/>
+                      </a:stretch>
+                    </p:blipFill>
+                    <p:spPr>
+                      <a:xfrm>
+                        <a:off x="2313429" y="3647331"/>
+                        <a:ext cx="779462" cy="252413"/>
+                      </a:xfrm>
+                      <a:prstGeom prst="rect">
+                        <a:avLst/>
+                      </a:prstGeom>
+                    </p:spPr>
+                  </p:pic>
+                </p:oleObj>
+              </mc:Fallback>
+            </mc:AlternateContent>
+          </a:graphicData>
+        </a:graphic>
+      </p:graphicFrame>
+      <p:graphicFrame>
+        <p:nvGraphicFramePr>
+          <p:cNvPr id="32" name="对象 31">
+            <a:extLst>
+              <a:ext uri="{FF2B5EF4-FFF2-40B4-BE49-F238E27FC236}">
+                <a16:creationId xmlns:a16="http://schemas.microsoft.com/office/drawing/2014/main" id="{950FBED8-5749-4B49-AEAC-BC5E36128A0D}"/>
+              </a:ext>
+            </a:extLst>
+          </p:cNvPr>
+          <p:cNvGraphicFramePr>
+            <a:graphicFrameLocks noChangeAspect="1"/>
+          </p:cNvGraphicFramePr>
+          <p:nvPr/>
+        </p:nvGraphicFramePr>
+        <p:xfrm>
+          <a:off x="4126311" y="3035616"/>
+          <a:ext cx="1238250" cy="330200"/>
+        </p:xfrm>
+        <a:graphic>
+          <a:graphicData uri="http://schemas.openxmlformats.org/presentationml/2006/ole">
+            <mc:AlternateContent xmlns:mc="http://schemas.openxmlformats.org/markup-compatibility/2006">
+              <mc:Choice xmlns:v="urn:schemas-microsoft-com:vml" Requires="v">
+                <p:oleObj spid="_x0000_s1046" name="Formula" r:id="rId13" imgW="623880" imgH="166680" progId="Equation.Ribbit">
+                  <p:embed/>
+                </p:oleObj>
+              </mc:Choice>
+              <mc:Fallback>
+                <p:oleObj name="Formula" r:id="rId13" imgW="623880" imgH="166680" progId="Equation.Ribbit">
+                  <p:embed/>
+                  <p:pic>
+                    <p:nvPicPr>
+                      <p:cNvPr id="32" name="对象 31">
+                        <a:extLst>
+                          <a:ext uri="{FF2B5EF4-FFF2-40B4-BE49-F238E27FC236}">
+                            <a16:creationId xmlns:a16="http://schemas.microsoft.com/office/drawing/2014/main" id="{950FBED8-5749-4B49-AEAC-BC5E36128A0D}"/>
+                          </a:ext>
+                        </a:extLst>
+                      </p:cNvPr>
+                      <p:cNvPicPr/>
+                      <p:nvPr/>
+                    </p:nvPicPr>
+                    <p:blipFill>
+                      <a:blip r:embed="rId14"/>
+                      <a:stretch>
+                        <a:fillRect/>
+                      </a:stretch>
+                    </p:blipFill>
+                    <p:spPr>
+                      <a:xfrm>
+                        <a:off x="4126311" y="3035616"/>
+                        <a:ext cx="1238250" cy="330200"/>
+                      </a:xfrm>
+                      <a:prstGeom prst="rect">
+                        <a:avLst/>
+                      </a:prstGeom>
+                    </p:spPr>
+                  </p:pic>
+                </p:oleObj>
+              </mc:Fallback>
+            </mc:AlternateContent>
+          </a:graphicData>
+        </a:graphic>
+      </p:graphicFrame>
+      <p:cxnSp>
+        <p:nvCxnSpPr>
+          <p:cNvPr id="35" name="直接连接符 34">
+            <a:extLst>
+              <a:ext uri="{FF2B5EF4-FFF2-40B4-BE49-F238E27FC236}">
+                <a16:creationId xmlns:a16="http://schemas.microsoft.com/office/drawing/2014/main" id="{77C8CBE5-33DB-4C4C-8F44-3866CC5A14A1}"/>
+              </a:ext>
+            </a:extLst>
+          </p:cNvPr>
+          <p:cNvCxnSpPr>
+            <a:cxnSpLocks/>
+          </p:cNvCxnSpPr>
+          <p:nvPr/>
+        </p:nvCxnSpPr>
+        <p:spPr>
+          <a:xfrm>
+            <a:off x="4011622" y="3773536"/>
+            <a:ext cx="4214192" cy="830874"/>
+          </a:xfrm>
+          <a:prstGeom prst="line">
+            <a:avLst/>
+          </a:prstGeom>
+          <a:ln w="19050">
+            <a:solidFill>
+              <a:schemeClr val="tx1"/>
+            </a:solidFill>
+            <a:prstDash val="sysDash"/>
+          </a:ln>
+        </p:spPr>
+        <p:style>
+          <a:lnRef idx="1">
+            <a:schemeClr val="dk1"/>
+          </a:lnRef>
+          <a:fillRef idx="0">
+            <a:schemeClr val="dk1"/>
+          </a:fillRef>
+          <a:effectRef idx="0">
+            <a:schemeClr val="dk1"/>
+          </a:effectRef>
+          <a:fontRef idx="minor">
+            <a:schemeClr val="tx1"/>
+          </a:fontRef>
+        </p:style>
+      </p:cxnSp>
+      <p:cxnSp>
+        <p:nvCxnSpPr>
+          <p:cNvPr id="39" name="直接连接符 38">
+            <a:extLst>
+              <a:ext uri="{FF2B5EF4-FFF2-40B4-BE49-F238E27FC236}">
+                <a16:creationId xmlns:a16="http://schemas.microsoft.com/office/drawing/2014/main" id="{2D3C0964-30E4-4587-AC01-76DD1C5061E6}"/>
+              </a:ext>
+            </a:extLst>
+          </p:cNvPr>
+          <p:cNvCxnSpPr>
+            <a:cxnSpLocks/>
+          </p:cNvCxnSpPr>
+          <p:nvPr/>
+        </p:nvCxnSpPr>
+        <p:spPr>
+          <a:xfrm>
+            <a:off x="4674941" y="3899744"/>
+            <a:ext cx="0" cy="1879265"/>
+          </a:xfrm>
+          <a:prstGeom prst="line">
+            <a:avLst/>
+          </a:prstGeom>
+          <a:ln>
+            <a:prstDash val="sysDot"/>
+            <a:headEnd type="oval" w="med" len="med"/>
+            <a:tailEnd type="oval" w="med" len="med"/>
+          </a:ln>
+        </p:spPr>
+        <p:style>
+          <a:lnRef idx="1">
+            <a:schemeClr val="dk1"/>
+          </a:lnRef>
+          <a:fillRef idx="0">
+            <a:schemeClr val="dk1"/>
+          </a:fillRef>
+          <a:effectRef idx="0">
+            <a:schemeClr val="dk1"/>
+          </a:effectRef>
+          <a:fontRef idx="minor">
+            <a:schemeClr val="tx1"/>
+          </a:fontRef>
+        </p:style>
+      </p:cxnSp>
+      <p:cxnSp>
+        <p:nvCxnSpPr>
+          <p:cNvPr id="43" name="直接连接符 42">
+            <a:extLst>
+              <a:ext uri="{FF2B5EF4-FFF2-40B4-BE49-F238E27FC236}">
+                <a16:creationId xmlns:a16="http://schemas.microsoft.com/office/drawing/2014/main" id="{4561AF75-3E34-4458-AC64-0FFA419ABC00}"/>
+              </a:ext>
+            </a:extLst>
+          </p:cNvPr>
+          <p:cNvCxnSpPr>
+            <a:cxnSpLocks/>
+          </p:cNvCxnSpPr>
+          <p:nvPr/>
+        </p:nvCxnSpPr>
+        <p:spPr>
+          <a:xfrm>
+            <a:off x="7330237" y="4410234"/>
+            <a:ext cx="0" cy="1368774"/>
+          </a:xfrm>
+          <a:prstGeom prst="line">
+            <a:avLst/>
+          </a:prstGeom>
+          <a:ln>
+            <a:prstDash val="sysDot"/>
+            <a:headEnd type="oval" w="med" len="med"/>
+            <a:tailEnd type="oval" w="med" len="med"/>
+          </a:ln>
+        </p:spPr>
+        <p:style>
+          <a:lnRef idx="1">
+            <a:schemeClr val="dk1"/>
+          </a:lnRef>
+          <a:fillRef idx="0">
+            <a:schemeClr val="dk1"/>
+          </a:fillRef>
+          <a:effectRef idx="0">
+            <a:schemeClr val="dk1"/>
+          </a:effectRef>
+          <a:fontRef idx="minor">
+            <a:schemeClr val="tx1"/>
+          </a:fontRef>
+        </p:style>
+      </p:cxnSp>
+      <p:cxnSp>
+        <p:nvCxnSpPr>
+          <p:cNvPr id="44" name="直接箭头连接符 43">
+            <a:extLst>
+              <a:ext uri="{FF2B5EF4-FFF2-40B4-BE49-F238E27FC236}">
+                <a16:creationId xmlns:a16="http://schemas.microsoft.com/office/drawing/2014/main" id="{913CE92F-BDE6-4E5A-B066-50FD1C6B00F6}"/>
+              </a:ext>
+            </a:extLst>
+          </p:cNvPr>
+          <p:cNvCxnSpPr>
+            <a:cxnSpLocks/>
+          </p:cNvCxnSpPr>
+          <p:nvPr/>
+        </p:nvCxnSpPr>
+        <p:spPr>
+          <a:xfrm>
+            <a:off x="4372747" y="3531171"/>
+            <a:ext cx="638468" cy="303443"/>
+          </a:xfrm>
+          <a:prstGeom prst="straightConnector1">
+            <a:avLst/>
+          </a:prstGeom>
+          <a:ln>
+            <a:prstDash val="lgDashDotDot"/>
+            <a:headEnd type="none" w="med" len="med"/>
+            <a:tailEnd type="none" w="med" len="med"/>
+          </a:ln>
+        </p:spPr>
+        <p:style>
+          <a:lnRef idx="1">
+            <a:schemeClr val="dk1"/>
+          </a:lnRef>
+          <a:fillRef idx="0">
+            <a:schemeClr val="dk1"/>
+          </a:fillRef>
+          <a:effectRef idx="0">
+            <a:schemeClr val="dk1"/>
+          </a:effectRef>
+          <a:fontRef idx="minor">
+            <a:schemeClr val="tx1"/>
+          </a:fontRef>
+        </p:style>
+      </p:cxnSp>
+      <p:cxnSp>
+        <p:nvCxnSpPr>
+          <p:cNvPr id="48" name="直接箭头连接符 47">
+            <a:extLst>
+              <a:ext uri="{FF2B5EF4-FFF2-40B4-BE49-F238E27FC236}">
+                <a16:creationId xmlns:a16="http://schemas.microsoft.com/office/drawing/2014/main" id="{CD501E1E-20E8-443D-BF9B-64046FD467BA}"/>
+              </a:ext>
+            </a:extLst>
+          </p:cNvPr>
+          <p:cNvCxnSpPr>
+            <a:cxnSpLocks/>
+          </p:cNvCxnSpPr>
+          <p:nvPr/>
+        </p:nvCxnSpPr>
+        <p:spPr>
+          <a:xfrm>
+            <a:off x="5025125" y="3841736"/>
+            <a:ext cx="773165" cy="194245"/>
+          </a:xfrm>
+          <a:prstGeom prst="straightConnector1">
+            <a:avLst/>
+          </a:prstGeom>
+          <a:ln>
+            <a:prstDash val="lgDashDotDot"/>
+            <a:headEnd type="none" w="med" len="med"/>
+            <a:tailEnd type="none" w="med" len="med"/>
+          </a:ln>
+        </p:spPr>
+        <p:style>
+          <a:lnRef idx="1">
+            <a:schemeClr val="dk1"/>
+          </a:lnRef>
+          <a:fillRef idx="0">
+            <a:schemeClr val="dk1"/>
+          </a:fillRef>
+          <a:effectRef idx="0">
+            <a:schemeClr val="dk1"/>
+          </a:effectRef>
+          <a:fontRef idx="minor">
+            <a:schemeClr val="tx1"/>
+          </a:fontRef>
+        </p:style>
+      </p:cxnSp>
+      <p:cxnSp>
+        <p:nvCxnSpPr>
+          <p:cNvPr id="51" name="直接箭头连接符 50">
+            <a:extLst>
+              <a:ext uri="{FF2B5EF4-FFF2-40B4-BE49-F238E27FC236}">
+                <a16:creationId xmlns:a16="http://schemas.microsoft.com/office/drawing/2014/main" id="{0D6A31DA-B475-4480-9DB7-937804470F3B}"/>
+              </a:ext>
+            </a:extLst>
+          </p:cNvPr>
+          <p:cNvCxnSpPr>
+            <a:cxnSpLocks/>
+          </p:cNvCxnSpPr>
+          <p:nvPr/>
+        </p:nvCxnSpPr>
+        <p:spPr>
+          <a:xfrm>
+            <a:off x="5798289" y="4035796"/>
+            <a:ext cx="1531948" cy="374438"/>
+          </a:xfrm>
+          <a:prstGeom prst="straightConnector1">
+            <a:avLst/>
+          </a:prstGeom>
+          <a:ln>
+            <a:prstDash val="solid"/>
+            <a:headEnd type="none" w="med" len="med"/>
+            <a:tailEnd type="none" w="med" len="med"/>
+          </a:ln>
+        </p:spPr>
+        <p:style>
+          <a:lnRef idx="1">
+            <a:schemeClr val="dk1"/>
+          </a:lnRef>
+          <a:fillRef idx="0">
+            <a:schemeClr val="dk1"/>
+          </a:fillRef>
+          <a:effectRef idx="0">
+            <a:schemeClr val="dk1"/>
+          </a:effectRef>
+          <a:fontRef idx="minor">
+            <a:schemeClr val="tx1"/>
+          </a:fontRef>
+        </p:style>
+      </p:cxnSp>
+      <p:cxnSp>
+        <p:nvCxnSpPr>
+          <p:cNvPr id="65" name="直接箭头连接符 64">
+            <a:extLst>
+              <a:ext uri="{FF2B5EF4-FFF2-40B4-BE49-F238E27FC236}">
+                <a16:creationId xmlns:a16="http://schemas.microsoft.com/office/drawing/2014/main" id="{3121B6B0-C1CB-447C-BAA3-3D8E99532A4A}"/>
+              </a:ext>
+            </a:extLst>
+          </p:cNvPr>
+          <p:cNvCxnSpPr>
+            <a:cxnSpLocks/>
+          </p:cNvCxnSpPr>
+          <p:nvPr/>
+        </p:nvCxnSpPr>
+        <p:spPr>
+          <a:xfrm flipV="1">
+            <a:off x="5980942" y="4303325"/>
+            <a:ext cx="232142" cy="504511"/>
+          </a:xfrm>
+          <a:prstGeom prst="straightConnector1">
+            <a:avLst/>
+          </a:prstGeom>
+          <a:ln>
+            <a:tailEnd type="triangle"/>
+          </a:ln>
+        </p:spPr>
+        <p:style>
+          <a:lnRef idx="3">
+            <a:schemeClr val="dk1"/>
+          </a:lnRef>
+          <a:fillRef idx="0">
+            <a:schemeClr val="dk1"/>
+          </a:fillRef>
+          <a:effectRef idx="2">
+            <a:schemeClr val="dk1"/>
+          </a:effectRef>
+          <a:fontRef idx="minor">
+            <a:schemeClr val="tx1"/>
+          </a:fontRef>
+        </p:style>
+      </p:cxnSp>
+      <p:cxnSp>
+        <p:nvCxnSpPr>
+          <p:cNvPr id="67" name="直接箭头连接符 66">
+            <a:extLst>
+              <a:ext uri="{FF2B5EF4-FFF2-40B4-BE49-F238E27FC236}">
+                <a16:creationId xmlns:a16="http://schemas.microsoft.com/office/drawing/2014/main" id="{521518E7-0D40-4A13-973D-371D63C7960B}"/>
+              </a:ext>
+            </a:extLst>
+          </p:cNvPr>
+          <p:cNvCxnSpPr>
+            <a:cxnSpLocks/>
+          </p:cNvCxnSpPr>
+          <p:nvPr/>
+        </p:nvCxnSpPr>
+        <p:spPr>
+          <a:xfrm>
+            <a:off x="7288964" y="4410234"/>
+            <a:ext cx="1531948" cy="157687"/>
+          </a:xfrm>
+          <a:prstGeom prst="straightConnector1">
+            <a:avLst/>
+          </a:prstGeom>
+          <a:ln>
+            <a:prstDash val="solid"/>
+            <a:headEnd type="none" w="med" len="med"/>
+            <a:tailEnd type="none" w="med" len="med"/>
+          </a:ln>
+        </p:spPr>
+        <p:style>
+          <a:lnRef idx="1">
+            <a:schemeClr val="dk1"/>
+          </a:lnRef>
+          <a:fillRef idx="0">
+            <a:schemeClr val="dk1"/>
+          </a:fillRef>
+          <a:effectRef idx="0">
+            <a:schemeClr val="dk1"/>
+          </a:effectRef>
+          <a:fontRef idx="minor">
+            <a:schemeClr val="tx1"/>
+          </a:fontRef>
+        </p:style>
+      </p:cxnSp>
+      <p:graphicFrame>
+        <p:nvGraphicFramePr>
+          <p:cNvPr id="70" name="对象 69">
+            <a:extLst>
+              <a:ext uri="{FF2B5EF4-FFF2-40B4-BE49-F238E27FC236}">
+                <a16:creationId xmlns:a16="http://schemas.microsoft.com/office/drawing/2014/main" id="{2D729B0D-94DA-4FD3-B2AF-B29B98A5B6B5}"/>
+              </a:ext>
+            </a:extLst>
+          </p:cNvPr>
+          <p:cNvGraphicFramePr>
+            <a:graphicFrameLocks noChangeAspect="1"/>
+          </p:cNvGraphicFramePr>
+          <p:nvPr/>
+        </p:nvGraphicFramePr>
+        <p:xfrm>
+          <a:off x="6146800" y="3681413"/>
+          <a:ext cx="1017588" cy="336550"/>
+        </p:xfrm>
+        <a:graphic>
+          <a:graphicData uri="http://schemas.openxmlformats.org/presentationml/2006/ole">
+            <mc:AlternateContent xmlns:mc="http://schemas.openxmlformats.org/markup-compatibility/2006">
+              <mc:Choice xmlns:v="urn:schemas-microsoft-com:vml" Requires="v">
+                <p:oleObj spid="_x0000_s1047" name="Formula" r:id="rId15" imgW="513360" imgH="170280" progId="Equation.Ribbit">
+                  <p:embed/>
+                </p:oleObj>
+              </mc:Choice>
+              <mc:Fallback>
+                <p:oleObj name="Formula" r:id="rId15" imgW="513360" imgH="170280" progId="Equation.Ribbit">
+                  <p:embed/>
+                  <p:pic>
+                    <p:nvPicPr>
+                      <p:cNvPr id="70" name="对象 69">
+                        <a:extLst>
+                          <a:ext uri="{FF2B5EF4-FFF2-40B4-BE49-F238E27FC236}">
+                            <a16:creationId xmlns:a16="http://schemas.microsoft.com/office/drawing/2014/main" id="{2D729B0D-94DA-4FD3-B2AF-B29B98A5B6B5}"/>
+                          </a:ext>
+                        </a:extLst>
+                      </p:cNvPr>
+                      <p:cNvPicPr/>
+                      <p:nvPr/>
+                    </p:nvPicPr>
+                    <p:blipFill>
+                      <a:blip r:embed="rId16"/>
+                      <a:stretch>
+                        <a:fillRect/>
+                      </a:stretch>
+                    </p:blipFill>
+                    <p:spPr>
+                      <a:xfrm>
+                        <a:off x="6146800" y="3681413"/>
+                        <a:ext cx="1017588" cy="336550"/>
+                      </a:xfrm>
+                      <a:prstGeom prst="rect">
+                        <a:avLst/>
+                      </a:prstGeom>
+                    </p:spPr>
+                  </p:pic>
+                </p:oleObj>
+              </mc:Fallback>
+            </mc:AlternateContent>
+          </a:graphicData>
+        </a:graphic>
+      </p:graphicFrame>
+      <p:graphicFrame>
+        <p:nvGraphicFramePr>
+          <p:cNvPr id="71" name="对象 70">
+            <a:extLst>
+              <a:ext uri="{FF2B5EF4-FFF2-40B4-BE49-F238E27FC236}">
+                <a16:creationId xmlns:a16="http://schemas.microsoft.com/office/drawing/2014/main" id="{93257673-B2B6-4228-A6D4-0553F30C53CA}"/>
+              </a:ext>
+            </a:extLst>
+          </p:cNvPr>
+          <p:cNvGraphicFramePr>
+            <a:graphicFrameLocks noChangeAspect="1"/>
+          </p:cNvGraphicFramePr>
+          <p:nvPr/>
+        </p:nvGraphicFramePr>
+        <p:xfrm>
+          <a:off x="8164808" y="4113504"/>
+          <a:ext cx="1017588" cy="307975"/>
+        </p:xfrm>
+        <a:graphic>
+          <a:graphicData uri="http://schemas.openxmlformats.org/presentationml/2006/ole">
+            <mc:AlternateContent xmlns:mc="http://schemas.openxmlformats.org/markup-compatibility/2006">
+              <mc:Choice xmlns:v="urn:schemas-microsoft-com:vml" Requires="v">
+                <p:oleObj spid="_x0000_s1048" name="Formula" r:id="rId17" imgW="513360" imgH="156240" progId="Equation.Ribbit">
+                  <p:embed/>
+                </p:oleObj>
+              </mc:Choice>
+              <mc:Fallback>
+                <p:oleObj name="Formula" r:id="rId17" imgW="513360" imgH="156240" progId="Equation.Ribbit">
+                  <p:embed/>
+                  <p:pic>
+                    <p:nvPicPr>
+                      <p:cNvPr id="71" name="对象 70">
+                        <a:extLst>
+                          <a:ext uri="{FF2B5EF4-FFF2-40B4-BE49-F238E27FC236}">
+                            <a16:creationId xmlns:a16="http://schemas.microsoft.com/office/drawing/2014/main" id="{93257673-B2B6-4228-A6D4-0553F30C53CA}"/>
+                          </a:ext>
+                        </a:extLst>
+                      </p:cNvPr>
+                      <p:cNvPicPr/>
+                      <p:nvPr/>
+                    </p:nvPicPr>
+                    <p:blipFill>
+                      <a:blip r:embed="rId18"/>
+                      <a:stretch>
+                        <a:fillRect/>
+                      </a:stretch>
+                    </p:blipFill>
+                    <p:spPr>
+                      <a:xfrm>
+                        <a:off x="8164808" y="4113504"/>
+                        <a:ext cx="1017588" cy="307975"/>
+                      </a:xfrm>
+                      <a:prstGeom prst="rect">
+                        <a:avLst/>
+                      </a:prstGeom>
+                    </p:spPr>
+                  </p:pic>
+                </p:oleObj>
+              </mc:Fallback>
+            </mc:AlternateContent>
+          </a:graphicData>
+        </a:graphic>
+      </p:graphicFrame>
+      <p:graphicFrame>
+        <p:nvGraphicFramePr>
+          <p:cNvPr id="72" name="对象 71">
+            <a:extLst>
+              <a:ext uri="{FF2B5EF4-FFF2-40B4-BE49-F238E27FC236}">
+                <a16:creationId xmlns:a16="http://schemas.microsoft.com/office/drawing/2014/main" id="{0668F51B-85E7-464C-9BC7-E95ADF47171E}"/>
+              </a:ext>
+            </a:extLst>
+          </p:cNvPr>
+          <p:cNvGraphicFramePr>
+            <a:graphicFrameLocks noChangeAspect="1"/>
+          </p:cNvGraphicFramePr>
+          <p:nvPr/>
+        </p:nvGraphicFramePr>
+        <p:xfrm>
+          <a:off x="5726114" y="4749801"/>
+          <a:ext cx="530225" cy="252413"/>
+        </p:xfrm>
+        <a:graphic>
+          <a:graphicData uri="http://schemas.openxmlformats.org/presentationml/2006/ole">
+            <mc:AlternateContent xmlns:mc="http://schemas.openxmlformats.org/markup-compatibility/2006">
+              <mc:Choice xmlns:v="urn:schemas-microsoft-com:vml" Requires="v">
+                <p:oleObj spid="_x0000_s1049" name="Formula" r:id="rId19" imgW="268200" imgH="127080" progId="Equation.Ribbit">
+                  <p:embed/>
+                </p:oleObj>
+              </mc:Choice>
+              <mc:Fallback>
+                <p:oleObj name="Formula" r:id="rId19" imgW="268200" imgH="127080" progId="Equation.Ribbit">
+                  <p:embed/>
+                  <p:pic>
+                    <p:nvPicPr>
+                      <p:cNvPr id="72" name="对象 71">
+                        <a:extLst>
+                          <a:ext uri="{FF2B5EF4-FFF2-40B4-BE49-F238E27FC236}">
+                            <a16:creationId xmlns:a16="http://schemas.microsoft.com/office/drawing/2014/main" id="{0668F51B-85E7-464C-9BC7-E95ADF47171E}"/>
+                          </a:ext>
+                        </a:extLst>
+                      </p:cNvPr>
+                      <p:cNvPicPr/>
+                      <p:nvPr/>
+                    </p:nvPicPr>
+                    <p:blipFill>
+                      <a:blip r:embed="rId20"/>
+                      <a:stretch>
+                        <a:fillRect/>
+                      </a:stretch>
+                    </p:blipFill>
+                    <p:spPr>
+                      <a:xfrm>
+                        <a:off x="5726114" y="4749801"/>
+                        <a:ext cx="530225" cy="252413"/>
+                      </a:xfrm>
+                      <a:prstGeom prst="rect">
+                        <a:avLst/>
+                      </a:prstGeom>
+                    </p:spPr>
+                  </p:pic>
+                </p:oleObj>
+              </mc:Fallback>
+            </mc:AlternateContent>
+          </a:graphicData>
+        </a:graphic>
+      </p:graphicFrame>
+      <p:graphicFrame>
+        <p:nvGraphicFramePr>
+          <p:cNvPr id="73" name="对象 72">
+            <a:extLst>
+              <a:ext uri="{FF2B5EF4-FFF2-40B4-BE49-F238E27FC236}">
+                <a16:creationId xmlns:a16="http://schemas.microsoft.com/office/drawing/2014/main" id="{8E24C061-E501-4825-8A71-DB74E58AF116}"/>
+              </a:ext>
+            </a:extLst>
+          </p:cNvPr>
+          <p:cNvGraphicFramePr>
+            <a:graphicFrameLocks noChangeAspect="1"/>
+          </p:cNvGraphicFramePr>
+          <p:nvPr/>
+        </p:nvGraphicFramePr>
+        <p:xfrm>
+          <a:off x="2242096" y="3931534"/>
+          <a:ext cx="1117600" cy="333375"/>
+        </p:xfrm>
+        <a:graphic>
+          <a:graphicData uri="http://schemas.openxmlformats.org/presentationml/2006/ole">
+            <mc:AlternateContent xmlns:mc="http://schemas.openxmlformats.org/markup-compatibility/2006">
+              <mc:Choice xmlns:v="urn:schemas-microsoft-com:vml" Requires="v">
+                <p:oleObj spid="_x0000_s1050" name="Formula" r:id="rId21" imgW="564120" imgH="167760" progId="Equation.Ribbit">
+                  <p:embed/>
+                </p:oleObj>
+              </mc:Choice>
+              <mc:Fallback>
+                <p:oleObj name="Formula" r:id="rId21" imgW="564120" imgH="167760" progId="Equation.Ribbit">
+                  <p:embed/>
+                  <p:pic>
+                    <p:nvPicPr>
+                      <p:cNvPr id="73" name="对象 72">
+                        <a:extLst>
+                          <a:ext uri="{FF2B5EF4-FFF2-40B4-BE49-F238E27FC236}">
+                            <a16:creationId xmlns:a16="http://schemas.microsoft.com/office/drawing/2014/main" id="{8E24C061-E501-4825-8A71-DB74E58AF116}"/>
+                          </a:ext>
+                        </a:extLst>
+                      </p:cNvPr>
+                      <p:cNvPicPr/>
+                      <p:nvPr/>
+                    </p:nvPicPr>
+                    <p:blipFill>
+                      <a:blip r:embed="rId22"/>
+                      <a:stretch>
+                        <a:fillRect/>
+                      </a:stretch>
+                    </p:blipFill>
+                    <p:spPr>
+                      <a:xfrm>
+                        <a:off x="2242096" y="3931534"/>
+                        <a:ext cx="1117600" cy="333375"/>
+                      </a:xfrm>
+                      <a:prstGeom prst="rect">
+                        <a:avLst/>
+                      </a:prstGeom>
+                    </p:spPr>
+                  </p:pic>
+                </p:oleObj>
+              </mc:Fallback>
+            </mc:AlternateContent>
+          </a:graphicData>
+        </a:graphic>
+      </p:graphicFrame>
+      <p:graphicFrame>
+        <p:nvGraphicFramePr>
+          <p:cNvPr id="74" name="对象 73">
+            <a:extLst>
+              <a:ext uri="{FF2B5EF4-FFF2-40B4-BE49-F238E27FC236}">
+                <a16:creationId xmlns:a16="http://schemas.microsoft.com/office/drawing/2014/main" id="{A88068CC-61AF-4462-A9FD-D77C3D28F3C4}"/>
+              </a:ext>
+            </a:extLst>
+          </p:cNvPr>
+          <p:cNvGraphicFramePr>
+            <a:graphicFrameLocks noChangeAspect="1"/>
+          </p:cNvGraphicFramePr>
+          <p:nvPr/>
+        </p:nvGraphicFramePr>
+        <p:xfrm>
+          <a:off x="5576888" y="5037139"/>
+          <a:ext cx="900112" cy="307975"/>
+        </p:xfrm>
+        <a:graphic>
+          <a:graphicData uri="http://schemas.openxmlformats.org/presentationml/2006/ole">
+            <mc:AlternateContent xmlns:mc="http://schemas.openxmlformats.org/markup-compatibility/2006">
+              <mc:Choice xmlns:v="urn:schemas-microsoft-com:vml" Requires="v">
+                <p:oleObj spid="_x0000_s1051" name="Formula" r:id="rId23" imgW="454680" imgH="156240" progId="Equation.Ribbit">
+                  <p:embed/>
+                </p:oleObj>
+              </mc:Choice>
+              <mc:Fallback>
+                <p:oleObj name="Formula" r:id="rId23" imgW="454680" imgH="156240" progId="Equation.Ribbit">
+                  <p:embed/>
+                  <p:pic>
+                    <p:nvPicPr>
+                      <p:cNvPr id="74" name="对象 73">
+                        <a:extLst>
+                          <a:ext uri="{FF2B5EF4-FFF2-40B4-BE49-F238E27FC236}">
+                            <a16:creationId xmlns:a16="http://schemas.microsoft.com/office/drawing/2014/main" id="{A88068CC-61AF-4462-A9FD-D77C3D28F3C4}"/>
+                          </a:ext>
+                        </a:extLst>
+                      </p:cNvPr>
+                      <p:cNvPicPr/>
+                      <p:nvPr/>
+                    </p:nvPicPr>
+                    <p:blipFill>
+                      <a:blip r:embed="rId24"/>
+                      <a:stretch>
+                        <a:fillRect/>
+                      </a:stretch>
+                    </p:blipFill>
+                    <p:spPr>
+                      <a:xfrm>
+                        <a:off x="5576888" y="5037139"/>
+                        <a:ext cx="900112" cy="307975"/>
+                      </a:xfrm>
+                      <a:prstGeom prst="rect">
+                        <a:avLst/>
+                      </a:prstGeom>
+                    </p:spPr>
+                  </p:pic>
+                </p:oleObj>
+              </mc:Fallback>
+            </mc:AlternateContent>
+          </a:graphicData>
+        </a:graphic>
+      </p:graphicFrame>
+      <p:graphicFrame>
+        <p:nvGraphicFramePr>
+          <p:cNvPr id="75" name="对象 74">
+            <a:extLst>
+              <a:ext uri="{FF2B5EF4-FFF2-40B4-BE49-F238E27FC236}">
+                <a16:creationId xmlns:a16="http://schemas.microsoft.com/office/drawing/2014/main" id="{761A0ADE-DEB8-4131-B6FD-6A36392714AD}"/>
+              </a:ext>
+            </a:extLst>
+          </p:cNvPr>
+          <p:cNvGraphicFramePr>
+            <a:graphicFrameLocks noChangeAspect="1"/>
+          </p:cNvGraphicFramePr>
+          <p:nvPr/>
+        </p:nvGraphicFramePr>
+        <p:xfrm>
+          <a:off x="4583113" y="5875338"/>
+          <a:ext cx="227012" cy="317500"/>
+        </p:xfrm>
+        <a:graphic>
+          <a:graphicData uri="http://schemas.openxmlformats.org/presentationml/2006/ole">
+            <mc:AlternateContent xmlns:mc="http://schemas.openxmlformats.org/markup-compatibility/2006">
+              <mc:Choice xmlns:v="urn:schemas-microsoft-com:vml" Requires="v">
+                <p:oleObj spid="_x0000_s1052" name="Formula" r:id="rId25" imgW="114480" imgH="160200" progId="Equation.Ribbit">
+                  <p:embed/>
+                </p:oleObj>
+              </mc:Choice>
+              <mc:Fallback>
+                <p:oleObj name="Formula" r:id="rId25" imgW="114480" imgH="160200" progId="Equation.Ribbit">
+                  <p:embed/>
+                  <p:pic>
+                    <p:nvPicPr>
+                      <p:cNvPr id="75" name="对象 74">
+                        <a:extLst>
+                          <a:ext uri="{FF2B5EF4-FFF2-40B4-BE49-F238E27FC236}">
+                            <a16:creationId xmlns:a16="http://schemas.microsoft.com/office/drawing/2014/main" id="{761A0ADE-DEB8-4131-B6FD-6A36392714AD}"/>
+                          </a:ext>
+                        </a:extLst>
+                      </p:cNvPr>
+                      <p:cNvPicPr/>
+                      <p:nvPr/>
+                    </p:nvPicPr>
+                    <p:blipFill>
+                      <a:blip r:embed="rId26"/>
+                      <a:stretch>
+                        <a:fillRect/>
+                      </a:stretch>
+                    </p:blipFill>
+                    <p:spPr>
+                      <a:xfrm>
+                        <a:off x="4583113" y="5875338"/>
+                        <a:ext cx="227012" cy="317500"/>
+                      </a:xfrm>
+                      <a:prstGeom prst="rect">
+                        <a:avLst/>
+                      </a:prstGeom>
+                    </p:spPr>
+                  </p:pic>
+                </p:oleObj>
+              </mc:Fallback>
+            </mc:AlternateContent>
+          </a:graphicData>
+        </a:graphic>
+      </p:graphicFrame>
+      <p:graphicFrame>
+        <p:nvGraphicFramePr>
+          <p:cNvPr id="76" name="对象 75">
+            <a:extLst>
+              <a:ext uri="{FF2B5EF4-FFF2-40B4-BE49-F238E27FC236}">
+                <a16:creationId xmlns:a16="http://schemas.microsoft.com/office/drawing/2014/main" id="{EEE22C17-BDF7-4D13-B0EC-2870429C6850}"/>
+              </a:ext>
+            </a:extLst>
+          </p:cNvPr>
+          <p:cNvGraphicFramePr>
+            <a:graphicFrameLocks noChangeAspect="1"/>
+          </p:cNvGraphicFramePr>
+          <p:nvPr/>
+        </p:nvGraphicFramePr>
+        <p:xfrm>
+          <a:off x="8408989" y="5929314"/>
+          <a:ext cx="346075" cy="122237"/>
+        </p:xfrm>
+        <a:graphic>
+          <a:graphicData uri="http://schemas.openxmlformats.org/presentationml/2006/ole">
+            <mc:AlternateContent xmlns:mc="http://schemas.openxmlformats.org/markup-compatibility/2006">
+              <mc:Choice xmlns:v="urn:schemas-microsoft-com:vml" Requires="v">
+                <p:oleObj spid="_x0000_s1053" name="Formula" r:id="rId27" imgW="175320" imgH="62280" progId="Equation.Ribbit">
+                  <p:embed/>
+                </p:oleObj>
+              </mc:Choice>
+              <mc:Fallback>
+                <p:oleObj name="Formula" r:id="rId27" imgW="175320" imgH="62280" progId="Equation.Ribbit">
+                  <p:embed/>
+                  <p:pic>
+                    <p:nvPicPr>
+                      <p:cNvPr id="76" name="对象 75">
+                        <a:extLst>
+                          <a:ext uri="{FF2B5EF4-FFF2-40B4-BE49-F238E27FC236}">
+                            <a16:creationId xmlns:a16="http://schemas.microsoft.com/office/drawing/2014/main" id="{EEE22C17-BDF7-4D13-B0EC-2870429C6850}"/>
+                          </a:ext>
+                        </a:extLst>
+                      </p:cNvPr>
+                      <p:cNvPicPr/>
+                      <p:nvPr/>
+                    </p:nvPicPr>
+                    <p:blipFill>
+                      <a:blip r:embed="rId28"/>
+                      <a:stretch>
+                        <a:fillRect/>
+                      </a:stretch>
+                    </p:blipFill>
+                    <p:spPr>
+                      <a:xfrm>
+                        <a:off x="8408989" y="5929314"/>
+                        <a:ext cx="346075" cy="122237"/>
+                      </a:xfrm>
+                      <a:prstGeom prst="rect">
+                        <a:avLst/>
+                      </a:prstGeom>
+                    </p:spPr>
+                  </p:pic>
+                </p:oleObj>
+              </mc:Fallback>
+            </mc:AlternateContent>
+          </a:graphicData>
+        </a:graphic>
+      </p:graphicFrame>
+      <p:graphicFrame>
+        <p:nvGraphicFramePr>
+          <p:cNvPr id="30" name="对象 29">
+            <a:extLst>
+              <a:ext uri="{FF2B5EF4-FFF2-40B4-BE49-F238E27FC236}">
+                <a16:creationId xmlns:a16="http://schemas.microsoft.com/office/drawing/2014/main" id="{F8B7B0D1-D359-4AA8-AA8D-843604A52A03}"/>
+              </a:ext>
+            </a:extLst>
+          </p:cNvPr>
+          <p:cNvGraphicFramePr>
+            <a:graphicFrameLocks noChangeAspect="1"/>
+          </p:cNvGraphicFramePr>
+          <p:nvPr/>
+        </p:nvGraphicFramePr>
+        <p:xfrm>
+          <a:off x="9981756" y="5670169"/>
+          <a:ext cx="176212" cy="236538"/>
+        </p:xfrm>
+        <a:graphic>
+          <a:graphicData uri="http://schemas.openxmlformats.org/presentationml/2006/ole">
+            <mc:AlternateContent xmlns:mc="http://schemas.openxmlformats.org/markup-compatibility/2006">
+              <mc:Choice xmlns:v="urn:schemas-microsoft-com:vml" Requires="v">
+                <p:oleObj spid="_x0000_s1054" name="Formula" r:id="rId29" imgW="88920" imgH="119520" progId="Equation.Ribbit">
+                  <p:embed/>
+                </p:oleObj>
+              </mc:Choice>
+              <mc:Fallback>
+                <p:oleObj name="Formula" r:id="rId29" imgW="88920" imgH="119520" progId="Equation.Ribbit">
+                  <p:embed/>
+                  <p:pic>
+                    <p:nvPicPr>
+                      <p:cNvPr id="30" name="对象 29">
+                        <a:extLst>
+                          <a:ext uri="{FF2B5EF4-FFF2-40B4-BE49-F238E27FC236}">
+                            <a16:creationId xmlns:a16="http://schemas.microsoft.com/office/drawing/2014/main" id="{F8B7B0D1-D359-4AA8-AA8D-843604A52A03}"/>
+                          </a:ext>
+                        </a:extLst>
+                      </p:cNvPr>
+                      <p:cNvPicPr/>
+                      <p:nvPr/>
+                    </p:nvPicPr>
+                    <p:blipFill>
+                      <a:blip r:embed="rId30"/>
+                      <a:stretch>
+                        <a:fillRect/>
+                      </a:stretch>
+                    </p:blipFill>
+                    <p:spPr>
+                      <a:xfrm>
+                        <a:off x="9981756" y="5670169"/>
+                        <a:ext cx="176212" cy="236538"/>
+                      </a:xfrm>
+                      <a:prstGeom prst="rect">
+                        <a:avLst/>
+                      </a:prstGeom>
+                    </p:spPr>
+                  </p:pic>
+                </p:oleObj>
+              </mc:Fallback>
+            </mc:AlternateContent>
+          </a:graphicData>
+        </a:graphic>
+      </p:graphicFrame>
+      <p:cxnSp>
+        <p:nvCxnSpPr>
+          <p:cNvPr id="33" name="直接箭头连接符 32">
+            <a:extLst>
+              <a:ext uri="{FF2B5EF4-FFF2-40B4-BE49-F238E27FC236}">
+                <a16:creationId xmlns:a16="http://schemas.microsoft.com/office/drawing/2014/main" id="{A9A95762-3D28-4418-B48B-8DC8B6DB77E6}"/>
+              </a:ext>
+            </a:extLst>
+          </p:cNvPr>
+          <p:cNvCxnSpPr>
+            <a:cxnSpLocks/>
+          </p:cNvCxnSpPr>
+          <p:nvPr/>
+        </p:nvCxnSpPr>
+        <p:spPr>
+          <a:xfrm flipH="1">
+            <a:off x="2616630" y="1446655"/>
+            <a:ext cx="653874" cy="664636"/>
+          </a:xfrm>
+          <a:prstGeom prst="straightConnector1">
+            <a:avLst/>
+          </a:prstGeom>
+          <a:ln>
+            <a:tailEnd type="triangle"/>
+          </a:ln>
+        </p:spPr>
+        <p:style>
+          <a:lnRef idx="3">
+            <a:schemeClr val="dk1"/>
+          </a:lnRef>
+          <a:fillRef idx="0">
+            <a:schemeClr val="dk1"/>
+          </a:fillRef>
+          <a:effectRef idx="2">
+            <a:schemeClr val="dk1"/>
+          </a:effectRef>
+          <a:fontRef idx="minor">
+            <a:schemeClr val="tx1"/>
+          </a:fontRef>
+        </p:style>
+      </p:cxnSp>
+      <p:graphicFrame>
+        <p:nvGraphicFramePr>
+          <p:cNvPr id="36" name="对象 35">
+            <a:extLst>
+              <a:ext uri="{FF2B5EF4-FFF2-40B4-BE49-F238E27FC236}">
+                <a16:creationId xmlns:a16="http://schemas.microsoft.com/office/drawing/2014/main" id="{C5953B86-6ECC-4FAA-96D0-910C0DF92662}"/>
+              </a:ext>
+            </a:extLst>
+          </p:cNvPr>
+          <p:cNvGraphicFramePr>
+            <a:graphicFrameLocks noChangeAspect="1"/>
+          </p:cNvGraphicFramePr>
+          <p:nvPr/>
+        </p:nvGraphicFramePr>
+        <p:xfrm>
+          <a:off x="3307461" y="1180698"/>
+          <a:ext cx="476250" cy="252413"/>
+        </p:xfrm>
+        <a:graphic>
+          <a:graphicData uri="http://schemas.openxmlformats.org/presentationml/2006/ole">
+            <mc:AlternateContent xmlns:mc="http://schemas.openxmlformats.org/markup-compatibility/2006">
+              <mc:Choice xmlns:v="urn:schemas-microsoft-com:vml" Requires="v">
+                <p:oleObj spid="_x0000_s1055" name="Formula" r:id="rId31" imgW="239040" imgH="127080" progId="Equation.Ribbit">
+                  <p:embed/>
+                </p:oleObj>
+              </mc:Choice>
+              <mc:Fallback>
+                <p:oleObj name="Formula" r:id="rId31" imgW="239040" imgH="127080" progId="Equation.Ribbit">
+                  <p:embed/>
+                  <p:pic>
+                    <p:nvPicPr>
+                      <p:cNvPr id="36" name="对象 35">
+                        <a:extLst>
+                          <a:ext uri="{FF2B5EF4-FFF2-40B4-BE49-F238E27FC236}">
+                            <a16:creationId xmlns:a16="http://schemas.microsoft.com/office/drawing/2014/main" id="{C5953B86-6ECC-4FAA-96D0-910C0DF92662}"/>
+                          </a:ext>
+                        </a:extLst>
+                      </p:cNvPr>
+                      <p:cNvPicPr/>
+                      <p:nvPr/>
+                    </p:nvPicPr>
+                    <p:blipFill>
+                      <a:blip r:embed="rId32"/>
+                      <a:stretch>
+                        <a:fillRect/>
+                      </a:stretch>
+                    </p:blipFill>
+                    <p:spPr>
+                      <a:xfrm>
+                        <a:off x="3307461" y="1180698"/>
+                        <a:ext cx="476250" cy="252413"/>
+                      </a:xfrm>
+                      <a:prstGeom prst="rect">
+                        <a:avLst/>
+                      </a:prstGeom>
+                    </p:spPr>
+                  </p:pic>
+                </p:oleObj>
+              </mc:Fallback>
+            </mc:AlternateContent>
+          </a:graphicData>
+        </a:graphic>
+      </p:graphicFrame>
+    </p:spTree>
+    <p:extLst>
+      <p:ext uri="{BB962C8B-B14F-4D97-AF65-F5344CB8AC3E}">
+        <p14:creationId xmlns:p14="http://schemas.microsoft.com/office/powerpoint/2010/main" val="52789495"/>
+      </p:ext>
+    </p:extLst>
+  </p:cSld>
+  <p:clrMapOvr>
+    <a:masterClrMapping/>
+  </p:clrMapOvr>
+</p:sld>
+</file>
+
 <file path=ppt/theme/theme1.xml><?xml version="1.0" encoding="utf-8"?>
 <a:theme xmlns:a="http://schemas.openxmlformats.org/drawingml/2006/main" name="Office 主题​​">
   <a:themeElements>

--- a/Scheduling_game/Figures/graph.pptx
+++ b/Scheduling_game/Figures/graph.pptx
@@ -8,6 +8,8 @@
     <p:sldId id="256" r:id="rId2"/>
     <p:sldId id="257" r:id="rId3"/>
     <p:sldId id="259" r:id="rId4"/>
+    <p:sldId id="261" r:id="rId5"/>
+    <p:sldId id="262" r:id="rId6"/>
   </p:sldIdLst>
   <p:sldSz cx="12192000" cy="6858000"/>
   <p:notesSz cx="6858000" cy="9144000"/>
@@ -3941,10 +3943,10 @@
       </p:sp>
       <p:sp>
         <p:nvSpPr>
-          <p:cNvPr id="31" name="矩形 30">
-            <a:extLst>
-              <a:ext uri="{FF2B5EF4-FFF2-40B4-BE49-F238E27FC236}">
-                <a16:creationId xmlns:a16="http://schemas.microsoft.com/office/drawing/2014/main" id="{7A97FB70-4F55-413A-B5D0-F4987F12AD6F}"/>
+          <p:cNvPr id="32" name="矩形 31">
+            <a:extLst>
+              <a:ext uri="{FF2B5EF4-FFF2-40B4-BE49-F238E27FC236}">
+                <a16:creationId xmlns:a16="http://schemas.microsoft.com/office/drawing/2014/main" id="{DCE456B9-CBD7-4BBC-B520-2E1B6385D09B}"/>
               </a:ext>
             </a:extLst>
           </p:cNvPr>
@@ -3953,56 +3955,7 @@
         </p:nvSpPr>
         <p:spPr>
           <a:xfrm>
-            <a:off x="4226561" y="2022045"/>
-            <a:ext cx="4787581" cy="1634082"/>
-          </a:xfrm>
-          <a:prstGeom prst="rect">
-            <a:avLst/>
-          </a:prstGeom>
-          <a:ln>
-            <a:solidFill>
-              <a:srgbClr val="0000FF"/>
-            </a:solidFill>
-          </a:ln>
-        </p:spPr>
-        <p:style>
-          <a:lnRef idx="2">
-            <a:schemeClr val="accent6"/>
-          </a:lnRef>
-          <a:fillRef idx="1">
-            <a:schemeClr val="lt1"/>
-          </a:fillRef>
-          <a:effectRef idx="0">
-            <a:schemeClr val="accent6"/>
-          </a:effectRef>
-          <a:fontRef idx="minor">
-            <a:schemeClr val="dk1"/>
-          </a:fontRef>
-        </p:style>
-        <p:txBody>
-          <a:bodyPr rtlCol="0" anchor="ctr"/>
-          <a:lstStyle/>
-          <a:p>
-            <a:pPr algn="ctr"/>
-            <a:endParaRPr lang="zh-CN" altLang="en-US" sz="1600"/>
-          </a:p>
-        </p:txBody>
-      </p:sp>
-      <p:sp>
-        <p:nvSpPr>
-          <p:cNvPr id="32" name="矩形 31">
-            <a:extLst>
-              <a:ext uri="{FF2B5EF4-FFF2-40B4-BE49-F238E27FC236}">
-                <a16:creationId xmlns:a16="http://schemas.microsoft.com/office/drawing/2014/main" id="{DCE456B9-CBD7-4BBC-B520-2E1B6385D09B}"/>
-              </a:ext>
-            </a:extLst>
-          </p:cNvPr>
-          <p:cNvSpPr/>
-          <p:nvPr/>
-        </p:nvSpPr>
-        <p:spPr>
-          <a:xfrm>
-            <a:off x="129858" y="2022045"/>
+            <a:off x="1754125" y="1239990"/>
             <a:ext cx="3118407" cy="1655956"/>
           </a:xfrm>
           <a:prstGeom prst="rect">
@@ -4051,7 +4004,7 @@
         </p:nvSpPr>
         <p:spPr>
           <a:xfrm>
-            <a:off x="117826" y="3190679"/>
+            <a:off x="1742093" y="2408624"/>
             <a:ext cx="3551698" cy="424155"/>
           </a:xfrm>
           <a:prstGeom prst="rect">
@@ -4100,67 +4053,6 @@
       </p:sp>
       <p:sp>
         <p:nvSpPr>
-          <p:cNvPr id="34" name="文本框 33">
-            <a:extLst>
-              <a:ext uri="{FF2B5EF4-FFF2-40B4-BE49-F238E27FC236}">
-                <a16:creationId xmlns:a16="http://schemas.microsoft.com/office/drawing/2014/main" id="{E062D25C-88C7-44E8-870F-292AE5BED584}"/>
-              </a:ext>
-            </a:extLst>
-          </p:cNvPr>
-          <p:cNvSpPr txBox="1"/>
-          <p:nvPr/>
-        </p:nvSpPr>
-        <p:spPr>
-          <a:xfrm>
-            <a:off x="5162079" y="3182465"/>
-            <a:ext cx="4041493" cy="424155"/>
-          </a:xfrm>
-          <a:prstGeom prst="rect">
-            <a:avLst/>
-          </a:prstGeom>
-          <a:noFill/>
-        </p:spPr>
-        <p:txBody>
-          <a:bodyPr wrap="square" rtlCol="0">
-            <a:spAutoFit/>
-          </a:bodyPr>
-          <a:lstStyle/>
-          <a:p>
-            <a:pPr>
-              <a:lnSpc>
-                <a:spcPct val="150000"/>
-              </a:lnSpc>
-            </a:pPr>
-            <a:r>
-              <a:rPr lang="en-US" altLang="zh-CN" sz="1600" dirty="0"/>
-              <a:t>Setup cost</a:t>
-            </a:r>
-            <a:r>
-              <a:rPr lang="zh-CN" altLang="en-US" sz="1600" dirty="0"/>
-              <a:t> </a:t>
-            </a:r>
-            <a:r>
-              <a:rPr lang="en-US" altLang="zh-CN" sz="1600" dirty="0"/>
-              <a:t>= 11 , </a:t>
-            </a:r>
-            <a:r>
-              <a:rPr lang="en-US" altLang="zh-CN" sz="1600" dirty="0">
-                <a:solidFill>
-                  <a:srgbClr val="FF0000"/>
-                </a:solidFill>
-              </a:rPr>
-              <a:t>One</a:t>
-            </a:r>
-            <a:r>
-              <a:rPr lang="en-US" altLang="zh-CN" sz="1600" dirty="0"/>
-              <a:t> machine.  </a:t>
-            </a:r>
-            <a:endParaRPr lang="zh-CN" altLang="en-US" sz="1600" dirty="0"/>
-          </a:p>
-        </p:txBody>
-      </p:sp>
-      <p:sp>
-        <p:nvSpPr>
           <p:cNvPr id="35" name="箭头: 右 34">
             <a:extLst>
               <a:ext uri="{FF2B5EF4-FFF2-40B4-BE49-F238E27FC236}">
@@ -4173,7 +4065,7 @@
         </p:nvSpPr>
         <p:spPr>
           <a:xfrm>
-            <a:off x="3344476" y="2602260"/>
+            <a:off x="5156431" y="1907376"/>
             <a:ext cx="788386" cy="290881"/>
           </a:xfrm>
           <a:prstGeom prst="rightArrow">
@@ -4222,7 +4114,7 @@
         </p:nvSpPr>
         <p:spPr>
           <a:xfrm>
-            <a:off x="444261" y="2198004"/>
+            <a:off x="2068528" y="1415949"/>
             <a:ext cx="647534" cy="379703"/>
           </a:xfrm>
           <a:prstGeom prst="rect">
@@ -4300,7 +4192,7 @@
         </p:nvSpPr>
         <p:spPr>
           <a:xfrm>
-            <a:off x="444261" y="2702993"/>
+            <a:off x="2068528" y="1920938"/>
             <a:ext cx="906475" cy="379703"/>
           </a:xfrm>
           <a:prstGeom prst="rect">
@@ -4378,7 +4270,7 @@
         </p:nvSpPr>
         <p:spPr>
           <a:xfrm>
-            <a:off x="1091795" y="2198004"/>
+            <a:off x="2716062" y="1415949"/>
             <a:ext cx="1313305" cy="379703"/>
           </a:xfrm>
           <a:prstGeom prst="rect">
@@ -4426,8 +4318,8 @@
         </p:nvSpPr>
         <p:spPr>
           <a:xfrm>
-            <a:off x="1350736" y="2697729"/>
-            <a:ext cx="1701898" cy="379703"/>
+            <a:off x="2975003" y="1921690"/>
+            <a:ext cx="1701898" cy="378951"/>
           </a:xfrm>
           <a:prstGeom prst="rect">
             <a:avLst/>
@@ -4462,10 +4354,10 @@
       </p:sp>
       <p:sp>
         <p:nvSpPr>
-          <p:cNvPr id="40" name="矩形 39">
-            <a:extLst>
-              <a:ext uri="{FF2B5EF4-FFF2-40B4-BE49-F238E27FC236}">
-                <a16:creationId xmlns:a16="http://schemas.microsoft.com/office/drawing/2014/main" id="{564581E9-91EF-46D9-9769-DF719979C10D}"/>
+          <p:cNvPr id="28" name="矩形 27">
+            <a:extLst>
+              <a:ext uri="{FF2B5EF4-FFF2-40B4-BE49-F238E27FC236}">
+                <a16:creationId xmlns:a16="http://schemas.microsoft.com/office/drawing/2014/main" id="{AD5ED0EE-5271-43B8-A3A4-E51CE21264EB}"/>
               </a:ext>
             </a:extLst>
           </p:cNvPr>
@@ -4474,7 +4366,56 @@
         </p:nvSpPr>
         <p:spPr>
           <a:xfrm>
-            <a:off x="4341727" y="2383235"/>
+            <a:off x="6161063" y="1234714"/>
+            <a:ext cx="3118407" cy="1655956"/>
+          </a:xfrm>
+          <a:prstGeom prst="rect">
+            <a:avLst/>
+          </a:prstGeom>
+          <a:ln>
+            <a:solidFill>
+              <a:srgbClr val="FF0000"/>
+            </a:solidFill>
+          </a:ln>
+        </p:spPr>
+        <p:style>
+          <a:lnRef idx="2">
+            <a:schemeClr val="accent6"/>
+          </a:lnRef>
+          <a:fillRef idx="1">
+            <a:schemeClr val="lt1"/>
+          </a:fillRef>
+          <a:effectRef idx="0">
+            <a:schemeClr val="accent6"/>
+          </a:effectRef>
+          <a:fontRef idx="minor">
+            <a:schemeClr val="dk1"/>
+          </a:fontRef>
+        </p:style>
+        <p:txBody>
+          <a:bodyPr rtlCol="0" anchor="ctr"/>
+          <a:lstStyle/>
+          <a:p>
+            <a:pPr algn="ctr"/>
+            <a:endParaRPr lang="zh-CN" altLang="en-US" sz="1600" dirty="0"/>
+          </a:p>
+        </p:txBody>
+      </p:sp>
+      <p:sp>
+        <p:nvSpPr>
+          <p:cNvPr id="29" name="矩形 28">
+            <a:extLst>
+              <a:ext uri="{FF2B5EF4-FFF2-40B4-BE49-F238E27FC236}">
+                <a16:creationId xmlns:a16="http://schemas.microsoft.com/office/drawing/2014/main" id="{1C6EA0BE-5DD5-44BC-92CD-302ACA48FEA2}"/>
+              </a:ext>
+            </a:extLst>
+          </p:cNvPr>
+          <p:cNvSpPr/>
+          <p:nvPr/>
+        </p:nvSpPr>
+        <p:spPr>
+          <a:xfrm>
+            <a:off x="6475466" y="1410673"/>
             <a:ext cx="647534" cy="379703"/>
           </a:xfrm>
           <a:prstGeom prst="rect">
@@ -4540,10 +4481,10 @@
       </p:sp>
       <p:sp>
         <p:nvSpPr>
-          <p:cNvPr id="41" name="矩形 40">
-            <a:extLst>
-              <a:ext uri="{FF2B5EF4-FFF2-40B4-BE49-F238E27FC236}">
-                <a16:creationId xmlns:a16="http://schemas.microsoft.com/office/drawing/2014/main" id="{220DD046-8529-4ECD-B376-19511A14BAAA}"/>
+          <p:cNvPr id="30" name="矩形 29">
+            <a:extLst>
+              <a:ext uri="{FF2B5EF4-FFF2-40B4-BE49-F238E27FC236}">
+                <a16:creationId xmlns:a16="http://schemas.microsoft.com/office/drawing/2014/main" id="{16BCE3D0-6DF8-4BAC-AFEB-7AAF402EF83A}"/>
               </a:ext>
             </a:extLst>
           </p:cNvPr>
@@ -4552,8 +4493,8 @@
         </p:nvSpPr>
         <p:spPr>
           <a:xfrm>
-            <a:off x="4989261" y="2383235"/>
-            <a:ext cx="906475" cy="379703"/>
+            <a:off x="6475466" y="1915662"/>
+            <a:ext cx="906475" cy="384979"/>
           </a:xfrm>
           <a:prstGeom prst="rect">
             <a:avLst/>
@@ -4618,10 +4559,10 @@
       </p:sp>
       <p:sp>
         <p:nvSpPr>
-          <p:cNvPr id="42" name="矩形 41">
-            <a:extLst>
-              <a:ext uri="{FF2B5EF4-FFF2-40B4-BE49-F238E27FC236}">
-                <a16:creationId xmlns:a16="http://schemas.microsoft.com/office/drawing/2014/main" id="{0BB6639E-F5E2-4BCF-844E-18EEEF2C7DD1}"/>
+          <p:cNvPr id="44" name="矩形 43">
+            <a:extLst>
+              <a:ext uri="{FF2B5EF4-FFF2-40B4-BE49-F238E27FC236}">
+                <a16:creationId xmlns:a16="http://schemas.microsoft.com/office/drawing/2014/main" id="{BFA6B9BD-4140-4B5D-84E6-CF6AF83D446E}"/>
               </a:ext>
             </a:extLst>
           </p:cNvPr>
@@ -4630,7 +4571,7 @@
         </p:nvSpPr>
         <p:spPr>
           <a:xfrm>
-            <a:off x="5895736" y="2383235"/>
+            <a:off x="7123000" y="1410673"/>
             <a:ext cx="1313305" cy="379703"/>
           </a:xfrm>
           <a:prstGeom prst="rect">
@@ -4666,10 +4607,10 @@
       </p:sp>
       <p:sp>
         <p:nvSpPr>
-          <p:cNvPr id="43" name="矩形 42">
-            <a:extLst>
-              <a:ext uri="{FF2B5EF4-FFF2-40B4-BE49-F238E27FC236}">
-                <a16:creationId xmlns:a16="http://schemas.microsoft.com/office/drawing/2014/main" id="{0B40B2A8-AA99-4454-82FA-B22E06F74C2F}"/>
+          <p:cNvPr id="45" name="矩形 44">
+            <a:extLst>
+              <a:ext uri="{FF2B5EF4-FFF2-40B4-BE49-F238E27FC236}">
+                <a16:creationId xmlns:a16="http://schemas.microsoft.com/office/drawing/2014/main" id="{7DE9E674-7941-4F7F-A462-5FECE6593DE6}"/>
               </a:ext>
             </a:extLst>
           </p:cNvPr>
@@ -4678,7 +4619,7 @@
         </p:nvSpPr>
         <p:spPr>
           <a:xfrm>
-            <a:off x="7209041" y="2383235"/>
+            <a:off x="7381941" y="1910398"/>
             <a:ext cx="1701898" cy="379703"/>
           </a:xfrm>
           <a:prstGeom prst="rect">
@@ -4707,6 +4648,67 @@
             <a:r>
               <a:rPr lang="en-US" altLang="zh-CN" sz="1600" dirty="0"/>
               <a:t>job 4</a:t>
+            </a:r>
+            <a:endParaRPr lang="zh-CN" altLang="en-US" sz="1600" dirty="0"/>
+          </a:p>
+        </p:txBody>
+      </p:sp>
+      <p:sp>
+        <p:nvSpPr>
+          <p:cNvPr id="46" name="文本框 45">
+            <a:extLst>
+              <a:ext uri="{FF2B5EF4-FFF2-40B4-BE49-F238E27FC236}">
+                <a16:creationId xmlns:a16="http://schemas.microsoft.com/office/drawing/2014/main" id="{03649D5D-E8BD-4408-94BF-3D9F651B7008}"/>
+              </a:ext>
+            </a:extLst>
+          </p:cNvPr>
+          <p:cNvSpPr txBox="1"/>
+          <p:nvPr/>
+        </p:nvSpPr>
+        <p:spPr>
+          <a:xfrm>
+            <a:off x="6161063" y="2408623"/>
+            <a:ext cx="3551698" cy="424155"/>
+          </a:xfrm>
+          <a:prstGeom prst="rect">
+            <a:avLst/>
+          </a:prstGeom>
+          <a:noFill/>
+        </p:spPr>
+        <p:txBody>
+          <a:bodyPr wrap="square" rtlCol="0">
+            <a:spAutoFit/>
+          </a:bodyPr>
+          <a:lstStyle/>
+          <a:p>
+            <a:pPr>
+              <a:lnSpc>
+                <a:spcPct val="150000"/>
+              </a:lnSpc>
+            </a:pPr>
+            <a:r>
+              <a:rPr lang="en-US" altLang="zh-CN" sz="1600" dirty="0"/>
+              <a:t>Setup cost</a:t>
+            </a:r>
+            <a:r>
+              <a:rPr lang="zh-CN" altLang="en-US" sz="1600" dirty="0"/>
+              <a:t> </a:t>
+            </a:r>
+            <a:r>
+              <a:rPr lang="en-US" altLang="zh-CN" sz="1600" dirty="0"/>
+              <a:t>= 10 , </a:t>
+            </a:r>
+            <a:r>
+              <a:rPr lang="en-US" altLang="zh-CN" sz="1600" dirty="0">
+                <a:solidFill>
+                  <a:srgbClr val="FF0000"/>
+                </a:solidFill>
+              </a:rPr>
+              <a:t>Two</a:t>
+            </a:r>
+            <a:r>
+              <a:rPr lang="en-US" altLang="zh-CN" sz="1600" dirty="0"/>
+              <a:t> machines.  </a:t>
             </a:r>
             <a:endParaRPr lang="zh-CN" altLang="en-US" sz="1600" dirty="0"/>
           </a:p>
@@ -6715,7 +6717,7 @@
           <a:graphicData uri="http://schemas.openxmlformats.org/presentationml/2006/ole">
             <mc:AlternateContent xmlns:mc="http://schemas.openxmlformats.org/markup-compatibility/2006">
               <mc:Choice xmlns:v="urn:schemas-microsoft-com:vml" Requires="v">
-                <p:oleObj spid="_x0000_s1041" name="Formula" r:id="rId3" imgW="118440" imgH="120960" progId="Equation.Ribbit">
+                <p:oleObj spid="_x0000_s1071" name="Formula" r:id="rId3" imgW="118440" imgH="120960" progId="Equation.Ribbit">
                   <p:embed/>
                 </p:oleObj>
               </mc:Choice>
@@ -6778,7 +6780,7 @@
           <a:graphicData uri="http://schemas.openxmlformats.org/presentationml/2006/ole">
             <mc:AlternateContent xmlns:mc="http://schemas.openxmlformats.org/markup-compatibility/2006">
               <mc:Choice xmlns:v="urn:schemas-microsoft-com:vml" Requires="v">
-                <p:oleObj spid="_x0000_s1042" name="Formula" r:id="rId5" imgW="122040" imgH="120960" progId="Equation.Ribbit">
+                <p:oleObj spid="_x0000_s1072" name="Formula" r:id="rId5" imgW="122040" imgH="120960" progId="Equation.Ribbit">
                   <p:embed/>
                 </p:oleObj>
               </mc:Choice>
@@ -6927,7 +6929,7 @@
           <a:graphicData uri="http://schemas.openxmlformats.org/presentationml/2006/ole">
             <mc:AlternateContent xmlns:mc="http://schemas.openxmlformats.org/markup-compatibility/2006">
               <mc:Choice xmlns:v="urn:schemas-microsoft-com:vml" Requires="v">
-                <p:oleObj spid="_x0000_s1043" name="Formula" r:id="rId7" imgW="240120" imgH="119520" progId="Equation.Ribbit">
+                <p:oleObj spid="_x0000_s1073" name="Formula" r:id="rId7" imgW="240120" imgH="119520" progId="Equation.Ribbit">
                   <p:embed/>
                 </p:oleObj>
               </mc:Choice>
@@ -6990,7 +6992,7 @@
           <a:graphicData uri="http://schemas.openxmlformats.org/presentationml/2006/ole">
             <mc:AlternateContent xmlns:mc="http://schemas.openxmlformats.org/markup-compatibility/2006">
               <mc:Choice xmlns:v="urn:schemas-microsoft-com:vml" Requires="v">
-                <p:oleObj spid="_x0000_s1044" name="Formula" r:id="rId9" imgW="623880" imgH="180360" progId="Equation.Ribbit">
+                <p:oleObj spid="_x0000_s1074" name="Formula" r:id="rId9" imgW="623880" imgH="180360" progId="Equation.Ribbit">
                   <p:embed/>
                 </p:oleObj>
               </mc:Choice>
@@ -7179,7 +7181,7 @@
           <a:graphicData uri="http://schemas.openxmlformats.org/presentationml/2006/ole">
             <mc:AlternateContent xmlns:mc="http://schemas.openxmlformats.org/markup-compatibility/2006">
               <mc:Choice xmlns:v="urn:schemas-microsoft-com:vml" Requires="v">
-                <p:oleObj spid="_x0000_s1045" name="Formula" r:id="rId11" imgW="393840" imgH="127080" progId="Equation.Ribbit">
+                <p:oleObj spid="_x0000_s1075" name="Formula" r:id="rId11" imgW="393840" imgH="127080" progId="Equation.Ribbit">
                   <p:embed/>
                 </p:oleObj>
               </mc:Choice>
@@ -7242,7 +7244,7 @@
           <a:graphicData uri="http://schemas.openxmlformats.org/presentationml/2006/ole">
             <mc:AlternateContent xmlns:mc="http://schemas.openxmlformats.org/markup-compatibility/2006">
               <mc:Choice xmlns:v="urn:schemas-microsoft-com:vml" Requires="v">
-                <p:oleObj spid="_x0000_s1046" name="Formula" r:id="rId13" imgW="623880" imgH="166680" progId="Equation.Ribbit">
+                <p:oleObj spid="_x0000_s1076" name="Formula" r:id="rId13" imgW="623880" imgH="166680" progId="Equation.Ribbit">
                   <p:embed/>
                 </p:oleObj>
               </mc:Choice>
@@ -7648,7 +7650,7 @@
           <a:graphicData uri="http://schemas.openxmlformats.org/presentationml/2006/ole">
             <mc:AlternateContent xmlns:mc="http://schemas.openxmlformats.org/markup-compatibility/2006">
               <mc:Choice xmlns:v="urn:schemas-microsoft-com:vml" Requires="v">
-                <p:oleObj spid="_x0000_s1047" name="Formula" r:id="rId15" imgW="513360" imgH="170280" progId="Equation.Ribbit">
+                <p:oleObj spid="_x0000_s1077" name="Formula" r:id="rId15" imgW="513360" imgH="170280" progId="Equation.Ribbit">
                   <p:embed/>
                 </p:oleObj>
               </mc:Choice>
@@ -7711,7 +7713,7 @@
           <a:graphicData uri="http://schemas.openxmlformats.org/presentationml/2006/ole">
             <mc:AlternateContent xmlns:mc="http://schemas.openxmlformats.org/markup-compatibility/2006">
               <mc:Choice xmlns:v="urn:schemas-microsoft-com:vml" Requires="v">
-                <p:oleObj spid="_x0000_s1048" name="Formula" r:id="rId17" imgW="513360" imgH="156240" progId="Equation.Ribbit">
+                <p:oleObj spid="_x0000_s1078" name="Formula" r:id="rId17" imgW="513360" imgH="156240" progId="Equation.Ribbit">
                   <p:embed/>
                 </p:oleObj>
               </mc:Choice>
@@ -7774,7 +7776,7 @@
           <a:graphicData uri="http://schemas.openxmlformats.org/presentationml/2006/ole">
             <mc:AlternateContent xmlns:mc="http://schemas.openxmlformats.org/markup-compatibility/2006">
               <mc:Choice xmlns:v="urn:schemas-microsoft-com:vml" Requires="v">
-                <p:oleObj spid="_x0000_s1049" name="Formula" r:id="rId19" imgW="268200" imgH="127080" progId="Equation.Ribbit">
+                <p:oleObj spid="_x0000_s1079" name="Formula" r:id="rId19" imgW="268200" imgH="127080" progId="Equation.Ribbit">
                   <p:embed/>
                 </p:oleObj>
               </mc:Choice>
@@ -7837,7 +7839,7 @@
           <a:graphicData uri="http://schemas.openxmlformats.org/presentationml/2006/ole">
             <mc:AlternateContent xmlns:mc="http://schemas.openxmlformats.org/markup-compatibility/2006">
               <mc:Choice xmlns:v="urn:schemas-microsoft-com:vml" Requires="v">
-                <p:oleObj spid="_x0000_s1050" name="Formula" r:id="rId21" imgW="564120" imgH="167760" progId="Equation.Ribbit">
+                <p:oleObj spid="_x0000_s1080" name="Formula" r:id="rId21" imgW="564120" imgH="167760" progId="Equation.Ribbit">
                   <p:embed/>
                 </p:oleObj>
               </mc:Choice>
@@ -7900,7 +7902,7 @@
           <a:graphicData uri="http://schemas.openxmlformats.org/presentationml/2006/ole">
             <mc:AlternateContent xmlns:mc="http://schemas.openxmlformats.org/markup-compatibility/2006">
               <mc:Choice xmlns:v="urn:schemas-microsoft-com:vml" Requires="v">
-                <p:oleObj spid="_x0000_s1051" name="Formula" r:id="rId23" imgW="454680" imgH="156240" progId="Equation.Ribbit">
+                <p:oleObj spid="_x0000_s1081" name="Formula" r:id="rId23" imgW="454680" imgH="156240" progId="Equation.Ribbit">
                   <p:embed/>
                 </p:oleObj>
               </mc:Choice>
@@ -7963,7 +7965,7 @@
           <a:graphicData uri="http://schemas.openxmlformats.org/presentationml/2006/ole">
             <mc:AlternateContent xmlns:mc="http://schemas.openxmlformats.org/markup-compatibility/2006">
               <mc:Choice xmlns:v="urn:schemas-microsoft-com:vml" Requires="v">
-                <p:oleObj spid="_x0000_s1052" name="Formula" r:id="rId25" imgW="114480" imgH="160200" progId="Equation.Ribbit">
+                <p:oleObj spid="_x0000_s1082" name="Formula" r:id="rId25" imgW="114480" imgH="160200" progId="Equation.Ribbit">
                   <p:embed/>
                 </p:oleObj>
               </mc:Choice>
@@ -8026,7 +8028,7 @@
           <a:graphicData uri="http://schemas.openxmlformats.org/presentationml/2006/ole">
             <mc:AlternateContent xmlns:mc="http://schemas.openxmlformats.org/markup-compatibility/2006">
               <mc:Choice xmlns:v="urn:schemas-microsoft-com:vml" Requires="v">
-                <p:oleObj spid="_x0000_s1053" name="Formula" r:id="rId27" imgW="175320" imgH="62280" progId="Equation.Ribbit">
+                <p:oleObj spid="_x0000_s1083" name="Formula" r:id="rId27" imgW="175320" imgH="62280" progId="Equation.Ribbit">
                   <p:embed/>
                 </p:oleObj>
               </mc:Choice>
@@ -8089,7 +8091,7 @@
           <a:graphicData uri="http://schemas.openxmlformats.org/presentationml/2006/ole">
             <mc:AlternateContent xmlns:mc="http://schemas.openxmlformats.org/markup-compatibility/2006">
               <mc:Choice xmlns:v="urn:schemas-microsoft-com:vml" Requires="v">
-                <p:oleObj spid="_x0000_s1054" name="Formula" r:id="rId29" imgW="88920" imgH="119520" progId="Equation.Ribbit">
+                <p:oleObj spid="_x0000_s1084" name="Formula" r:id="rId29" imgW="88920" imgH="119520" progId="Equation.Ribbit">
                   <p:embed/>
                 </p:oleObj>
               </mc:Choice>
@@ -8193,7 +8195,7 @@
           <a:graphicData uri="http://schemas.openxmlformats.org/presentationml/2006/ole">
             <mc:AlternateContent xmlns:mc="http://schemas.openxmlformats.org/markup-compatibility/2006">
               <mc:Choice xmlns:v="urn:schemas-microsoft-com:vml" Requires="v">
-                <p:oleObj spid="_x0000_s1055" name="Formula" r:id="rId31" imgW="239040" imgH="127080" progId="Equation.Ribbit">
+                <p:oleObj spid="_x0000_s1085" name="Formula" r:id="rId31" imgW="239040" imgH="127080" progId="Equation.Ribbit">
                   <p:embed/>
                 </p:oleObj>
               </mc:Choice>
@@ -8238,6 +8240,2850 @@
     <p:extLst>
       <p:ext uri="{BB962C8B-B14F-4D97-AF65-F5344CB8AC3E}">
         <p14:creationId xmlns:p14="http://schemas.microsoft.com/office/powerpoint/2010/main" val="52789495"/>
+      </p:ext>
+    </p:extLst>
+  </p:cSld>
+  <p:clrMapOvr>
+    <a:masterClrMapping/>
+  </p:clrMapOvr>
+</p:sld>
+</file>
+
+<file path=ppt/slides/slide4.xml><?xml version="1.0" encoding="utf-8"?>
+<p:sld xmlns:a="http://schemas.openxmlformats.org/drawingml/2006/main" xmlns:r="http://schemas.openxmlformats.org/officeDocument/2006/relationships" xmlns:p="http://schemas.openxmlformats.org/presentationml/2006/main">
+  <p:cSld>
+    <p:spTree>
+      <p:nvGrpSpPr>
+        <p:cNvPr id="1" name=""/>
+        <p:cNvGrpSpPr/>
+        <p:nvPr/>
+      </p:nvGrpSpPr>
+      <p:grpSpPr>
+        <a:xfrm>
+          <a:off x="0" y="0"/>
+          <a:ext cx="0" cy="0"/>
+          <a:chOff x="0" y="0"/>
+          <a:chExt cx="0" cy="0"/>
+        </a:xfrm>
+      </p:grpSpPr>
+      <p:sp>
+        <p:nvSpPr>
+          <p:cNvPr id="5" name="矩形 4">
+            <a:extLst>
+              <a:ext uri="{FF2B5EF4-FFF2-40B4-BE49-F238E27FC236}">
+                <a16:creationId xmlns:a16="http://schemas.microsoft.com/office/drawing/2014/main" id="{7667020F-1D82-49DE-911E-9C920BAFE270}"/>
+              </a:ext>
+            </a:extLst>
+          </p:cNvPr>
+          <p:cNvSpPr/>
+          <p:nvPr/>
+        </p:nvSpPr>
+        <p:spPr>
+          <a:xfrm>
+            <a:off x="2364207" y="4920915"/>
+            <a:ext cx="7134727" cy="1303705"/>
+          </a:xfrm>
+          <a:prstGeom prst="rect">
+            <a:avLst/>
+          </a:prstGeom>
+          <a:ln>
+            <a:solidFill>
+              <a:srgbClr val="FF0000"/>
+            </a:solidFill>
+          </a:ln>
+        </p:spPr>
+        <p:style>
+          <a:lnRef idx="2">
+            <a:schemeClr val="accent1"/>
+          </a:lnRef>
+          <a:fillRef idx="1">
+            <a:schemeClr val="lt1"/>
+          </a:fillRef>
+          <a:effectRef idx="0">
+            <a:schemeClr val="accent1"/>
+          </a:effectRef>
+          <a:fontRef idx="minor">
+            <a:schemeClr val="dk1"/>
+          </a:fontRef>
+        </p:style>
+        <p:txBody>
+          <a:bodyPr rtlCol="0" anchor="ctr"/>
+          <a:lstStyle/>
+          <a:p>
+            <a:pPr algn="ctr"/>
+            <a:endParaRPr lang="zh-CN" altLang="en-US"/>
+          </a:p>
+        </p:txBody>
+      </p:sp>
+      <p:sp>
+        <p:nvSpPr>
+          <p:cNvPr id="6" name="矩形 5">
+            <a:extLst>
+              <a:ext uri="{FF2B5EF4-FFF2-40B4-BE49-F238E27FC236}">
+                <a16:creationId xmlns:a16="http://schemas.microsoft.com/office/drawing/2014/main" id="{19503F83-1135-4F38-900B-DF4EAF35651B}"/>
+              </a:ext>
+            </a:extLst>
+          </p:cNvPr>
+          <p:cNvSpPr/>
+          <p:nvPr/>
+        </p:nvSpPr>
+        <p:spPr>
+          <a:xfrm>
+            <a:off x="2568390" y="5133709"/>
+            <a:ext cx="708212" cy="448235"/>
+          </a:xfrm>
+          <a:prstGeom prst="rect">
+            <a:avLst/>
+          </a:prstGeom>
+          <a:ln/>
+        </p:spPr>
+        <p:style>
+          <a:lnRef idx="1">
+            <a:schemeClr val="accent3"/>
+          </a:lnRef>
+          <a:fillRef idx="2">
+            <a:schemeClr val="accent3"/>
+          </a:fillRef>
+          <a:effectRef idx="1">
+            <a:schemeClr val="accent3"/>
+          </a:effectRef>
+          <a:fontRef idx="minor">
+            <a:schemeClr val="dk1"/>
+          </a:fontRef>
+        </p:style>
+        <p:txBody>
+          <a:bodyPr rot="0" spcFirstLastPara="0" vertOverflow="overflow" horzOverflow="overflow" vert="horz" wrap="square" lIns="91440" tIns="45720" rIns="91440" bIns="45720" numCol="1" spcCol="0" rtlCol="0" fromWordArt="0" anchor="ctr" anchorCtr="0" forceAA="0" compatLnSpc="1">
+            <a:prstTxWarp prst="textNoShape">
+              <a:avLst/>
+            </a:prstTxWarp>
+            <a:noAutofit/>
+          </a:bodyPr>
+          <a:lstStyle/>
+          <a:p>
+            <a:pPr algn="ctr"/>
+            <a:r>
+              <a:rPr lang="en-US" altLang="zh-CN" dirty="0">
+                <a:ln w="0"/>
+                <a:solidFill>
+                  <a:schemeClr val="tx1"/>
+                </a:solidFill>
+                <a:effectLst>
+                  <a:outerShdw blurRad="38100" dist="19050" dir="2700000" algn="tl" rotWithShape="0">
+                    <a:schemeClr val="dk1">
+                      <a:alpha val="40000"/>
+                    </a:schemeClr>
+                  </a:outerShdw>
+                </a:effectLst>
+              </a:rPr>
+              <a:t>job 1</a:t>
+            </a:r>
+            <a:endParaRPr lang="zh-CN" altLang="en-US" dirty="0">
+              <a:ln w="0"/>
+              <a:solidFill>
+                <a:schemeClr val="tx1"/>
+              </a:solidFill>
+              <a:effectLst>
+                <a:outerShdw blurRad="38100" dist="19050" dir="2700000" algn="tl" rotWithShape="0">
+                  <a:schemeClr val="dk1">
+                    <a:alpha val="40000"/>
+                  </a:schemeClr>
+                </a:outerShdw>
+              </a:effectLst>
+            </a:endParaRPr>
+          </a:p>
+        </p:txBody>
+      </p:sp>
+      <p:sp>
+        <p:nvSpPr>
+          <p:cNvPr id="7" name="矩形 6">
+            <a:extLst>
+              <a:ext uri="{FF2B5EF4-FFF2-40B4-BE49-F238E27FC236}">
+                <a16:creationId xmlns:a16="http://schemas.microsoft.com/office/drawing/2014/main" id="{DBC3F09D-9EF0-4273-A382-86F92AE647DF}"/>
+              </a:ext>
+            </a:extLst>
+          </p:cNvPr>
+          <p:cNvSpPr/>
+          <p:nvPr/>
+        </p:nvSpPr>
+        <p:spPr>
+          <a:xfrm>
+            <a:off x="3276603" y="5133709"/>
+            <a:ext cx="1424358" cy="448235"/>
+          </a:xfrm>
+          <a:prstGeom prst="rect">
+            <a:avLst/>
+          </a:prstGeom>
+        </p:spPr>
+        <p:style>
+          <a:lnRef idx="1">
+            <a:schemeClr val="accent4"/>
+          </a:lnRef>
+          <a:fillRef idx="2">
+            <a:schemeClr val="accent4"/>
+          </a:fillRef>
+          <a:effectRef idx="1">
+            <a:schemeClr val="accent4"/>
+          </a:effectRef>
+          <a:fontRef idx="minor">
+            <a:schemeClr val="dk1"/>
+          </a:fontRef>
+        </p:style>
+        <p:txBody>
+          <a:bodyPr rtlCol="0" anchor="ctr"/>
+          <a:lstStyle/>
+          <a:p>
+            <a:pPr algn="ctr"/>
+            <a:r>
+              <a:rPr lang="en-US" altLang="zh-CN" dirty="0"/>
+              <a:t>job 3</a:t>
+            </a:r>
+            <a:endParaRPr lang="zh-CN" altLang="en-US" dirty="0"/>
+          </a:p>
+        </p:txBody>
+      </p:sp>
+      <p:cxnSp>
+        <p:nvCxnSpPr>
+          <p:cNvPr id="8" name="直接箭头连接符 7">
+            <a:extLst>
+              <a:ext uri="{FF2B5EF4-FFF2-40B4-BE49-F238E27FC236}">
+                <a16:creationId xmlns:a16="http://schemas.microsoft.com/office/drawing/2014/main" id="{1BA93F0A-D35F-4525-8940-DE81FAC746DD}"/>
+              </a:ext>
+            </a:extLst>
+          </p:cNvPr>
+          <p:cNvCxnSpPr/>
+          <p:nvPr/>
+        </p:nvCxnSpPr>
+        <p:spPr>
+          <a:xfrm>
+            <a:off x="2568390" y="5841921"/>
+            <a:ext cx="708212" cy="0"/>
+          </a:xfrm>
+          <a:prstGeom prst="straightConnector1">
+            <a:avLst/>
+          </a:prstGeom>
+          <a:ln>
+            <a:headEnd type="triangle"/>
+            <a:tailEnd type="triangle"/>
+          </a:ln>
+        </p:spPr>
+        <p:style>
+          <a:lnRef idx="1">
+            <a:schemeClr val="accent1"/>
+          </a:lnRef>
+          <a:fillRef idx="0">
+            <a:schemeClr val="accent1"/>
+          </a:fillRef>
+          <a:effectRef idx="0">
+            <a:schemeClr val="accent1"/>
+          </a:effectRef>
+          <a:fontRef idx="minor">
+            <a:schemeClr val="tx1"/>
+          </a:fontRef>
+        </p:style>
+      </p:cxnSp>
+      <p:cxnSp>
+        <p:nvCxnSpPr>
+          <p:cNvPr id="9" name="直接箭头连接符 8">
+            <a:extLst>
+              <a:ext uri="{FF2B5EF4-FFF2-40B4-BE49-F238E27FC236}">
+                <a16:creationId xmlns:a16="http://schemas.microsoft.com/office/drawing/2014/main" id="{E5963C58-A09A-4301-8125-150E1D28018D}"/>
+              </a:ext>
+            </a:extLst>
+          </p:cNvPr>
+          <p:cNvCxnSpPr>
+            <a:cxnSpLocks/>
+          </p:cNvCxnSpPr>
+          <p:nvPr/>
+        </p:nvCxnSpPr>
+        <p:spPr>
+          <a:xfrm>
+            <a:off x="3276602" y="5841921"/>
+            <a:ext cx="1424358" cy="0"/>
+          </a:xfrm>
+          <a:prstGeom prst="straightConnector1">
+            <a:avLst/>
+          </a:prstGeom>
+          <a:ln>
+            <a:headEnd type="triangle"/>
+            <a:tailEnd type="triangle"/>
+          </a:ln>
+        </p:spPr>
+        <p:style>
+          <a:lnRef idx="1">
+            <a:schemeClr val="accent1"/>
+          </a:lnRef>
+          <a:fillRef idx="0">
+            <a:schemeClr val="accent1"/>
+          </a:fillRef>
+          <a:effectRef idx="0">
+            <a:schemeClr val="accent1"/>
+          </a:effectRef>
+          <a:fontRef idx="minor">
+            <a:schemeClr val="tx1"/>
+          </a:fontRef>
+        </p:style>
+      </p:cxnSp>
+      <p:sp>
+        <p:nvSpPr>
+          <p:cNvPr id="10" name="文本框 9">
+            <a:extLst>
+              <a:ext uri="{FF2B5EF4-FFF2-40B4-BE49-F238E27FC236}">
+                <a16:creationId xmlns:a16="http://schemas.microsoft.com/office/drawing/2014/main" id="{9388D82F-F4C1-4A70-9A38-A439598F8E87}"/>
+              </a:ext>
+            </a:extLst>
+          </p:cNvPr>
+          <p:cNvSpPr txBox="1"/>
+          <p:nvPr/>
+        </p:nvSpPr>
+        <p:spPr>
+          <a:xfrm>
+            <a:off x="2779666" y="5828397"/>
+            <a:ext cx="914400" cy="369332"/>
+          </a:xfrm>
+          <a:prstGeom prst="rect">
+            <a:avLst/>
+          </a:prstGeom>
+          <a:noFill/>
+        </p:spPr>
+        <p:txBody>
+          <a:bodyPr wrap="square" rtlCol="0">
+            <a:spAutoFit/>
+          </a:bodyPr>
+          <a:lstStyle/>
+          <a:p>
+            <a:r>
+              <a:rPr lang="en-US" altLang="zh-CN" dirty="0"/>
+              <a:t>2</a:t>
+            </a:r>
+            <a:endParaRPr lang="zh-CN" altLang="en-US" dirty="0"/>
+          </a:p>
+        </p:txBody>
+      </p:sp>
+      <p:sp>
+        <p:nvSpPr>
+          <p:cNvPr id="11" name="文本框 10">
+            <a:extLst>
+              <a:ext uri="{FF2B5EF4-FFF2-40B4-BE49-F238E27FC236}">
+                <a16:creationId xmlns:a16="http://schemas.microsoft.com/office/drawing/2014/main" id="{806557AD-385A-47F1-A9A0-AF596DD17158}"/>
+              </a:ext>
+            </a:extLst>
+          </p:cNvPr>
+          <p:cNvSpPr txBox="1"/>
+          <p:nvPr/>
+        </p:nvSpPr>
+        <p:spPr>
+          <a:xfrm>
+            <a:off x="3831851" y="5827448"/>
+            <a:ext cx="914400" cy="369332"/>
+          </a:xfrm>
+          <a:prstGeom prst="rect">
+            <a:avLst/>
+          </a:prstGeom>
+          <a:noFill/>
+        </p:spPr>
+        <p:txBody>
+          <a:bodyPr wrap="square" rtlCol="0">
+            <a:spAutoFit/>
+          </a:bodyPr>
+          <a:lstStyle/>
+          <a:p>
+            <a:r>
+              <a:rPr lang="en-US" altLang="zh-CN" dirty="0"/>
+              <a:t>4</a:t>
+            </a:r>
+            <a:endParaRPr lang="zh-CN" altLang="en-US" dirty="0"/>
+          </a:p>
+        </p:txBody>
+      </p:sp>
+      <p:sp>
+        <p:nvSpPr>
+          <p:cNvPr id="12" name="矩形 11">
+            <a:extLst>
+              <a:ext uri="{FF2B5EF4-FFF2-40B4-BE49-F238E27FC236}">
+                <a16:creationId xmlns:a16="http://schemas.microsoft.com/office/drawing/2014/main" id="{E88EFB5B-0ADE-4D12-81CB-5A7A71512925}"/>
+              </a:ext>
+            </a:extLst>
+          </p:cNvPr>
+          <p:cNvSpPr/>
+          <p:nvPr/>
+        </p:nvSpPr>
+        <p:spPr>
+          <a:xfrm>
+            <a:off x="6396320" y="5133709"/>
+            <a:ext cx="983126" cy="448235"/>
+          </a:xfrm>
+          <a:prstGeom prst="rect">
+            <a:avLst/>
+          </a:prstGeom>
+          <a:ln/>
+        </p:spPr>
+        <p:style>
+          <a:lnRef idx="1">
+            <a:schemeClr val="accent5"/>
+          </a:lnRef>
+          <a:fillRef idx="2">
+            <a:schemeClr val="accent5"/>
+          </a:fillRef>
+          <a:effectRef idx="1">
+            <a:schemeClr val="accent5"/>
+          </a:effectRef>
+          <a:fontRef idx="minor">
+            <a:schemeClr val="dk1"/>
+          </a:fontRef>
+        </p:style>
+        <p:txBody>
+          <a:bodyPr rot="0" spcFirstLastPara="0" vertOverflow="overflow" horzOverflow="overflow" vert="horz" wrap="square" lIns="91440" tIns="45720" rIns="91440" bIns="45720" numCol="1" spcCol="0" rtlCol="0" fromWordArt="0" anchor="ctr" anchorCtr="0" forceAA="0" compatLnSpc="1">
+            <a:prstTxWarp prst="textNoShape">
+              <a:avLst/>
+            </a:prstTxWarp>
+            <a:noAutofit/>
+          </a:bodyPr>
+          <a:lstStyle/>
+          <a:p>
+            <a:pPr algn="ctr"/>
+            <a:r>
+              <a:rPr lang="en-US" altLang="zh-CN" dirty="0">
+                <a:ln w="0"/>
+                <a:solidFill>
+                  <a:schemeClr val="tx1"/>
+                </a:solidFill>
+                <a:effectLst>
+                  <a:outerShdw blurRad="38100" dist="19050" dir="2700000" algn="tl" rotWithShape="0">
+                    <a:schemeClr val="dk1">
+                      <a:alpha val="40000"/>
+                    </a:schemeClr>
+                  </a:outerShdw>
+                </a:effectLst>
+              </a:rPr>
+              <a:t>job 2</a:t>
+            </a:r>
+            <a:endParaRPr lang="zh-CN" altLang="en-US" dirty="0">
+              <a:ln w="0"/>
+              <a:solidFill>
+                <a:schemeClr val="tx1"/>
+              </a:solidFill>
+              <a:effectLst>
+                <a:outerShdw blurRad="38100" dist="19050" dir="2700000" algn="tl" rotWithShape="0">
+                  <a:schemeClr val="dk1">
+                    <a:alpha val="40000"/>
+                  </a:schemeClr>
+                </a:outerShdw>
+              </a:effectLst>
+            </a:endParaRPr>
+          </a:p>
+        </p:txBody>
+      </p:sp>
+      <p:sp>
+        <p:nvSpPr>
+          <p:cNvPr id="13" name="矩形 12">
+            <a:extLst>
+              <a:ext uri="{FF2B5EF4-FFF2-40B4-BE49-F238E27FC236}">
+                <a16:creationId xmlns:a16="http://schemas.microsoft.com/office/drawing/2014/main" id="{2923E64D-DAF0-477D-B93F-A3FBA307E06A}"/>
+              </a:ext>
+            </a:extLst>
+          </p:cNvPr>
+          <p:cNvSpPr/>
+          <p:nvPr/>
+        </p:nvSpPr>
+        <p:spPr>
+          <a:xfrm>
+            <a:off x="7379446" y="5133709"/>
+            <a:ext cx="1804898" cy="448235"/>
+          </a:xfrm>
+          <a:prstGeom prst="rect">
+            <a:avLst/>
+          </a:prstGeom>
+        </p:spPr>
+        <p:style>
+          <a:lnRef idx="1">
+            <a:schemeClr val="accent6"/>
+          </a:lnRef>
+          <a:fillRef idx="2">
+            <a:schemeClr val="accent6"/>
+          </a:fillRef>
+          <a:effectRef idx="1">
+            <a:schemeClr val="accent6"/>
+          </a:effectRef>
+          <a:fontRef idx="minor">
+            <a:schemeClr val="dk1"/>
+          </a:fontRef>
+        </p:style>
+        <p:txBody>
+          <a:bodyPr rtlCol="0" anchor="ctr"/>
+          <a:lstStyle/>
+          <a:p>
+            <a:pPr algn="ctr"/>
+            <a:r>
+              <a:rPr lang="en-US" altLang="zh-CN" dirty="0"/>
+              <a:t>job 4</a:t>
+            </a:r>
+            <a:endParaRPr lang="zh-CN" altLang="en-US" dirty="0"/>
+          </a:p>
+        </p:txBody>
+      </p:sp>
+      <p:cxnSp>
+        <p:nvCxnSpPr>
+          <p:cNvPr id="14" name="直接箭头连接符 13">
+            <a:extLst>
+              <a:ext uri="{FF2B5EF4-FFF2-40B4-BE49-F238E27FC236}">
+                <a16:creationId xmlns:a16="http://schemas.microsoft.com/office/drawing/2014/main" id="{B6EB6A25-3106-41B3-AC8B-DCCF87346A20}"/>
+              </a:ext>
+            </a:extLst>
+          </p:cNvPr>
+          <p:cNvCxnSpPr>
+            <a:cxnSpLocks/>
+          </p:cNvCxnSpPr>
+          <p:nvPr/>
+        </p:nvCxnSpPr>
+        <p:spPr>
+          <a:xfrm>
+            <a:off x="6357470" y="5872270"/>
+            <a:ext cx="1021975" cy="0"/>
+          </a:xfrm>
+          <a:prstGeom prst="straightConnector1">
+            <a:avLst/>
+          </a:prstGeom>
+          <a:ln>
+            <a:headEnd type="triangle"/>
+            <a:tailEnd type="triangle"/>
+          </a:ln>
+        </p:spPr>
+        <p:style>
+          <a:lnRef idx="1">
+            <a:schemeClr val="accent1"/>
+          </a:lnRef>
+          <a:fillRef idx="0">
+            <a:schemeClr val="accent1"/>
+          </a:fillRef>
+          <a:effectRef idx="0">
+            <a:schemeClr val="accent1"/>
+          </a:effectRef>
+          <a:fontRef idx="minor">
+            <a:schemeClr val="tx1"/>
+          </a:fontRef>
+        </p:style>
+      </p:cxnSp>
+      <p:cxnSp>
+        <p:nvCxnSpPr>
+          <p:cNvPr id="15" name="直接箭头连接符 14">
+            <a:extLst>
+              <a:ext uri="{FF2B5EF4-FFF2-40B4-BE49-F238E27FC236}">
+                <a16:creationId xmlns:a16="http://schemas.microsoft.com/office/drawing/2014/main" id="{7B10618A-099C-40ED-A485-3BC927F4E5C1}"/>
+              </a:ext>
+            </a:extLst>
+          </p:cNvPr>
+          <p:cNvCxnSpPr>
+            <a:cxnSpLocks/>
+          </p:cNvCxnSpPr>
+          <p:nvPr/>
+        </p:nvCxnSpPr>
+        <p:spPr>
+          <a:xfrm>
+            <a:off x="7379445" y="5872270"/>
+            <a:ext cx="1804899" cy="0"/>
+          </a:xfrm>
+          <a:prstGeom prst="straightConnector1">
+            <a:avLst/>
+          </a:prstGeom>
+          <a:ln>
+            <a:headEnd type="triangle"/>
+            <a:tailEnd type="triangle"/>
+          </a:ln>
+        </p:spPr>
+        <p:style>
+          <a:lnRef idx="1">
+            <a:schemeClr val="accent1"/>
+          </a:lnRef>
+          <a:fillRef idx="0">
+            <a:schemeClr val="accent1"/>
+          </a:fillRef>
+          <a:effectRef idx="0">
+            <a:schemeClr val="accent1"/>
+          </a:effectRef>
+          <a:fontRef idx="minor">
+            <a:schemeClr val="tx1"/>
+          </a:fontRef>
+        </p:style>
+      </p:cxnSp>
+      <p:sp>
+        <p:nvSpPr>
+          <p:cNvPr id="16" name="文本框 15">
+            <a:extLst>
+              <a:ext uri="{FF2B5EF4-FFF2-40B4-BE49-F238E27FC236}">
+                <a16:creationId xmlns:a16="http://schemas.microsoft.com/office/drawing/2014/main" id="{F0044D60-9A3D-466A-B306-6D279C9B4482}"/>
+              </a:ext>
+            </a:extLst>
+          </p:cNvPr>
+          <p:cNvSpPr txBox="1"/>
+          <p:nvPr/>
+        </p:nvSpPr>
+        <p:spPr>
+          <a:xfrm>
+            <a:off x="6733103" y="5855288"/>
+            <a:ext cx="914400" cy="369332"/>
+          </a:xfrm>
+          <a:prstGeom prst="rect">
+            <a:avLst/>
+          </a:prstGeom>
+          <a:noFill/>
+        </p:spPr>
+        <p:txBody>
+          <a:bodyPr wrap="square" rtlCol="0">
+            <a:spAutoFit/>
+          </a:bodyPr>
+          <a:lstStyle/>
+          <a:p>
+            <a:r>
+              <a:rPr lang="en-US" altLang="zh-CN" dirty="0"/>
+              <a:t>3</a:t>
+            </a:r>
+            <a:endParaRPr lang="zh-CN" altLang="en-US" dirty="0"/>
+          </a:p>
+        </p:txBody>
+      </p:sp>
+      <p:sp>
+        <p:nvSpPr>
+          <p:cNvPr id="17" name="文本框 16">
+            <a:extLst>
+              <a:ext uri="{FF2B5EF4-FFF2-40B4-BE49-F238E27FC236}">
+                <a16:creationId xmlns:a16="http://schemas.microsoft.com/office/drawing/2014/main" id="{523B6E1C-9475-4993-92C5-EE664CA0E4B6}"/>
+              </a:ext>
+            </a:extLst>
+          </p:cNvPr>
+          <p:cNvSpPr txBox="1"/>
+          <p:nvPr/>
+        </p:nvSpPr>
+        <p:spPr>
+          <a:xfrm>
+            <a:off x="8188700" y="5836409"/>
+            <a:ext cx="914400" cy="369332"/>
+          </a:xfrm>
+          <a:prstGeom prst="rect">
+            <a:avLst/>
+          </a:prstGeom>
+          <a:noFill/>
+        </p:spPr>
+        <p:txBody>
+          <a:bodyPr wrap="square" rtlCol="0">
+            <a:spAutoFit/>
+          </a:bodyPr>
+          <a:lstStyle/>
+          <a:p>
+            <a:r>
+              <a:rPr lang="en-US" altLang="zh-CN" dirty="0"/>
+              <a:t>5</a:t>
+            </a:r>
+            <a:endParaRPr lang="zh-CN" altLang="en-US" dirty="0"/>
+          </a:p>
+        </p:txBody>
+      </p:sp>
+      <p:sp>
+        <p:nvSpPr>
+          <p:cNvPr id="31" name="矩形 30">
+            <a:extLst>
+              <a:ext uri="{FF2B5EF4-FFF2-40B4-BE49-F238E27FC236}">
+                <a16:creationId xmlns:a16="http://schemas.microsoft.com/office/drawing/2014/main" id="{7A97FB70-4F55-413A-B5D0-F4987F12AD6F}"/>
+              </a:ext>
+            </a:extLst>
+          </p:cNvPr>
+          <p:cNvSpPr/>
+          <p:nvPr/>
+        </p:nvSpPr>
+        <p:spPr>
+          <a:xfrm>
+            <a:off x="5538008" y="1504684"/>
+            <a:ext cx="4787581" cy="1634082"/>
+          </a:xfrm>
+          <a:prstGeom prst="rect">
+            <a:avLst/>
+          </a:prstGeom>
+          <a:ln>
+            <a:solidFill>
+              <a:srgbClr val="0000FF"/>
+            </a:solidFill>
+          </a:ln>
+        </p:spPr>
+        <p:style>
+          <a:lnRef idx="2">
+            <a:schemeClr val="accent6"/>
+          </a:lnRef>
+          <a:fillRef idx="1">
+            <a:schemeClr val="lt1"/>
+          </a:fillRef>
+          <a:effectRef idx="0">
+            <a:schemeClr val="accent6"/>
+          </a:effectRef>
+          <a:fontRef idx="minor">
+            <a:schemeClr val="dk1"/>
+          </a:fontRef>
+        </p:style>
+        <p:txBody>
+          <a:bodyPr rtlCol="0" anchor="ctr"/>
+          <a:lstStyle/>
+          <a:p>
+            <a:pPr algn="ctr"/>
+            <a:endParaRPr lang="zh-CN" altLang="en-US" sz="1600"/>
+          </a:p>
+        </p:txBody>
+      </p:sp>
+      <p:sp>
+        <p:nvSpPr>
+          <p:cNvPr id="32" name="矩形 31">
+            <a:extLst>
+              <a:ext uri="{FF2B5EF4-FFF2-40B4-BE49-F238E27FC236}">
+                <a16:creationId xmlns:a16="http://schemas.microsoft.com/office/drawing/2014/main" id="{DCE456B9-CBD7-4BBC-B520-2E1B6385D09B}"/>
+              </a:ext>
+            </a:extLst>
+          </p:cNvPr>
+          <p:cNvSpPr/>
+          <p:nvPr/>
+        </p:nvSpPr>
+        <p:spPr>
+          <a:xfrm>
+            <a:off x="1441305" y="1504684"/>
+            <a:ext cx="3118407" cy="1655956"/>
+          </a:xfrm>
+          <a:prstGeom prst="rect">
+            <a:avLst/>
+          </a:prstGeom>
+          <a:ln>
+            <a:solidFill>
+              <a:srgbClr val="FF0000"/>
+            </a:solidFill>
+          </a:ln>
+        </p:spPr>
+        <p:style>
+          <a:lnRef idx="2">
+            <a:schemeClr val="accent6"/>
+          </a:lnRef>
+          <a:fillRef idx="1">
+            <a:schemeClr val="lt1"/>
+          </a:fillRef>
+          <a:effectRef idx="0">
+            <a:schemeClr val="accent6"/>
+          </a:effectRef>
+          <a:fontRef idx="minor">
+            <a:schemeClr val="dk1"/>
+          </a:fontRef>
+        </p:style>
+        <p:txBody>
+          <a:bodyPr rtlCol="0" anchor="ctr"/>
+          <a:lstStyle/>
+          <a:p>
+            <a:pPr algn="ctr"/>
+            <a:endParaRPr lang="zh-CN" altLang="en-US" sz="1600"/>
+          </a:p>
+        </p:txBody>
+      </p:sp>
+      <p:sp>
+        <p:nvSpPr>
+          <p:cNvPr id="33" name="文本框 32">
+            <a:extLst>
+              <a:ext uri="{FF2B5EF4-FFF2-40B4-BE49-F238E27FC236}">
+                <a16:creationId xmlns:a16="http://schemas.microsoft.com/office/drawing/2014/main" id="{8A0B3C52-C08D-4386-BCBE-E072908EE27D}"/>
+              </a:ext>
+            </a:extLst>
+          </p:cNvPr>
+          <p:cNvSpPr txBox="1"/>
+          <p:nvPr/>
+        </p:nvSpPr>
+        <p:spPr>
+          <a:xfrm>
+            <a:off x="1429273" y="2673318"/>
+            <a:ext cx="3551698" cy="424155"/>
+          </a:xfrm>
+          <a:prstGeom prst="rect">
+            <a:avLst/>
+          </a:prstGeom>
+          <a:noFill/>
+        </p:spPr>
+        <p:txBody>
+          <a:bodyPr wrap="square" rtlCol="0">
+            <a:spAutoFit/>
+          </a:bodyPr>
+          <a:lstStyle/>
+          <a:p>
+            <a:pPr>
+              <a:lnSpc>
+                <a:spcPct val="150000"/>
+              </a:lnSpc>
+            </a:pPr>
+            <a:r>
+              <a:rPr lang="en-US" altLang="zh-CN" sz="1600" dirty="0"/>
+              <a:t>Setup cost</a:t>
+            </a:r>
+            <a:r>
+              <a:rPr lang="zh-CN" altLang="en-US" sz="1600" dirty="0"/>
+              <a:t> </a:t>
+            </a:r>
+            <a:r>
+              <a:rPr lang="en-US" altLang="zh-CN" sz="1600" dirty="0"/>
+              <a:t>= 9.5 , </a:t>
+            </a:r>
+            <a:r>
+              <a:rPr lang="en-US" altLang="zh-CN" sz="1600" dirty="0">
+                <a:solidFill>
+                  <a:srgbClr val="FF0000"/>
+                </a:solidFill>
+              </a:rPr>
+              <a:t>Two</a:t>
+            </a:r>
+            <a:r>
+              <a:rPr lang="en-US" altLang="zh-CN" sz="1600" dirty="0"/>
+              <a:t> machines.  </a:t>
+            </a:r>
+            <a:endParaRPr lang="zh-CN" altLang="en-US" sz="1600" dirty="0"/>
+          </a:p>
+        </p:txBody>
+      </p:sp>
+      <p:sp>
+        <p:nvSpPr>
+          <p:cNvPr id="34" name="文本框 33">
+            <a:extLst>
+              <a:ext uri="{FF2B5EF4-FFF2-40B4-BE49-F238E27FC236}">
+                <a16:creationId xmlns:a16="http://schemas.microsoft.com/office/drawing/2014/main" id="{E062D25C-88C7-44E8-870F-292AE5BED584}"/>
+              </a:ext>
+            </a:extLst>
+          </p:cNvPr>
+          <p:cNvSpPr txBox="1"/>
+          <p:nvPr/>
+        </p:nvSpPr>
+        <p:spPr>
+          <a:xfrm>
+            <a:off x="6473526" y="2665104"/>
+            <a:ext cx="4041493" cy="424155"/>
+          </a:xfrm>
+          <a:prstGeom prst="rect">
+            <a:avLst/>
+          </a:prstGeom>
+          <a:noFill/>
+        </p:spPr>
+        <p:txBody>
+          <a:bodyPr wrap="square" rtlCol="0">
+            <a:spAutoFit/>
+          </a:bodyPr>
+          <a:lstStyle/>
+          <a:p>
+            <a:pPr>
+              <a:lnSpc>
+                <a:spcPct val="150000"/>
+              </a:lnSpc>
+            </a:pPr>
+            <a:r>
+              <a:rPr lang="en-US" altLang="zh-CN" sz="1600" dirty="0"/>
+              <a:t>Setup cost</a:t>
+            </a:r>
+            <a:r>
+              <a:rPr lang="zh-CN" altLang="en-US" sz="1600" dirty="0"/>
+              <a:t> </a:t>
+            </a:r>
+            <a:r>
+              <a:rPr lang="en-US" altLang="zh-CN" sz="1600" dirty="0"/>
+              <a:t>= 11 , </a:t>
+            </a:r>
+            <a:r>
+              <a:rPr lang="en-US" altLang="zh-CN" sz="1600" dirty="0">
+                <a:solidFill>
+                  <a:srgbClr val="FF0000"/>
+                </a:solidFill>
+              </a:rPr>
+              <a:t>One</a:t>
+            </a:r>
+            <a:r>
+              <a:rPr lang="en-US" altLang="zh-CN" sz="1600" dirty="0"/>
+              <a:t> machine.  </a:t>
+            </a:r>
+            <a:endParaRPr lang="zh-CN" altLang="en-US" sz="1600" dirty="0"/>
+          </a:p>
+        </p:txBody>
+      </p:sp>
+      <p:sp>
+        <p:nvSpPr>
+          <p:cNvPr id="35" name="箭头: 右 34">
+            <a:extLst>
+              <a:ext uri="{FF2B5EF4-FFF2-40B4-BE49-F238E27FC236}">
+                <a16:creationId xmlns:a16="http://schemas.microsoft.com/office/drawing/2014/main" id="{47DA4D50-E4FF-4DFA-83BA-EB0E56587DBA}"/>
+              </a:ext>
+            </a:extLst>
+          </p:cNvPr>
+          <p:cNvSpPr/>
+          <p:nvPr/>
+        </p:nvSpPr>
+        <p:spPr>
+          <a:xfrm>
+            <a:off x="4655923" y="2084899"/>
+            <a:ext cx="788386" cy="290881"/>
+          </a:xfrm>
+          <a:prstGeom prst="rightArrow">
+            <a:avLst/>
+          </a:prstGeom>
+          <a:solidFill>
+            <a:srgbClr val="FF0000"/>
+          </a:solidFill>
+        </p:spPr>
+        <p:style>
+          <a:lnRef idx="2">
+            <a:schemeClr val="accent1">
+              <a:shade val="50000"/>
+            </a:schemeClr>
+          </a:lnRef>
+          <a:fillRef idx="1">
+            <a:schemeClr val="accent1"/>
+          </a:fillRef>
+          <a:effectRef idx="0">
+            <a:schemeClr val="accent1"/>
+          </a:effectRef>
+          <a:fontRef idx="minor">
+            <a:schemeClr val="lt1"/>
+          </a:fontRef>
+        </p:style>
+        <p:txBody>
+          <a:bodyPr rtlCol="0" anchor="ctr"/>
+          <a:lstStyle/>
+          <a:p>
+            <a:pPr algn="ctr"/>
+            <a:endParaRPr lang="zh-CN" altLang="en-US" sz="1600"/>
+          </a:p>
+        </p:txBody>
+      </p:sp>
+      <p:sp>
+        <p:nvSpPr>
+          <p:cNvPr id="36" name="矩形 35">
+            <a:extLst>
+              <a:ext uri="{FF2B5EF4-FFF2-40B4-BE49-F238E27FC236}">
+                <a16:creationId xmlns:a16="http://schemas.microsoft.com/office/drawing/2014/main" id="{12D72F2D-658D-4B40-B9C4-16AF5AB0D462}"/>
+              </a:ext>
+            </a:extLst>
+          </p:cNvPr>
+          <p:cNvSpPr/>
+          <p:nvPr/>
+        </p:nvSpPr>
+        <p:spPr>
+          <a:xfrm>
+            <a:off x="1755708" y="1680643"/>
+            <a:ext cx="647534" cy="379703"/>
+          </a:xfrm>
+          <a:prstGeom prst="rect">
+            <a:avLst/>
+          </a:prstGeom>
+          <a:ln/>
+        </p:spPr>
+        <p:style>
+          <a:lnRef idx="1">
+            <a:schemeClr val="accent3"/>
+          </a:lnRef>
+          <a:fillRef idx="2">
+            <a:schemeClr val="accent3"/>
+          </a:fillRef>
+          <a:effectRef idx="1">
+            <a:schemeClr val="accent3"/>
+          </a:effectRef>
+          <a:fontRef idx="minor">
+            <a:schemeClr val="dk1"/>
+          </a:fontRef>
+        </p:style>
+        <p:txBody>
+          <a:bodyPr rot="0" spcFirstLastPara="0" vertOverflow="overflow" horzOverflow="overflow" vert="horz" wrap="square" lIns="91440" tIns="45720" rIns="91440" bIns="45720" numCol="1" spcCol="0" rtlCol="0" fromWordArt="0" anchor="ctr" anchorCtr="0" forceAA="0" compatLnSpc="1">
+            <a:prstTxWarp prst="textNoShape">
+              <a:avLst/>
+            </a:prstTxWarp>
+            <a:noAutofit/>
+          </a:bodyPr>
+          <a:lstStyle/>
+          <a:p>
+            <a:pPr algn="ctr"/>
+            <a:r>
+              <a:rPr lang="en-US" altLang="zh-CN" sz="1600" dirty="0">
+                <a:ln w="0"/>
+                <a:solidFill>
+                  <a:schemeClr val="tx1"/>
+                </a:solidFill>
+                <a:effectLst>
+                  <a:outerShdw blurRad="38100" dist="19050" dir="2700000" algn="tl" rotWithShape="0">
+                    <a:schemeClr val="dk1">
+                      <a:alpha val="40000"/>
+                    </a:schemeClr>
+                  </a:outerShdw>
+                </a:effectLst>
+              </a:rPr>
+              <a:t>job 1</a:t>
+            </a:r>
+            <a:endParaRPr lang="zh-CN" altLang="en-US" sz="1600" dirty="0">
+              <a:ln w="0"/>
+              <a:solidFill>
+                <a:schemeClr val="tx1"/>
+              </a:solidFill>
+              <a:effectLst>
+                <a:outerShdw blurRad="38100" dist="19050" dir="2700000" algn="tl" rotWithShape="0">
+                  <a:schemeClr val="dk1">
+                    <a:alpha val="40000"/>
+                  </a:schemeClr>
+                </a:outerShdw>
+              </a:effectLst>
+            </a:endParaRPr>
+          </a:p>
+        </p:txBody>
+      </p:sp>
+      <p:sp>
+        <p:nvSpPr>
+          <p:cNvPr id="37" name="矩形 36">
+            <a:extLst>
+              <a:ext uri="{FF2B5EF4-FFF2-40B4-BE49-F238E27FC236}">
+                <a16:creationId xmlns:a16="http://schemas.microsoft.com/office/drawing/2014/main" id="{2E7C1376-2933-45F3-8174-EF8EB1678ED6}"/>
+              </a:ext>
+            </a:extLst>
+          </p:cNvPr>
+          <p:cNvSpPr/>
+          <p:nvPr/>
+        </p:nvSpPr>
+        <p:spPr>
+          <a:xfrm>
+            <a:off x="1755708" y="2185632"/>
+            <a:ext cx="906475" cy="379703"/>
+          </a:xfrm>
+          <a:prstGeom prst="rect">
+            <a:avLst/>
+          </a:prstGeom>
+          <a:ln/>
+        </p:spPr>
+        <p:style>
+          <a:lnRef idx="1">
+            <a:schemeClr val="accent5"/>
+          </a:lnRef>
+          <a:fillRef idx="2">
+            <a:schemeClr val="accent5"/>
+          </a:fillRef>
+          <a:effectRef idx="1">
+            <a:schemeClr val="accent5"/>
+          </a:effectRef>
+          <a:fontRef idx="minor">
+            <a:schemeClr val="dk1"/>
+          </a:fontRef>
+        </p:style>
+        <p:txBody>
+          <a:bodyPr rot="0" spcFirstLastPara="0" vertOverflow="overflow" horzOverflow="overflow" vert="horz" wrap="square" lIns="91440" tIns="45720" rIns="91440" bIns="45720" numCol="1" spcCol="0" rtlCol="0" fromWordArt="0" anchor="ctr" anchorCtr="0" forceAA="0" compatLnSpc="1">
+            <a:prstTxWarp prst="textNoShape">
+              <a:avLst/>
+            </a:prstTxWarp>
+            <a:noAutofit/>
+          </a:bodyPr>
+          <a:lstStyle/>
+          <a:p>
+            <a:pPr algn="ctr"/>
+            <a:r>
+              <a:rPr lang="en-US" altLang="zh-CN" sz="1600" dirty="0">
+                <a:ln w="0"/>
+                <a:solidFill>
+                  <a:schemeClr val="tx1"/>
+                </a:solidFill>
+                <a:effectLst>
+                  <a:outerShdw blurRad="38100" dist="19050" dir="2700000" algn="tl" rotWithShape="0">
+                    <a:schemeClr val="dk1">
+                      <a:alpha val="40000"/>
+                    </a:schemeClr>
+                  </a:outerShdw>
+                </a:effectLst>
+              </a:rPr>
+              <a:t>job 2</a:t>
+            </a:r>
+            <a:endParaRPr lang="zh-CN" altLang="en-US" sz="1600" dirty="0">
+              <a:ln w="0"/>
+              <a:solidFill>
+                <a:schemeClr val="tx1"/>
+              </a:solidFill>
+              <a:effectLst>
+                <a:outerShdw blurRad="38100" dist="19050" dir="2700000" algn="tl" rotWithShape="0">
+                  <a:schemeClr val="dk1">
+                    <a:alpha val="40000"/>
+                  </a:schemeClr>
+                </a:outerShdw>
+              </a:effectLst>
+            </a:endParaRPr>
+          </a:p>
+        </p:txBody>
+      </p:sp>
+      <p:sp>
+        <p:nvSpPr>
+          <p:cNvPr id="38" name="矩形 37">
+            <a:extLst>
+              <a:ext uri="{FF2B5EF4-FFF2-40B4-BE49-F238E27FC236}">
+                <a16:creationId xmlns:a16="http://schemas.microsoft.com/office/drawing/2014/main" id="{C38CCED6-4D6A-4646-B8E5-4FADB5C0C0CF}"/>
+              </a:ext>
+            </a:extLst>
+          </p:cNvPr>
+          <p:cNvSpPr/>
+          <p:nvPr/>
+        </p:nvSpPr>
+        <p:spPr>
+          <a:xfrm>
+            <a:off x="2403242" y="1680643"/>
+            <a:ext cx="1313305" cy="379703"/>
+          </a:xfrm>
+          <a:prstGeom prst="rect">
+            <a:avLst/>
+          </a:prstGeom>
+        </p:spPr>
+        <p:style>
+          <a:lnRef idx="1">
+            <a:schemeClr val="accent4"/>
+          </a:lnRef>
+          <a:fillRef idx="2">
+            <a:schemeClr val="accent4"/>
+          </a:fillRef>
+          <a:effectRef idx="1">
+            <a:schemeClr val="accent4"/>
+          </a:effectRef>
+          <a:fontRef idx="minor">
+            <a:schemeClr val="dk1"/>
+          </a:fontRef>
+        </p:style>
+        <p:txBody>
+          <a:bodyPr rtlCol="0" anchor="ctr"/>
+          <a:lstStyle/>
+          <a:p>
+            <a:pPr algn="ctr"/>
+            <a:r>
+              <a:rPr lang="en-US" altLang="zh-CN" sz="1600" dirty="0"/>
+              <a:t>job 3</a:t>
+            </a:r>
+            <a:endParaRPr lang="zh-CN" altLang="en-US" sz="1600" dirty="0"/>
+          </a:p>
+        </p:txBody>
+      </p:sp>
+      <p:sp>
+        <p:nvSpPr>
+          <p:cNvPr id="39" name="矩形 38">
+            <a:extLst>
+              <a:ext uri="{FF2B5EF4-FFF2-40B4-BE49-F238E27FC236}">
+                <a16:creationId xmlns:a16="http://schemas.microsoft.com/office/drawing/2014/main" id="{421813A2-F61A-4489-9A5D-7E4C8FD483CF}"/>
+              </a:ext>
+            </a:extLst>
+          </p:cNvPr>
+          <p:cNvSpPr/>
+          <p:nvPr/>
+        </p:nvSpPr>
+        <p:spPr>
+          <a:xfrm>
+            <a:off x="2662183" y="2180368"/>
+            <a:ext cx="1701898" cy="379703"/>
+          </a:xfrm>
+          <a:prstGeom prst="rect">
+            <a:avLst/>
+          </a:prstGeom>
+        </p:spPr>
+        <p:style>
+          <a:lnRef idx="1">
+            <a:schemeClr val="accent6"/>
+          </a:lnRef>
+          <a:fillRef idx="2">
+            <a:schemeClr val="accent6"/>
+          </a:fillRef>
+          <a:effectRef idx="1">
+            <a:schemeClr val="accent6"/>
+          </a:effectRef>
+          <a:fontRef idx="minor">
+            <a:schemeClr val="dk1"/>
+          </a:fontRef>
+        </p:style>
+        <p:txBody>
+          <a:bodyPr rtlCol="0" anchor="ctr"/>
+          <a:lstStyle/>
+          <a:p>
+            <a:pPr algn="ctr"/>
+            <a:r>
+              <a:rPr lang="en-US" altLang="zh-CN" sz="1600" dirty="0"/>
+              <a:t>job 4</a:t>
+            </a:r>
+            <a:endParaRPr lang="zh-CN" altLang="en-US" sz="1600" dirty="0"/>
+          </a:p>
+        </p:txBody>
+      </p:sp>
+      <p:sp>
+        <p:nvSpPr>
+          <p:cNvPr id="40" name="矩形 39">
+            <a:extLst>
+              <a:ext uri="{FF2B5EF4-FFF2-40B4-BE49-F238E27FC236}">
+                <a16:creationId xmlns:a16="http://schemas.microsoft.com/office/drawing/2014/main" id="{564581E9-91EF-46D9-9769-DF719979C10D}"/>
+              </a:ext>
+            </a:extLst>
+          </p:cNvPr>
+          <p:cNvSpPr/>
+          <p:nvPr/>
+        </p:nvSpPr>
+        <p:spPr>
+          <a:xfrm>
+            <a:off x="5653174" y="1865874"/>
+            <a:ext cx="647534" cy="379703"/>
+          </a:xfrm>
+          <a:prstGeom prst="rect">
+            <a:avLst/>
+          </a:prstGeom>
+          <a:ln/>
+        </p:spPr>
+        <p:style>
+          <a:lnRef idx="1">
+            <a:schemeClr val="accent3"/>
+          </a:lnRef>
+          <a:fillRef idx="2">
+            <a:schemeClr val="accent3"/>
+          </a:fillRef>
+          <a:effectRef idx="1">
+            <a:schemeClr val="accent3"/>
+          </a:effectRef>
+          <a:fontRef idx="minor">
+            <a:schemeClr val="dk1"/>
+          </a:fontRef>
+        </p:style>
+        <p:txBody>
+          <a:bodyPr rot="0" spcFirstLastPara="0" vertOverflow="overflow" horzOverflow="overflow" vert="horz" wrap="square" lIns="91440" tIns="45720" rIns="91440" bIns="45720" numCol="1" spcCol="0" rtlCol="0" fromWordArt="0" anchor="ctr" anchorCtr="0" forceAA="0" compatLnSpc="1">
+            <a:prstTxWarp prst="textNoShape">
+              <a:avLst/>
+            </a:prstTxWarp>
+            <a:noAutofit/>
+          </a:bodyPr>
+          <a:lstStyle/>
+          <a:p>
+            <a:pPr algn="ctr"/>
+            <a:r>
+              <a:rPr lang="en-US" altLang="zh-CN" sz="1600" dirty="0">
+                <a:ln w="0"/>
+                <a:solidFill>
+                  <a:schemeClr val="tx1"/>
+                </a:solidFill>
+                <a:effectLst>
+                  <a:outerShdw blurRad="38100" dist="19050" dir="2700000" algn="tl" rotWithShape="0">
+                    <a:schemeClr val="dk1">
+                      <a:alpha val="40000"/>
+                    </a:schemeClr>
+                  </a:outerShdw>
+                </a:effectLst>
+              </a:rPr>
+              <a:t>job 1</a:t>
+            </a:r>
+            <a:endParaRPr lang="zh-CN" altLang="en-US" sz="1600" dirty="0">
+              <a:ln w="0"/>
+              <a:solidFill>
+                <a:schemeClr val="tx1"/>
+              </a:solidFill>
+              <a:effectLst>
+                <a:outerShdw blurRad="38100" dist="19050" dir="2700000" algn="tl" rotWithShape="0">
+                  <a:schemeClr val="dk1">
+                    <a:alpha val="40000"/>
+                  </a:schemeClr>
+                </a:outerShdw>
+              </a:effectLst>
+            </a:endParaRPr>
+          </a:p>
+        </p:txBody>
+      </p:sp>
+      <p:sp>
+        <p:nvSpPr>
+          <p:cNvPr id="41" name="矩形 40">
+            <a:extLst>
+              <a:ext uri="{FF2B5EF4-FFF2-40B4-BE49-F238E27FC236}">
+                <a16:creationId xmlns:a16="http://schemas.microsoft.com/office/drawing/2014/main" id="{220DD046-8529-4ECD-B376-19511A14BAAA}"/>
+              </a:ext>
+            </a:extLst>
+          </p:cNvPr>
+          <p:cNvSpPr/>
+          <p:nvPr/>
+        </p:nvSpPr>
+        <p:spPr>
+          <a:xfrm>
+            <a:off x="6300708" y="1865874"/>
+            <a:ext cx="906475" cy="379703"/>
+          </a:xfrm>
+          <a:prstGeom prst="rect">
+            <a:avLst/>
+          </a:prstGeom>
+          <a:ln/>
+        </p:spPr>
+        <p:style>
+          <a:lnRef idx="1">
+            <a:schemeClr val="accent5"/>
+          </a:lnRef>
+          <a:fillRef idx="2">
+            <a:schemeClr val="accent5"/>
+          </a:fillRef>
+          <a:effectRef idx="1">
+            <a:schemeClr val="accent5"/>
+          </a:effectRef>
+          <a:fontRef idx="minor">
+            <a:schemeClr val="dk1"/>
+          </a:fontRef>
+        </p:style>
+        <p:txBody>
+          <a:bodyPr rot="0" spcFirstLastPara="0" vertOverflow="overflow" horzOverflow="overflow" vert="horz" wrap="square" lIns="91440" tIns="45720" rIns="91440" bIns="45720" numCol="1" spcCol="0" rtlCol="0" fromWordArt="0" anchor="ctr" anchorCtr="0" forceAA="0" compatLnSpc="1">
+            <a:prstTxWarp prst="textNoShape">
+              <a:avLst/>
+            </a:prstTxWarp>
+            <a:noAutofit/>
+          </a:bodyPr>
+          <a:lstStyle/>
+          <a:p>
+            <a:pPr algn="ctr"/>
+            <a:r>
+              <a:rPr lang="en-US" altLang="zh-CN" sz="1600" dirty="0">
+                <a:ln w="0"/>
+                <a:solidFill>
+                  <a:schemeClr val="tx1"/>
+                </a:solidFill>
+                <a:effectLst>
+                  <a:outerShdw blurRad="38100" dist="19050" dir="2700000" algn="tl" rotWithShape="0">
+                    <a:schemeClr val="dk1">
+                      <a:alpha val="40000"/>
+                    </a:schemeClr>
+                  </a:outerShdw>
+                </a:effectLst>
+              </a:rPr>
+              <a:t>job 2</a:t>
+            </a:r>
+            <a:endParaRPr lang="zh-CN" altLang="en-US" sz="1600" dirty="0">
+              <a:ln w="0"/>
+              <a:solidFill>
+                <a:schemeClr val="tx1"/>
+              </a:solidFill>
+              <a:effectLst>
+                <a:outerShdw blurRad="38100" dist="19050" dir="2700000" algn="tl" rotWithShape="0">
+                  <a:schemeClr val="dk1">
+                    <a:alpha val="40000"/>
+                  </a:schemeClr>
+                </a:outerShdw>
+              </a:effectLst>
+            </a:endParaRPr>
+          </a:p>
+        </p:txBody>
+      </p:sp>
+      <p:sp>
+        <p:nvSpPr>
+          <p:cNvPr id="42" name="矩形 41">
+            <a:extLst>
+              <a:ext uri="{FF2B5EF4-FFF2-40B4-BE49-F238E27FC236}">
+                <a16:creationId xmlns:a16="http://schemas.microsoft.com/office/drawing/2014/main" id="{0BB6639E-F5E2-4BCF-844E-18EEEF2C7DD1}"/>
+              </a:ext>
+            </a:extLst>
+          </p:cNvPr>
+          <p:cNvSpPr/>
+          <p:nvPr/>
+        </p:nvSpPr>
+        <p:spPr>
+          <a:xfrm>
+            <a:off x="7207183" y="1865874"/>
+            <a:ext cx="1313305" cy="379703"/>
+          </a:xfrm>
+          <a:prstGeom prst="rect">
+            <a:avLst/>
+          </a:prstGeom>
+        </p:spPr>
+        <p:style>
+          <a:lnRef idx="1">
+            <a:schemeClr val="accent4"/>
+          </a:lnRef>
+          <a:fillRef idx="2">
+            <a:schemeClr val="accent4"/>
+          </a:fillRef>
+          <a:effectRef idx="1">
+            <a:schemeClr val="accent4"/>
+          </a:effectRef>
+          <a:fontRef idx="minor">
+            <a:schemeClr val="dk1"/>
+          </a:fontRef>
+        </p:style>
+        <p:txBody>
+          <a:bodyPr rtlCol="0" anchor="ctr"/>
+          <a:lstStyle/>
+          <a:p>
+            <a:pPr algn="ctr"/>
+            <a:r>
+              <a:rPr lang="en-US" altLang="zh-CN" sz="1600" dirty="0"/>
+              <a:t>job 3</a:t>
+            </a:r>
+            <a:endParaRPr lang="zh-CN" altLang="en-US" sz="1600" dirty="0"/>
+          </a:p>
+        </p:txBody>
+      </p:sp>
+      <p:sp>
+        <p:nvSpPr>
+          <p:cNvPr id="43" name="矩形 42">
+            <a:extLst>
+              <a:ext uri="{FF2B5EF4-FFF2-40B4-BE49-F238E27FC236}">
+                <a16:creationId xmlns:a16="http://schemas.microsoft.com/office/drawing/2014/main" id="{0B40B2A8-AA99-4454-82FA-B22E06F74C2F}"/>
+              </a:ext>
+            </a:extLst>
+          </p:cNvPr>
+          <p:cNvSpPr/>
+          <p:nvPr/>
+        </p:nvSpPr>
+        <p:spPr>
+          <a:xfrm>
+            <a:off x="8520488" y="1865874"/>
+            <a:ext cx="1701898" cy="379703"/>
+          </a:xfrm>
+          <a:prstGeom prst="rect">
+            <a:avLst/>
+          </a:prstGeom>
+        </p:spPr>
+        <p:style>
+          <a:lnRef idx="1">
+            <a:schemeClr val="accent6"/>
+          </a:lnRef>
+          <a:fillRef idx="2">
+            <a:schemeClr val="accent6"/>
+          </a:fillRef>
+          <a:effectRef idx="1">
+            <a:schemeClr val="accent6"/>
+          </a:effectRef>
+          <a:fontRef idx="minor">
+            <a:schemeClr val="dk1"/>
+          </a:fontRef>
+        </p:style>
+        <p:txBody>
+          <a:bodyPr rtlCol="0" anchor="ctr"/>
+          <a:lstStyle/>
+          <a:p>
+            <a:pPr algn="ctr"/>
+            <a:r>
+              <a:rPr lang="en-US" altLang="zh-CN" sz="1600" dirty="0"/>
+              <a:t>job 4</a:t>
+            </a:r>
+            <a:endParaRPr lang="zh-CN" altLang="en-US" sz="1600" dirty="0"/>
+          </a:p>
+        </p:txBody>
+      </p:sp>
+    </p:spTree>
+    <p:extLst>
+      <p:ext uri="{BB962C8B-B14F-4D97-AF65-F5344CB8AC3E}">
+        <p14:creationId xmlns:p14="http://schemas.microsoft.com/office/powerpoint/2010/main" val="262170677"/>
+      </p:ext>
+    </p:extLst>
+  </p:cSld>
+  <p:clrMapOvr>
+    <a:masterClrMapping/>
+  </p:clrMapOvr>
+</p:sld>
+</file>
+
+<file path=ppt/slides/slide5.xml><?xml version="1.0" encoding="utf-8"?>
+<p:sld xmlns:a="http://schemas.openxmlformats.org/drawingml/2006/main" xmlns:r="http://schemas.openxmlformats.org/officeDocument/2006/relationships" xmlns:p="http://schemas.openxmlformats.org/presentationml/2006/main">
+  <p:cSld>
+    <p:spTree>
+      <p:nvGrpSpPr>
+        <p:cNvPr id="1" name=""/>
+        <p:cNvGrpSpPr/>
+        <p:nvPr/>
+      </p:nvGrpSpPr>
+      <p:grpSpPr>
+        <a:xfrm>
+          <a:off x="0" y="0"/>
+          <a:ext cx="0" cy="0"/>
+          <a:chOff x="0" y="0"/>
+          <a:chExt cx="0" cy="0"/>
+        </a:xfrm>
+      </p:grpSpPr>
+      <p:graphicFrame>
+        <p:nvGraphicFramePr>
+          <p:cNvPr id="3" name="表格 2">
+            <a:extLst>
+              <a:ext uri="{FF2B5EF4-FFF2-40B4-BE49-F238E27FC236}">
+                <a16:creationId xmlns:a16="http://schemas.microsoft.com/office/drawing/2014/main" id="{CBEF8C12-57A4-4528-A6CC-DC2CCB7A341D}"/>
+              </a:ext>
+            </a:extLst>
+          </p:cNvPr>
+          <p:cNvGraphicFramePr>
+            <a:graphicFrameLocks noGrp="1"/>
+          </p:cNvGraphicFramePr>
+          <p:nvPr>
+            <p:extLst>
+              <p:ext uri="{D42A27DB-BD31-4B8C-83A1-F6EECF244321}">
+                <p14:modId xmlns:p14="http://schemas.microsoft.com/office/powerpoint/2010/main" val="1471742751"/>
+              </p:ext>
+            </p:extLst>
+          </p:nvPr>
+        </p:nvGraphicFramePr>
+        <p:xfrm>
+          <a:off x="2890350" y="3738954"/>
+          <a:ext cx="6359639" cy="1259840"/>
+        </p:xfrm>
+        <a:graphic>
+          <a:graphicData uri="http://schemas.openxmlformats.org/drawingml/2006/table">
+            <a:tbl>
+              <a:tblPr firstRow="1" bandRow="1">
+                <a:tableStyleId>{D113A9D2-9D6B-4929-AA2D-F23B5EE8CBE7}</a:tableStyleId>
+              </a:tblPr>
+              <a:tblGrid>
+                <a:gridCol w="782053">
+                  <a:extLst>
+                    <a:ext uri="{9D8B030D-6E8A-4147-A177-3AD203B41FA5}">
+                      <a16:colId xmlns:a16="http://schemas.microsoft.com/office/drawing/2014/main" val="2266746264"/>
+                    </a:ext>
+                  </a:extLst>
+                </a:gridCol>
+                <a:gridCol w="1094873">
+                  <a:extLst>
+                    <a:ext uri="{9D8B030D-6E8A-4147-A177-3AD203B41FA5}">
+                      <a16:colId xmlns:a16="http://schemas.microsoft.com/office/drawing/2014/main" val="1425588328"/>
+                    </a:ext>
+                  </a:extLst>
+                </a:gridCol>
+                <a:gridCol w="1093789">
+                  <a:extLst>
+                    <a:ext uri="{9D8B030D-6E8A-4147-A177-3AD203B41FA5}">
+                      <a16:colId xmlns:a16="http://schemas.microsoft.com/office/drawing/2014/main" val="1140824755"/>
+                    </a:ext>
+                  </a:extLst>
+                </a:gridCol>
+                <a:gridCol w="801805">
+                  <a:extLst>
+                    <a:ext uri="{9D8B030D-6E8A-4147-A177-3AD203B41FA5}">
+                      <a16:colId xmlns:a16="http://schemas.microsoft.com/office/drawing/2014/main" val="3298689335"/>
+                    </a:ext>
+                  </a:extLst>
+                </a:gridCol>
+                <a:gridCol w="862373">
+                  <a:extLst>
+                    <a:ext uri="{9D8B030D-6E8A-4147-A177-3AD203B41FA5}">
+                      <a16:colId xmlns:a16="http://schemas.microsoft.com/office/drawing/2014/main" val="562246316"/>
+                    </a:ext>
+                  </a:extLst>
+                </a:gridCol>
+                <a:gridCol w="862373">
+                  <a:extLst>
+                    <a:ext uri="{9D8B030D-6E8A-4147-A177-3AD203B41FA5}">
+                      <a16:colId xmlns:a16="http://schemas.microsoft.com/office/drawing/2014/main" val="2352897261"/>
+                    </a:ext>
+                  </a:extLst>
+                </a:gridCol>
+                <a:gridCol w="862373">
+                  <a:extLst>
+                    <a:ext uri="{9D8B030D-6E8A-4147-A177-3AD203B41FA5}">
+                      <a16:colId xmlns:a16="http://schemas.microsoft.com/office/drawing/2014/main" val="794892002"/>
+                    </a:ext>
+                  </a:extLst>
+                </a:gridCol>
+              </a:tblGrid>
+              <a:tr h="370840">
+                <a:tc>
+                  <a:txBody>
+                    <a:bodyPr/>
+                    <a:lstStyle/>
+                    <a:p>
+                      <a:pPr algn="ctr"/>
+                      <a:r>
+                        <a:rPr lang="en-US" altLang="zh-CN" sz="1400" dirty="0"/>
+                        <a:t>Setup</a:t>
+                      </a:r>
+                      <a:r>
+                        <a:rPr lang="zh-CN" altLang="en-US" sz="1400" dirty="0"/>
+                        <a:t> </a:t>
+                      </a:r>
+                      <a:r>
+                        <a:rPr lang="en-US" altLang="zh-CN" sz="1400" dirty="0"/>
+                        <a:t>cost</a:t>
+                      </a:r>
+                      <a:endParaRPr lang="zh-CN" altLang="en-US" sz="1400" dirty="0"/>
+                    </a:p>
+                  </a:txBody>
+                  <a:tcPr>
+                    <a:solidFill>
+                      <a:schemeClr val="accent1">
+                        <a:lumMod val="60000"/>
+                        <a:lumOff val="40000"/>
+                      </a:schemeClr>
+                    </a:solidFill>
+                  </a:tcPr>
+                </a:tc>
+                <a:tc>
+                  <a:txBody>
+                    <a:bodyPr/>
+                    <a:lstStyle/>
+                    <a:p>
+                      <a:pPr algn="ctr"/>
+                      <a:r>
+                        <a:rPr lang="en-US" altLang="zh-CN" sz="1400" dirty="0"/>
+                        <a:t>Increment</a:t>
+                      </a:r>
+                      <a:endParaRPr lang="zh-CN" altLang="en-US" sz="1400" dirty="0"/>
+                    </a:p>
+                  </a:txBody>
+                  <a:tcPr>
+                    <a:solidFill>
+                      <a:schemeClr val="accent1">
+                        <a:lumMod val="60000"/>
+                        <a:lumOff val="40000"/>
+                      </a:schemeClr>
+                    </a:solidFill>
+                  </a:tcPr>
+                </a:tc>
+                <a:tc>
+                  <a:txBody>
+                    <a:bodyPr/>
+                    <a:lstStyle/>
+                    <a:p>
+                      <a:pPr algn="ctr"/>
+                      <a:r>
+                        <a:rPr lang="en-US" altLang="zh-CN" sz="1400" dirty="0"/>
+                        <a:t>Num of Machines</a:t>
+                      </a:r>
+                      <a:endParaRPr lang="zh-CN" altLang="en-US" sz="1400" dirty="0"/>
+                    </a:p>
+                  </a:txBody>
+                  <a:tcPr>
+                    <a:solidFill>
+                      <a:schemeClr val="accent1">
+                        <a:lumMod val="60000"/>
+                        <a:lumOff val="40000"/>
+                      </a:schemeClr>
+                    </a:solidFill>
+                  </a:tcPr>
+                </a:tc>
+                <a:tc>
+                  <a:txBody>
+                    <a:bodyPr/>
+                    <a:lstStyle/>
+                    <a:p>
+                      <a:pPr algn="ctr"/>
+                      <a:r>
+                        <a:rPr lang="en-US" altLang="zh-CN" sz="1400" dirty="0"/>
+                        <a:t>Total</a:t>
+                      </a:r>
+                      <a:r>
+                        <a:rPr lang="zh-CN" altLang="en-US" sz="1400" dirty="0"/>
+                        <a:t> </a:t>
+                      </a:r>
+                      <a:r>
+                        <a:rPr lang="en-US" altLang="zh-CN" sz="1400" dirty="0"/>
+                        <a:t>pricing</a:t>
+                      </a:r>
+                      <a:endParaRPr lang="zh-CN" altLang="en-US" sz="1400" dirty="0"/>
+                    </a:p>
+                  </a:txBody>
+                  <a:tcPr>
+                    <a:solidFill>
+                      <a:schemeClr val="accent1">
+                        <a:lumMod val="60000"/>
+                        <a:lumOff val="40000"/>
+                      </a:schemeClr>
+                    </a:solidFill>
+                  </a:tcPr>
+                </a:tc>
+                <a:tc>
+                  <a:txBody>
+                    <a:bodyPr/>
+                    <a:lstStyle/>
+                    <a:p>
+                      <a:pPr algn="ctr"/>
+                      <a:r>
+                        <a:rPr lang="en-US" altLang="zh-CN" sz="1400" dirty="0"/>
+                        <a:t>c(V)</a:t>
+                      </a:r>
+                      <a:endParaRPr lang="zh-CN" altLang="en-US" sz="1400" dirty="0"/>
+                    </a:p>
+                  </a:txBody>
+                  <a:tcPr>
+                    <a:solidFill>
+                      <a:schemeClr val="accent1">
+                        <a:lumMod val="60000"/>
+                        <a:lumOff val="40000"/>
+                      </a:schemeClr>
+                    </a:solidFill>
+                  </a:tcPr>
+                </a:tc>
+                <a:tc>
+                  <a:txBody>
+                    <a:bodyPr/>
+                    <a:lstStyle/>
+                    <a:p>
+                      <a:pPr algn="ctr"/>
+                      <a:r>
+                        <a:rPr lang="el-GR" altLang="zh-CN" sz="1400" dirty="0"/>
+                        <a:t>α</a:t>
+                      </a:r>
+                      <a:r>
+                        <a:rPr lang="en-US" altLang="zh-CN" sz="1400" dirty="0"/>
+                        <a:t>(V)</a:t>
+                      </a:r>
+                      <a:endParaRPr lang="zh-CN" altLang="en-US" sz="1400" dirty="0"/>
+                    </a:p>
+                  </a:txBody>
+                  <a:tcPr>
+                    <a:solidFill>
+                      <a:schemeClr val="accent1">
+                        <a:lumMod val="60000"/>
+                        <a:lumOff val="40000"/>
+                      </a:schemeClr>
+                    </a:solidFill>
+                  </a:tcPr>
+                </a:tc>
+                <a:tc>
+                  <a:txBody>
+                    <a:bodyPr/>
+                    <a:lstStyle/>
+                    <a:p>
+                      <a:pPr algn="ctr"/>
+                      <a:r>
+                        <a:rPr lang="en-US" altLang="zh-CN" sz="1400" dirty="0"/>
+                        <a:t>Subsidy</a:t>
+                      </a:r>
+                      <a:endParaRPr lang="zh-CN" altLang="en-US" sz="1400" dirty="0"/>
+                    </a:p>
+                  </a:txBody>
+                  <a:tcPr>
+                    <a:solidFill>
+                      <a:schemeClr val="accent1">
+                        <a:lumMod val="60000"/>
+                        <a:lumOff val="40000"/>
+                      </a:schemeClr>
+                    </a:solidFill>
+                  </a:tcPr>
+                </a:tc>
+                <a:extLst>
+                  <a:ext uri="{0D108BD9-81ED-4DB2-BD59-A6C34878D82A}">
+                    <a16:rowId xmlns:a16="http://schemas.microsoft.com/office/drawing/2014/main" val="2899555409"/>
+                  </a:ext>
+                </a:extLst>
+              </a:tr>
+              <a:tr h="370840">
+                <a:tc>
+                  <a:txBody>
+                    <a:bodyPr/>
+                    <a:lstStyle/>
+                    <a:p>
+                      <a:pPr algn="ctr"/>
+                      <a:r>
+                        <a:rPr lang="en-US" altLang="zh-CN" sz="1400" dirty="0">
+                          <a:solidFill>
+                            <a:srgbClr val="FF0000"/>
+                          </a:solidFill>
+                        </a:rPr>
+                        <a:t>9.5</a:t>
+                      </a:r>
+                      <a:endParaRPr lang="zh-CN" altLang="en-US" sz="1400" dirty="0">
+                        <a:solidFill>
+                          <a:srgbClr val="FF0000"/>
+                        </a:solidFill>
+                      </a:endParaRPr>
+                    </a:p>
+                  </a:txBody>
+                  <a:tcPr>
+                    <a:solidFill>
+                      <a:schemeClr val="accent2">
+                        <a:lumMod val="40000"/>
+                        <a:lumOff val="60000"/>
+                      </a:schemeClr>
+                    </a:solidFill>
+                  </a:tcPr>
+                </a:tc>
+                <a:tc>
+                  <a:txBody>
+                    <a:bodyPr/>
+                    <a:lstStyle/>
+                    <a:p>
+                      <a:pPr algn="ctr"/>
+                      <a:r>
+                        <a:rPr lang="en-US" altLang="zh-CN" sz="1400" dirty="0">
+                          <a:solidFill>
+                            <a:srgbClr val="FF0000"/>
+                          </a:solidFill>
+                        </a:rPr>
+                        <a:t>0</a:t>
+                      </a:r>
+                      <a:endParaRPr lang="zh-CN" altLang="en-US" sz="1400" dirty="0">
+                        <a:solidFill>
+                          <a:srgbClr val="FF0000"/>
+                        </a:solidFill>
+                      </a:endParaRPr>
+                    </a:p>
+                  </a:txBody>
+                  <a:tcPr>
+                    <a:solidFill>
+                      <a:schemeClr val="accent2">
+                        <a:lumMod val="40000"/>
+                        <a:lumOff val="60000"/>
+                      </a:schemeClr>
+                    </a:solidFill>
+                  </a:tcPr>
+                </a:tc>
+                <a:tc>
+                  <a:txBody>
+                    <a:bodyPr/>
+                    <a:lstStyle/>
+                    <a:p>
+                      <a:pPr algn="ctr"/>
+                      <a:r>
+                        <a:rPr lang="en-US" altLang="zh-CN" sz="1400" dirty="0">
+                          <a:solidFill>
+                            <a:srgbClr val="FF0000"/>
+                          </a:solidFill>
+                        </a:rPr>
+                        <a:t>2</a:t>
+                      </a:r>
+                      <a:endParaRPr lang="zh-CN" altLang="en-US" sz="1400" dirty="0">
+                        <a:solidFill>
+                          <a:srgbClr val="FF0000"/>
+                        </a:solidFill>
+                      </a:endParaRPr>
+                    </a:p>
+                  </a:txBody>
+                  <a:tcPr>
+                    <a:solidFill>
+                      <a:schemeClr val="accent2">
+                        <a:lumMod val="40000"/>
+                        <a:lumOff val="60000"/>
+                      </a:schemeClr>
+                    </a:solidFill>
+                  </a:tcPr>
+                </a:tc>
+                <a:tc>
+                  <a:txBody>
+                    <a:bodyPr/>
+                    <a:lstStyle/>
+                    <a:p>
+                      <a:pPr algn="ctr"/>
+                      <a:r>
+                        <a:rPr lang="en-US" altLang="zh-CN" sz="1400" dirty="0">
+                          <a:solidFill>
+                            <a:srgbClr val="0000FF"/>
+                          </a:solidFill>
+                        </a:rPr>
+                        <a:t>0</a:t>
+                      </a:r>
+                      <a:endParaRPr lang="zh-CN" altLang="en-US" sz="1400" dirty="0">
+                        <a:solidFill>
+                          <a:srgbClr val="0000FF"/>
+                        </a:solidFill>
+                      </a:endParaRPr>
+                    </a:p>
+                  </a:txBody>
+                  <a:tcPr>
+                    <a:solidFill>
+                      <a:schemeClr val="accent2">
+                        <a:lumMod val="40000"/>
+                        <a:lumOff val="60000"/>
+                      </a:schemeClr>
+                    </a:solidFill>
+                  </a:tcPr>
+                </a:tc>
+                <a:tc>
+                  <a:txBody>
+                    <a:bodyPr/>
+                    <a:lstStyle/>
+                    <a:p>
+                      <a:pPr algn="ctr"/>
+                      <a:r>
+                        <a:rPr lang="en-US" altLang="zh-CN" sz="1400" dirty="0">
+                          <a:solidFill>
+                            <a:srgbClr val="FF0000"/>
+                          </a:solidFill>
+                        </a:rPr>
+                        <a:t>38</a:t>
+                      </a:r>
+                      <a:endParaRPr lang="zh-CN" altLang="en-US" sz="1400" dirty="0">
+                        <a:solidFill>
+                          <a:srgbClr val="FF0000"/>
+                        </a:solidFill>
+                      </a:endParaRPr>
+                    </a:p>
+                  </a:txBody>
+                  <a:tcPr>
+                    <a:solidFill>
+                      <a:schemeClr val="accent2">
+                        <a:lumMod val="40000"/>
+                        <a:lumOff val="60000"/>
+                      </a:schemeClr>
+                    </a:solidFill>
+                  </a:tcPr>
+                </a:tc>
+                <a:tc>
+                  <a:txBody>
+                    <a:bodyPr/>
+                    <a:lstStyle/>
+                    <a:p>
+                      <a:pPr algn="ctr"/>
+                      <a:r>
+                        <a:rPr lang="en-US" altLang="zh-CN" sz="1400" dirty="0">
+                          <a:solidFill>
+                            <a:srgbClr val="FF0000"/>
+                          </a:solidFill>
+                        </a:rPr>
+                        <a:t>37.25</a:t>
+                      </a:r>
+                      <a:endParaRPr lang="zh-CN" altLang="en-US" sz="1400" dirty="0">
+                        <a:solidFill>
+                          <a:srgbClr val="FF0000"/>
+                        </a:solidFill>
+                      </a:endParaRPr>
+                    </a:p>
+                  </a:txBody>
+                  <a:tcPr>
+                    <a:solidFill>
+                      <a:schemeClr val="accent2">
+                        <a:lumMod val="40000"/>
+                        <a:lumOff val="60000"/>
+                      </a:schemeClr>
+                    </a:solidFill>
+                  </a:tcPr>
+                </a:tc>
+                <a:tc>
+                  <a:txBody>
+                    <a:bodyPr/>
+                    <a:lstStyle/>
+                    <a:p>
+                      <a:pPr algn="ctr"/>
+                      <a:r>
+                        <a:rPr lang="en-US" altLang="zh-CN" sz="1400" dirty="0">
+                          <a:solidFill>
+                            <a:srgbClr val="0000FF"/>
+                          </a:solidFill>
+                        </a:rPr>
+                        <a:t>0.75</a:t>
+                      </a:r>
+                      <a:endParaRPr lang="zh-CN" altLang="en-US" sz="1400" dirty="0">
+                        <a:solidFill>
+                          <a:srgbClr val="0000FF"/>
+                        </a:solidFill>
+                      </a:endParaRPr>
+                    </a:p>
+                  </a:txBody>
+                  <a:tcPr>
+                    <a:solidFill>
+                      <a:schemeClr val="accent2">
+                        <a:lumMod val="40000"/>
+                        <a:lumOff val="60000"/>
+                      </a:schemeClr>
+                    </a:solidFill>
+                  </a:tcPr>
+                </a:tc>
+                <a:extLst>
+                  <a:ext uri="{0D108BD9-81ED-4DB2-BD59-A6C34878D82A}">
+                    <a16:rowId xmlns:a16="http://schemas.microsoft.com/office/drawing/2014/main" val="967782962"/>
+                  </a:ext>
+                </a:extLst>
+              </a:tr>
+              <a:tr h="370840">
+                <a:tc>
+                  <a:txBody>
+                    <a:bodyPr/>
+                    <a:lstStyle/>
+                    <a:p>
+                      <a:pPr algn="ctr"/>
+                      <a:r>
+                        <a:rPr lang="en-US" altLang="zh-CN" sz="1400" dirty="0">
+                          <a:solidFill>
+                            <a:srgbClr val="FF0000"/>
+                          </a:solidFill>
+                        </a:rPr>
+                        <a:t>11.14</a:t>
+                      </a:r>
+                      <a:endParaRPr lang="zh-CN" altLang="en-US" sz="1400" dirty="0">
+                        <a:solidFill>
+                          <a:srgbClr val="FF0000"/>
+                        </a:solidFill>
+                      </a:endParaRPr>
+                    </a:p>
+                  </a:txBody>
+                  <a:tcPr>
+                    <a:solidFill>
+                      <a:schemeClr val="accent2">
+                        <a:lumMod val="40000"/>
+                        <a:lumOff val="60000"/>
+                      </a:schemeClr>
+                    </a:solidFill>
+                  </a:tcPr>
+                </a:tc>
+                <a:tc>
+                  <a:txBody>
+                    <a:bodyPr/>
+                    <a:lstStyle/>
+                    <a:p>
+                      <a:pPr algn="ctr"/>
+                      <a:r>
+                        <a:rPr lang="en-US" altLang="zh-CN" sz="1400" dirty="0">
+                          <a:solidFill>
+                            <a:srgbClr val="FF0000"/>
+                          </a:solidFill>
+                        </a:rPr>
+                        <a:t>1.64</a:t>
+                      </a:r>
+                      <a:endParaRPr lang="zh-CN" altLang="en-US" sz="1400" dirty="0">
+                        <a:solidFill>
+                          <a:srgbClr val="FF0000"/>
+                        </a:solidFill>
+                      </a:endParaRPr>
+                    </a:p>
+                  </a:txBody>
+                  <a:tcPr>
+                    <a:solidFill>
+                      <a:schemeClr val="accent2">
+                        <a:lumMod val="40000"/>
+                        <a:lumOff val="60000"/>
+                      </a:schemeClr>
+                    </a:solidFill>
+                  </a:tcPr>
+                </a:tc>
+                <a:tc>
+                  <a:txBody>
+                    <a:bodyPr/>
+                    <a:lstStyle/>
+                    <a:p>
+                      <a:pPr algn="ctr"/>
+                      <a:r>
+                        <a:rPr lang="en-US" altLang="zh-CN" sz="1400" dirty="0">
+                          <a:solidFill>
+                            <a:srgbClr val="FF0000"/>
+                          </a:solidFill>
+                        </a:rPr>
+                        <a:t>1</a:t>
+                      </a:r>
+                      <a:endParaRPr lang="zh-CN" altLang="en-US" sz="1400" dirty="0">
+                        <a:solidFill>
+                          <a:srgbClr val="FF0000"/>
+                        </a:solidFill>
+                      </a:endParaRPr>
+                    </a:p>
+                  </a:txBody>
+                  <a:tcPr>
+                    <a:solidFill>
+                      <a:schemeClr val="accent2">
+                        <a:lumMod val="40000"/>
+                        <a:lumOff val="60000"/>
+                      </a:schemeClr>
+                    </a:solidFill>
+                  </a:tcPr>
+                </a:tc>
+                <a:tc>
+                  <a:txBody>
+                    <a:bodyPr/>
+                    <a:lstStyle/>
+                    <a:p>
+                      <a:pPr algn="ctr"/>
+                      <a:r>
+                        <a:rPr lang="en-US" altLang="zh-CN" sz="1400" dirty="0">
+                          <a:solidFill>
+                            <a:srgbClr val="0000FF"/>
+                          </a:solidFill>
+                        </a:rPr>
+                        <a:t>1.64</a:t>
+                      </a:r>
+                      <a:endParaRPr lang="zh-CN" altLang="en-US" sz="1400" dirty="0">
+                        <a:solidFill>
+                          <a:srgbClr val="0000FF"/>
+                        </a:solidFill>
+                      </a:endParaRPr>
+                    </a:p>
+                  </a:txBody>
+                  <a:tcPr>
+                    <a:solidFill>
+                      <a:schemeClr val="accent2">
+                        <a:lumMod val="40000"/>
+                        <a:lumOff val="60000"/>
+                      </a:schemeClr>
+                    </a:solidFill>
+                  </a:tcPr>
+                </a:tc>
+                <a:tc>
+                  <a:txBody>
+                    <a:bodyPr/>
+                    <a:lstStyle/>
+                    <a:p>
+                      <a:pPr algn="ctr"/>
+                      <a:r>
+                        <a:rPr lang="en-US" altLang="zh-CN" sz="1400" dirty="0">
+                          <a:solidFill>
+                            <a:srgbClr val="FF0000"/>
+                          </a:solidFill>
+                        </a:rPr>
+                        <a:t>41.14</a:t>
+                      </a:r>
+                      <a:endParaRPr lang="zh-CN" altLang="en-US" sz="1400" dirty="0">
+                        <a:solidFill>
+                          <a:srgbClr val="FF0000"/>
+                        </a:solidFill>
+                      </a:endParaRPr>
+                    </a:p>
+                  </a:txBody>
+                  <a:tcPr>
+                    <a:solidFill>
+                      <a:schemeClr val="accent2">
+                        <a:lumMod val="40000"/>
+                        <a:lumOff val="60000"/>
+                      </a:schemeClr>
+                    </a:solidFill>
+                  </a:tcPr>
+                </a:tc>
+                <a:tc>
+                  <a:txBody>
+                    <a:bodyPr/>
+                    <a:lstStyle/>
+                    <a:p>
+                      <a:pPr algn="ctr"/>
+                      <a:r>
+                        <a:rPr lang="en-US" altLang="zh-CN" sz="1400" dirty="0">
+                          <a:solidFill>
+                            <a:srgbClr val="FF0000"/>
+                          </a:solidFill>
+                        </a:rPr>
+                        <a:t>39.5</a:t>
+                      </a:r>
+                      <a:endParaRPr lang="zh-CN" altLang="en-US" sz="1400" dirty="0">
+                        <a:solidFill>
+                          <a:srgbClr val="FF0000"/>
+                        </a:solidFill>
+                      </a:endParaRPr>
+                    </a:p>
+                  </a:txBody>
+                  <a:tcPr>
+                    <a:solidFill>
+                      <a:schemeClr val="accent2">
+                        <a:lumMod val="40000"/>
+                        <a:lumOff val="60000"/>
+                      </a:schemeClr>
+                    </a:solidFill>
+                  </a:tcPr>
+                </a:tc>
+                <a:tc>
+                  <a:txBody>
+                    <a:bodyPr/>
+                    <a:lstStyle/>
+                    <a:p>
+                      <a:pPr algn="ctr"/>
+                      <a:r>
+                        <a:rPr lang="en-US" altLang="zh-CN" sz="1400" dirty="0">
+                          <a:solidFill>
+                            <a:srgbClr val="0000FF"/>
+                          </a:solidFill>
+                        </a:rPr>
+                        <a:t>1.64</a:t>
+                      </a:r>
+                      <a:endParaRPr lang="zh-CN" altLang="en-US" sz="1400" dirty="0">
+                        <a:solidFill>
+                          <a:srgbClr val="0000FF"/>
+                        </a:solidFill>
+                      </a:endParaRPr>
+                    </a:p>
+                  </a:txBody>
+                  <a:tcPr>
+                    <a:solidFill>
+                      <a:schemeClr val="accent2">
+                        <a:lumMod val="40000"/>
+                        <a:lumOff val="60000"/>
+                      </a:schemeClr>
+                    </a:solidFill>
+                  </a:tcPr>
+                </a:tc>
+                <a:extLst>
+                  <a:ext uri="{0D108BD9-81ED-4DB2-BD59-A6C34878D82A}">
+                    <a16:rowId xmlns:a16="http://schemas.microsoft.com/office/drawing/2014/main" val="1217371052"/>
+                  </a:ext>
+                </a:extLst>
+              </a:tr>
+            </a:tbl>
+          </a:graphicData>
+        </a:graphic>
+      </p:graphicFrame>
+      <p:graphicFrame>
+        <p:nvGraphicFramePr>
+          <p:cNvPr id="6" name="表格 5">
+            <a:extLst>
+              <a:ext uri="{FF2B5EF4-FFF2-40B4-BE49-F238E27FC236}">
+                <a16:creationId xmlns:a16="http://schemas.microsoft.com/office/drawing/2014/main" id="{2596E1D4-6C0F-44C1-8140-8A758A42DE4C}"/>
+              </a:ext>
+            </a:extLst>
+          </p:cNvPr>
+          <p:cNvGraphicFramePr>
+            <a:graphicFrameLocks noGrp="1"/>
+          </p:cNvGraphicFramePr>
+          <p:nvPr>
+            <p:extLst>
+              <p:ext uri="{D42A27DB-BD31-4B8C-83A1-F6EECF244321}">
+                <p14:modId xmlns:p14="http://schemas.microsoft.com/office/powerpoint/2010/main" val="2358050839"/>
+              </p:ext>
+            </p:extLst>
+          </p:nvPr>
+        </p:nvGraphicFramePr>
+        <p:xfrm>
+          <a:off x="2890350" y="1144146"/>
+          <a:ext cx="6359639" cy="1259840"/>
+        </p:xfrm>
+        <a:graphic>
+          <a:graphicData uri="http://schemas.openxmlformats.org/drawingml/2006/table">
+            <a:tbl>
+              <a:tblPr firstRow="1" bandRow="1">
+                <a:tableStyleId>{D113A9D2-9D6B-4929-AA2D-F23B5EE8CBE7}</a:tableStyleId>
+              </a:tblPr>
+              <a:tblGrid>
+                <a:gridCol w="782053">
+                  <a:extLst>
+                    <a:ext uri="{9D8B030D-6E8A-4147-A177-3AD203B41FA5}">
+                      <a16:colId xmlns:a16="http://schemas.microsoft.com/office/drawing/2014/main" val="2266746264"/>
+                    </a:ext>
+                  </a:extLst>
+                </a:gridCol>
+                <a:gridCol w="1094873">
+                  <a:extLst>
+                    <a:ext uri="{9D8B030D-6E8A-4147-A177-3AD203B41FA5}">
+                      <a16:colId xmlns:a16="http://schemas.microsoft.com/office/drawing/2014/main" val="1425588328"/>
+                    </a:ext>
+                  </a:extLst>
+                </a:gridCol>
+                <a:gridCol w="1093789">
+                  <a:extLst>
+                    <a:ext uri="{9D8B030D-6E8A-4147-A177-3AD203B41FA5}">
+                      <a16:colId xmlns:a16="http://schemas.microsoft.com/office/drawing/2014/main" val="1140824755"/>
+                    </a:ext>
+                  </a:extLst>
+                </a:gridCol>
+                <a:gridCol w="801805">
+                  <a:extLst>
+                    <a:ext uri="{9D8B030D-6E8A-4147-A177-3AD203B41FA5}">
+                      <a16:colId xmlns:a16="http://schemas.microsoft.com/office/drawing/2014/main" val="3298689335"/>
+                    </a:ext>
+                  </a:extLst>
+                </a:gridCol>
+                <a:gridCol w="862373">
+                  <a:extLst>
+                    <a:ext uri="{9D8B030D-6E8A-4147-A177-3AD203B41FA5}">
+                      <a16:colId xmlns:a16="http://schemas.microsoft.com/office/drawing/2014/main" val="562246316"/>
+                    </a:ext>
+                  </a:extLst>
+                </a:gridCol>
+                <a:gridCol w="862373">
+                  <a:extLst>
+                    <a:ext uri="{9D8B030D-6E8A-4147-A177-3AD203B41FA5}">
+                      <a16:colId xmlns:a16="http://schemas.microsoft.com/office/drawing/2014/main" val="2352897261"/>
+                    </a:ext>
+                  </a:extLst>
+                </a:gridCol>
+                <a:gridCol w="862373">
+                  <a:extLst>
+                    <a:ext uri="{9D8B030D-6E8A-4147-A177-3AD203B41FA5}">
+                      <a16:colId xmlns:a16="http://schemas.microsoft.com/office/drawing/2014/main" val="794892002"/>
+                    </a:ext>
+                  </a:extLst>
+                </a:gridCol>
+              </a:tblGrid>
+              <a:tr h="370840">
+                <a:tc>
+                  <a:txBody>
+                    <a:bodyPr/>
+                    <a:lstStyle/>
+                    <a:p>
+                      <a:pPr algn="ctr"/>
+                      <a:r>
+                        <a:rPr lang="en-US" altLang="zh-CN" sz="1400" dirty="0"/>
+                        <a:t>Setup</a:t>
+                      </a:r>
+                      <a:r>
+                        <a:rPr lang="zh-CN" altLang="en-US" sz="1400" dirty="0"/>
+                        <a:t> </a:t>
+                      </a:r>
+                      <a:r>
+                        <a:rPr lang="en-US" altLang="zh-CN" sz="1400" dirty="0"/>
+                        <a:t>cost</a:t>
+                      </a:r>
+                      <a:endParaRPr lang="zh-CN" altLang="en-US" sz="1400" dirty="0"/>
+                    </a:p>
+                  </a:txBody>
+                  <a:tcPr>
+                    <a:solidFill>
+                      <a:schemeClr val="accent1">
+                        <a:lumMod val="60000"/>
+                        <a:lumOff val="40000"/>
+                      </a:schemeClr>
+                    </a:solidFill>
+                  </a:tcPr>
+                </a:tc>
+                <a:tc>
+                  <a:txBody>
+                    <a:bodyPr/>
+                    <a:lstStyle/>
+                    <a:p>
+                      <a:pPr algn="ctr"/>
+                      <a:r>
+                        <a:rPr lang="en-US" altLang="zh-CN" sz="1400" dirty="0"/>
+                        <a:t>Increment</a:t>
+                      </a:r>
+                      <a:endParaRPr lang="zh-CN" altLang="en-US" sz="1400" dirty="0"/>
+                    </a:p>
+                  </a:txBody>
+                  <a:tcPr>
+                    <a:solidFill>
+                      <a:schemeClr val="accent1">
+                        <a:lumMod val="60000"/>
+                        <a:lumOff val="40000"/>
+                      </a:schemeClr>
+                    </a:solidFill>
+                  </a:tcPr>
+                </a:tc>
+                <a:tc>
+                  <a:txBody>
+                    <a:bodyPr/>
+                    <a:lstStyle/>
+                    <a:p>
+                      <a:pPr algn="ctr"/>
+                      <a:r>
+                        <a:rPr lang="en-US" altLang="zh-CN" sz="1400" dirty="0"/>
+                        <a:t>Num of Machines</a:t>
+                      </a:r>
+                      <a:endParaRPr lang="zh-CN" altLang="en-US" sz="1400" dirty="0"/>
+                    </a:p>
+                  </a:txBody>
+                  <a:tcPr>
+                    <a:solidFill>
+                      <a:schemeClr val="accent1">
+                        <a:lumMod val="60000"/>
+                        <a:lumOff val="40000"/>
+                      </a:schemeClr>
+                    </a:solidFill>
+                  </a:tcPr>
+                </a:tc>
+                <a:tc>
+                  <a:txBody>
+                    <a:bodyPr/>
+                    <a:lstStyle/>
+                    <a:p>
+                      <a:pPr algn="ctr"/>
+                      <a:r>
+                        <a:rPr lang="en-US" altLang="zh-CN" sz="1400" dirty="0"/>
+                        <a:t>Total</a:t>
+                      </a:r>
+                      <a:r>
+                        <a:rPr lang="zh-CN" altLang="en-US" sz="1400" dirty="0"/>
+                        <a:t> </a:t>
+                      </a:r>
+                      <a:r>
+                        <a:rPr lang="en-US" altLang="zh-CN" sz="1400" dirty="0"/>
+                        <a:t>pricing</a:t>
+                      </a:r>
+                      <a:endParaRPr lang="zh-CN" altLang="en-US" sz="1400" dirty="0"/>
+                    </a:p>
+                  </a:txBody>
+                  <a:tcPr>
+                    <a:solidFill>
+                      <a:schemeClr val="accent1">
+                        <a:lumMod val="60000"/>
+                        <a:lumOff val="40000"/>
+                      </a:schemeClr>
+                    </a:solidFill>
+                  </a:tcPr>
+                </a:tc>
+                <a:tc>
+                  <a:txBody>
+                    <a:bodyPr/>
+                    <a:lstStyle/>
+                    <a:p>
+                      <a:pPr algn="ctr"/>
+                      <a:r>
+                        <a:rPr lang="en-US" altLang="zh-CN" sz="1400" dirty="0"/>
+                        <a:t>c(V)</a:t>
+                      </a:r>
+                      <a:endParaRPr lang="zh-CN" altLang="en-US" sz="1400" dirty="0"/>
+                    </a:p>
+                  </a:txBody>
+                  <a:tcPr>
+                    <a:solidFill>
+                      <a:schemeClr val="accent1">
+                        <a:lumMod val="60000"/>
+                        <a:lumOff val="40000"/>
+                      </a:schemeClr>
+                    </a:solidFill>
+                  </a:tcPr>
+                </a:tc>
+                <a:tc>
+                  <a:txBody>
+                    <a:bodyPr/>
+                    <a:lstStyle/>
+                    <a:p>
+                      <a:pPr algn="ctr"/>
+                      <a:r>
+                        <a:rPr lang="el-GR" altLang="zh-CN" sz="1400" dirty="0"/>
+                        <a:t>α</a:t>
+                      </a:r>
+                      <a:r>
+                        <a:rPr lang="en-US" altLang="zh-CN" sz="1400" dirty="0"/>
+                        <a:t>(V)</a:t>
+                      </a:r>
+                      <a:endParaRPr lang="zh-CN" altLang="en-US" sz="1400" dirty="0"/>
+                    </a:p>
+                  </a:txBody>
+                  <a:tcPr>
+                    <a:solidFill>
+                      <a:schemeClr val="accent1">
+                        <a:lumMod val="60000"/>
+                        <a:lumOff val="40000"/>
+                      </a:schemeClr>
+                    </a:solidFill>
+                  </a:tcPr>
+                </a:tc>
+                <a:tc>
+                  <a:txBody>
+                    <a:bodyPr/>
+                    <a:lstStyle/>
+                    <a:p>
+                      <a:pPr algn="ctr"/>
+                      <a:r>
+                        <a:rPr lang="en-US" altLang="zh-CN" sz="1400" dirty="0"/>
+                        <a:t>Subsidy</a:t>
+                      </a:r>
+                      <a:endParaRPr lang="zh-CN" altLang="en-US" sz="1400" dirty="0"/>
+                    </a:p>
+                  </a:txBody>
+                  <a:tcPr>
+                    <a:solidFill>
+                      <a:schemeClr val="accent1">
+                        <a:lumMod val="60000"/>
+                        <a:lumOff val="40000"/>
+                      </a:schemeClr>
+                    </a:solidFill>
+                  </a:tcPr>
+                </a:tc>
+                <a:extLst>
+                  <a:ext uri="{0D108BD9-81ED-4DB2-BD59-A6C34878D82A}">
+                    <a16:rowId xmlns:a16="http://schemas.microsoft.com/office/drawing/2014/main" val="2899555409"/>
+                  </a:ext>
+                </a:extLst>
+              </a:tr>
+              <a:tr h="370840">
+                <a:tc>
+                  <a:txBody>
+                    <a:bodyPr/>
+                    <a:lstStyle/>
+                    <a:p>
+                      <a:pPr algn="ctr"/>
+                      <a:r>
+                        <a:rPr lang="en-US" altLang="zh-CN" sz="1400" dirty="0">
+                          <a:solidFill>
+                            <a:srgbClr val="FF0000"/>
+                          </a:solidFill>
+                        </a:rPr>
+                        <a:t>9.5</a:t>
+                      </a:r>
+                      <a:endParaRPr lang="zh-CN" altLang="en-US" sz="1400" dirty="0">
+                        <a:solidFill>
+                          <a:srgbClr val="FF0000"/>
+                        </a:solidFill>
+                      </a:endParaRPr>
+                    </a:p>
+                  </a:txBody>
+                  <a:tcPr>
+                    <a:solidFill>
+                      <a:schemeClr val="accent2">
+                        <a:lumMod val="40000"/>
+                        <a:lumOff val="60000"/>
+                      </a:schemeClr>
+                    </a:solidFill>
+                  </a:tcPr>
+                </a:tc>
+                <a:tc>
+                  <a:txBody>
+                    <a:bodyPr/>
+                    <a:lstStyle/>
+                    <a:p>
+                      <a:pPr algn="ctr"/>
+                      <a:r>
+                        <a:rPr lang="en-US" altLang="zh-CN" sz="1400" dirty="0">
+                          <a:solidFill>
+                            <a:srgbClr val="FF0000"/>
+                          </a:solidFill>
+                        </a:rPr>
+                        <a:t>0</a:t>
+                      </a:r>
+                      <a:endParaRPr lang="zh-CN" altLang="en-US" sz="1400" dirty="0">
+                        <a:solidFill>
+                          <a:srgbClr val="FF0000"/>
+                        </a:solidFill>
+                      </a:endParaRPr>
+                    </a:p>
+                  </a:txBody>
+                  <a:tcPr>
+                    <a:solidFill>
+                      <a:schemeClr val="accent2">
+                        <a:lumMod val="40000"/>
+                        <a:lumOff val="60000"/>
+                      </a:schemeClr>
+                    </a:solidFill>
+                  </a:tcPr>
+                </a:tc>
+                <a:tc>
+                  <a:txBody>
+                    <a:bodyPr/>
+                    <a:lstStyle/>
+                    <a:p>
+                      <a:pPr algn="ctr"/>
+                      <a:r>
+                        <a:rPr lang="en-US" altLang="zh-CN" sz="1400" dirty="0">
+                          <a:solidFill>
+                            <a:srgbClr val="FF0000"/>
+                          </a:solidFill>
+                        </a:rPr>
+                        <a:t>2</a:t>
+                      </a:r>
+                      <a:endParaRPr lang="zh-CN" altLang="en-US" sz="1400" dirty="0">
+                        <a:solidFill>
+                          <a:srgbClr val="FF0000"/>
+                        </a:solidFill>
+                      </a:endParaRPr>
+                    </a:p>
+                  </a:txBody>
+                  <a:tcPr>
+                    <a:solidFill>
+                      <a:schemeClr val="accent2">
+                        <a:lumMod val="40000"/>
+                        <a:lumOff val="60000"/>
+                      </a:schemeClr>
+                    </a:solidFill>
+                  </a:tcPr>
+                </a:tc>
+                <a:tc>
+                  <a:txBody>
+                    <a:bodyPr/>
+                    <a:lstStyle/>
+                    <a:p>
+                      <a:pPr algn="ctr"/>
+                      <a:r>
+                        <a:rPr lang="en-US" altLang="zh-CN" sz="1400" dirty="0">
+                          <a:solidFill>
+                            <a:srgbClr val="0000FF"/>
+                          </a:solidFill>
+                        </a:rPr>
+                        <a:t>0</a:t>
+                      </a:r>
+                      <a:endParaRPr lang="zh-CN" altLang="en-US" sz="1400" dirty="0">
+                        <a:solidFill>
+                          <a:srgbClr val="0000FF"/>
+                        </a:solidFill>
+                      </a:endParaRPr>
+                    </a:p>
+                  </a:txBody>
+                  <a:tcPr>
+                    <a:solidFill>
+                      <a:schemeClr val="accent2">
+                        <a:lumMod val="40000"/>
+                        <a:lumOff val="60000"/>
+                      </a:schemeClr>
+                    </a:solidFill>
+                  </a:tcPr>
+                </a:tc>
+                <a:tc>
+                  <a:txBody>
+                    <a:bodyPr/>
+                    <a:lstStyle/>
+                    <a:p>
+                      <a:pPr algn="ctr"/>
+                      <a:r>
+                        <a:rPr lang="en-US" altLang="zh-CN" sz="1400" dirty="0">
+                          <a:solidFill>
+                            <a:srgbClr val="FF0000"/>
+                          </a:solidFill>
+                        </a:rPr>
+                        <a:t>38</a:t>
+                      </a:r>
+                      <a:endParaRPr lang="zh-CN" altLang="en-US" sz="1400" dirty="0">
+                        <a:solidFill>
+                          <a:srgbClr val="FF0000"/>
+                        </a:solidFill>
+                      </a:endParaRPr>
+                    </a:p>
+                  </a:txBody>
+                  <a:tcPr>
+                    <a:solidFill>
+                      <a:schemeClr val="accent2">
+                        <a:lumMod val="40000"/>
+                        <a:lumOff val="60000"/>
+                      </a:schemeClr>
+                    </a:solidFill>
+                  </a:tcPr>
+                </a:tc>
+                <a:tc>
+                  <a:txBody>
+                    <a:bodyPr/>
+                    <a:lstStyle/>
+                    <a:p>
+                      <a:pPr algn="ctr"/>
+                      <a:r>
+                        <a:rPr lang="en-US" altLang="zh-CN" sz="1400" dirty="0">
+                          <a:solidFill>
+                            <a:srgbClr val="FF0000"/>
+                          </a:solidFill>
+                        </a:rPr>
+                        <a:t>37.25</a:t>
+                      </a:r>
+                      <a:endParaRPr lang="zh-CN" altLang="en-US" sz="1400" dirty="0">
+                        <a:solidFill>
+                          <a:srgbClr val="FF0000"/>
+                        </a:solidFill>
+                      </a:endParaRPr>
+                    </a:p>
+                  </a:txBody>
+                  <a:tcPr>
+                    <a:solidFill>
+                      <a:schemeClr val="accent2">
+                        <a:lumMod val="40000"/>
+                        <a:lumOff val="60000"/>
+                      </a:schemeClr>
+                    </a:solidFill>
+                  </a:tcPr>
+                </a:tc>
+                <a:tc>
+                  <a:txBody>
+                    <a:bodyPr/>
+                    <a:lstStyle/>
+                    <a:p>
+                      <a:pPr algn="ctr"/>
+                      <a:r>
+                        <a:rPr lang="en-US" altLang="zh-CN" sz="1400" dirty="0">
+                          <a:solidFill>
+                            <a:srgbClr val="0000FF"/>
+                          </a:solidFill>
+                        </a:rPr>
+                        <a:t>0.75</a:t>
+                      </a:r>
+                      <a:endParaRPr lang="zh-CN" altLang="en-US" sz="1400" dirty="0">
+                        <a:solidFill>
+                          <a:srgbClr val="0000FF"/>
+                        </a:solidFill>
+                      </a:endParaRPr>
+                    </a:p>
+                  </a:txBody>
+                  <a:tcPr>
+                    <a:solidFill>
+                      <a:schemeClr val="accent2">
+                        <a:lumMod val="40000"/>
+                        <a:lumOff val="60000"/>
+                      </a:schemeClr>
+                    </a:solidFill>
+                  </a:tcPr>
+                </a:tc>
+                <a:extLst>
+                  <a:ext uri="{0D108BD9-81ED-4DB2-BD59-A6C34878D82A}">
+                    <a16:rowId xmlns:a16="http://schemas.microsoft.com/office/drawing/2014/main" val="967782962"/>
+                  </a:ext>
+                </a:extLst>
+              </a:tr>
+              <a:tr h="370840">
+                <a:tc>
+                  <a:txBody>
+                    <a:bodyPr/>
+                    <a:lstStyle/>
+                    <a:p>
+                      <a:pPr algn="ctr"/>
+                      <a:r>
+                        <a:rPr lang="en-US" altLang="zh-CN" sz="1400" dirty="0">
+                          <a:solidFill>
+                            <a:srgbClr val="FF0000"/>
+                          </a:solidFill>
+                        </a:rPr>
+                        <a:t>10</a:t>
+                      </a:r>
+                      <a:endParaRPr lang="zh-CN" altLang="en-US" sz="1400" dirty="0">
+                        <a:solidFill>
+                          <a:srgbClr val="FF0000"/>
+                        </a:solidFill>
+                      </a:endParaRPr>
+                    </a:p>
+                  </a:txBody>
+                  <a:tcPr>
+                    <a:solidFill>
+                      <a:schemeClr val="accent2">
+                        <a:lumMod val="40000"/>
+                        <a:lumOff val="60000"/>
+                      </a:schemeClr>
+                    </a:solidFill>
+                  </a:tcPr>
+                </a:tc>
+                <a:tc>
+                  <a:txBody>
+                    <a:bodyPr/>
+                    <a:lstStyle/>
+                    <a:p>
+                      <a:pPr algn="ctr"/>
+                      <a:r>
+                        <a:rPr lang="en-US" altLang="zh-CN" sz="1400" dirty="0">
+                          <a:solidFill>
+                            <a:srgbClr val="FF0000"/>
+                          </a:solidFill>
+                        </a:rPr>
+                        <a:t>0.5</a:t>
+                      </a:r>
+                      <a:endParaRPr lang="zh-CN" altLang="en-US" sz="1400" dirty="0">
+                        <a:solidFill>
+                          <a:srgbClr val="FF0000"/>
+                        </a:solidFill>
+                      </a:endParaRPr>
+                    </a:p>
+                  </a:txBody>
+                  <a:tcPr>
+                    <a:solidFill>
+                      <a:schemeClr val="accent2">
+                        <a:lumMod val="40000"/>
+                        <a:lumOff val="60000"/>
+                      </a:schemeClr>
+                    </a:solidFill>
+                  </a:tcPr>
+                </a:tc>
+                <a:tc>
+                  <a:txBody>
+                    <a:bodyPr/>
+                    <a:lstStyle/>
+                    <a:p>
+                      <a:pPr algn="ctr"/>
+                      <a:r>
+                        <a:rPr lang="en-US" altLang="zh-CN" sz="1400" dirty="0">
+                          <a:solidFill>
+                            <a:srgbClr val="FF0000"/>
+                          </a:solidFill>
+                        </a:rPr>
+                        <a:t>2</a:t>
+                      </a:r>
+                      <a:endParaRPr lang="zh-CN" altLang="en-US" sz="1400" dirty="0">
+                        <a:solidFill>
+                          <a:srgbClr val="FF0000"/>
+                        </a:solidFill>
+                      </a:endParaRPr>
+                    </a:p>
+                  </a:txBody>
+                  <a:tcPr>
+                    <a:solidFill>
+                      <a:schemeClr val="accent2">
+                        <a:lumMod val="40000"/>
+                        <a:lumOff val="60000"/>
+                      </a:schemeClr>
+                    </a:solidFill>
+                  </a:tcPr>
+                </a:tc>
+                <a:tc>
+                  <a:txBody>
+                    <a:bodyPr/>
+                    <a:lstStyle/>
+                    <a:p>
+                      <a:pPr algn="ctr"/>
+                      <a:r>
+                        <a:rPr lang="en-US" altLang="zh-CN" sz="1400" dirty="0">
+                          <a:solidFill>
+                            <a:srgbClr val="0000FF"/>
+                          </a:solidFill>
+                        </a:rPr>
+                        <a:t>1</a:t>
+                      </a:r>
+                      <a:endParaRPr lang="zh-CN" altLang="en-US" sz="1400" dirty="0">
+                        <a:solidFill>
+                          <a:srgbClr val="0000FF"/>
+                        </a:solidFill>
+                      </a:endParaRPr>
+                    </a:p>
+                  </a:txBody>
+                  <a:tcPr>
+                    <a:solidFill>
+                      <a:schemeClr val="accent2">
+                        <a:lumMod val="40000"/>
+                        <a:lumOff val="60000"/>
+                      </a:schemeClr>
+                    </a:solidFill>
+                  </a:tcPr>
+                </a:tc>
+                <a:tc>
+                  <a:txBody>
+                    <a:bodyPr/>
+                    <a:lstStyle/>
+                    <a:p>
+                      <a:pPr algn="ctr"/>
+                      <a:r>
+                        <a:rPr lang="en-US" altLang="zh-CN" sz="1400" dirty="0">
+                          <a:solidFill>
+                            <a:srgbClr val="FF0000"/>
+                          </a:solidFill>
+                        </a:rPr>
+                        <a:t>39</a:t>
+                      </a:r>
+                      <a:endParaRPr lang="zh-CN" altLang="en-US" sz="1400" dirty="0">
+                        <a:solidFill>
+                          <a:srgbClr val="FF0000"/>
+                        </a:solidFill>
+                      </a:endParaRPr>
+                    </a:p>
+                  </a:txBody>
+                  <a:tcPr>
+                    <a:solidFill>
+                      <a:schemeClr val="accent2">
+                        <a:lumMod val="40000"/>
+                        <a:lumOff val="60000"/>
+                      </a:schemeClr>
+                    </a:solidFill>
+                  </a:tcPr>
+                </a:tc>
+                <a:tc>
+                  <a:txBody>
+                    <a:bodyPr/>
+                    <a:lstStyle/>
+                    <a:p>
+                      <a:pPr algn="ctr"/>
+                      <a:r>
+                        <a:rPr lang="en-US" altLang="zh-CN" sz="1400" dirty="0">
+                          <a:solidFill>
+                            <a:srgbClr val="FF0000"/>
+                          </a:solidFill>
+                        </a:rPr>
+                        <a:t>38</a:t>
+                      </a:r>
+                      <a:endParaRPr lang="zh-CN" altLang="en-US" sz="1400" dirty="0">
+                        <a:solidFill>
+                          <a:srgbClr val="FF0000"/>
+                        </a:solidFill>
+                      </a:endParaRPr>
+                    </a:p>
+                  </a:txBody>
+                  <a:tcPr>
+                    <a:solidFill>
+                      <a:schemeClr val="accent2">
+                        <a:lumMod val="40000"/>
+                        <a:lumOff val="60000"/>
+                      </a:schemeClr>
+                    </a:solidFill>
+                  </a:tcPr>
+                </a:tc>
+                <a:tc>
+                  <a:txBody>
+                    <a:bodyPr/>
+                    <a:lstStyle/>
+                    <a:p>
+                      <a:pPr algn="ctr"/>
+                      <a:r>
+                        <a:rPr lang="en-US" altLang="zh-CN" sz="1400" dirty="0">
+                          <a:solidFill>
+                            <a:srgbClr val="0000FF"/>
+                          </a:solidFill>
+                        </a:rPr>
+                        <a:t>1</a:t>
+                      </a:r>
+                      <a:endParaRPr lang="zh-CN" altLang="en-US" sz="1400" dirty="0">
+                        <a:solidFill>
+                          <a:srgbClr val="0000FF"/>
+                        </a:solidFill>
+                      </a:endParaRPr>
+                    </a:p>
+                  </a:txBody>
+                  <a:tcPr>
+                    <a:solidFill>
+                      <a:schemeClr val="accent2">
+                        <a:lumMod val="40000"/>
+                        <a:lumOff val="60000"/>
+                      </a:schemeClr>
+                    </a:solidFill>
+                  </a:tcPr>
+                </a:tc>
+                <a:extLst>
+                  <a:ext uri="{0D108BD9-81ED-4DB2-BD59-A6C34878D82A}">
+                    <a16:rowId xmlns:a16="http://schemas.microsoft.com/office/drawing/2014/main" val="1376015757"/>
+                  </a:ext>
+                </a:extLst>
+              </a:tr>
+            </a:tbl>
+          </a:graphicData>
+        </a:graphic>
+      </p:graphicFrame>
+    </p:spTree>
+    <p:extLst>
+      <p:ext uri="{BB962C8B-B14F-4D97-AF65-F5344CB8AC3E}">
+        <p14:creationId xmlns:p14="http://schemas.microsoft.com/office/powerpoint/2010/main" val="3118837640"/>
       </p:ext>
     </p:extLst>
   </p:cSld>

--- a/Scheduling_game/Figures/graph.pptx
+++ b/Scheduling_game/Figures/graph.pptx
@@ -6717,7 +6717,7 @@
           <a:graphicData uri="http://schemas.openxmlformats.org/presentationml/2006/ole">
             <mc:AlternateContent xmlns:mc="http://schemas.openxmlformats.org/markup-compatibility/2006">
               <mc:Choice xmlns:v="urn:schemas-microsoft-com:vml" Requires="v">
-                <p:oleObj spid="_x0000_s1071" name="Formula" r:id="rId3" imgW="118440" imgH="120960" progId="Equation.Ribbit">
+                <p:oleObj spid="_x0000_s1086" name="Formula" r:id="rId3" imgW="118440" imgH="120960" progId="Equation.Ribbit">
                   <p:embed/>
                 </p:oleObj>
               </mc:Choice>
@@ -6780,7 +6780,7 @@
           <a:graphicData uri="http://schemas.openxmlformats.org/presentationml/2006/ole">
             <mc:AlternateContent xmlns:mc="http://schemas.openxmlformats.org/markup-compatibility/2006">
               <mc:Choice xmlns:v="urn:schemas-microsoft-com:vml" Requires="v">
-                <p:oleObj spid="_x0000_s1072" name="Formula" r:id="rId5" imgW="122040" imgH="120960" progId="Equation.Ribbit">
+                <p:oleObj spid="_x0000_s1087" name="Formula" r:id="rId5" imgW="122040" imgH="120960" progId="Equation.Ribbit">
                   <p:embed/>
                 </p:oleObj>
               </mc:Choice>
@@ -6929,7 +6929,7 @@
           <a:graphicData uri="http://schemas.openxmlformats.org/presentationml/2006/ole">
             <mc:AlternateContent xmlns:mc="http://schemas.openxmlformats.org/markup-compatibility/2006">
               <mc:Choice xmlns:v="urn:schemas-microsoft-com:vml" Requires="v">
-                <p:oleObj spid="_x0000_s1073" name="Formula" r:id="rId7" imgW="240120" imgH="119520" progId="Equation.Ribbit">
+                <p:oleObj spid="_x0000_s1088" name="Formula" r:id="rId7" imgW="240120" imgH="119520" progId="Equation.Ribbit">
                   <p:embed/>
                 </p:oleObj>
               </mc:Choice>
@@ -6992,7 +6992,7 @@
           <a:graphicData uri="http://schemas.openxmlformats.org/presentationml/2006/ole">
             <mc:AlternateContent xmlns:mc="http://schemas.openxmlformats.org/markup-compatibility/2006">
               <mc:Choice xmlns:v="urn:schemas-microsoft-com:vml" Requires="v">
-                <p:oleObj spid="_x0000_s1074" name="Formula" r:id="rId9" imgW="623880" imgH="180360" progId="Equation.Ribbit">
+                <p:oleObj spid="_x0000_s1089" name="Formula" r:id="rId9" imgW="623880" imgH="180360" progId="Equation.Ribbit">
                   <p:embed/>
                 </p:oleObj>
               </mc:Choice>
@@ -7181,7 +7181,7 @@
           <a:graphicData uri="http://schemas.openxmlformats.org/presentationml/2006/ole">
             <mc:AlternateContent xmlns:mc="http://schemas.openxmlformats.org/markup-compatibility/2006">
               <mc:Choice xmlns:v="urn:schemas-microsoft-com:vml" Requires="v">
-                <p:oleObj spid="_x0000_s1075" name="Formula" r:id="rId11" imgW="393840" imgH="127080" progId="Equation.Ribbit">
+                <p:oleObj spid="_x0000_s1090" name="Formula" r:id="rId11" imgW="393840" imgH="127080" progId="Equation.Ribbit">
                   <p:embed/>
                 </p:oleObj>
               </mc:Choice>
@@ -7244,7 +7244,7 @@
           <a:graphicData uri="http://schemas.openxmlformats.org/presentationml/2006/ole">
             <mc:AlternateContent xmlns:mc="http://schemas.openxmlformats.org/markup-compatibility/2006">
               <mc:Choice xmlns:v="urn:schemas-microsoft-com:vml" Requires="v">
-                <p:oleObj spid="_x0000_s1076" name="Formula" r:id="rId13" imgW="623880" imgH="166680" progId="Equation.Ribbit">
+                <p:oleObj spid="_x0000_s1091" name="Formula" r:id="rId13" imgW="623880" imgH="166680" progId="Equation.Ribbit">
                   <p:embed/>
                 </p:oleObj>
               </mc:Choice>
@@ -7650,7 +7650,7 @@
           <a:graphicData uri="http://schemas.openxmlformats.org/presentationml/2006/ole">
             <mc:AlternateContent xmlns:mc="http://schemas.openxmlformats.org/markup-compatibility/2006">
               <mc:Choice xmlns:v="urn:schemas-microsoft-com:vml" Requires="v">
-                <p:oleObj spid="_x0000_s1077" name="Formula" r:id="rId15" imgW="513360" imgH="170280" progId="Equation.Ribbit">
+                <p:oleObj spid="_x0000_s1092" name="Formula" r:id="rId15" imgW="513360" imgH="170280" progId="Equation.Ribbit">
                   <p:embed/>
                 </p:oleObj>
               </mc:Choice>
@@ -7713,7 +7713,7 @@
           <a:graphicData uri="http://schemas.openxmlformats.org/presentationml/2006/ole">
             <mc:AlternateContent xmlns:mc="http://schemas.openxmlformats.org/markup-compatibility/2006">
               <mc:Choice xmlns:v="urn:schemas-microsoft-com:vml" Requires="v">
-                <p:oleObj spid="_x0000_s1078" name="Formula" r:id="rId17" imgW="513360" imgH="156240" progId="Equation.Ribbit">
+                <p:oleObj spid="_x0000_s1093" name="Formula" r:id="rId17" imgW="513360" imgH="156240" progId="Equation.Ribbit">
                   <p:embed/>
                 </p:oleObj>
               </mc:Choice>
@@ -7776,7 +7776,7 @@
           <a:graphicData uri="http://schemas.openxmlformats.org/presentationml/2006/ole">
             <mc:AlternateContent xmlns:mc="http://schemas.openxmlformats.org/markup-compatibility/2006">
               <mc:Choice xmlns:v="urn:schemas-microsoft-com:vml" Requires="v">
-                <p:oleObj spid="_x0000_s1079" name="Formula" r:id="rId19" imgW="268200" imgH="127080" progId="Equation.Ribbit">
+                <p:oleObj spid="_x0000_s1094" name="Formula" r:id="rId19" imgW="268200" imgH="127080" progId="Equation.Ribbit">
                   <p:embed/>
                 </p:oleObj>
               </mc:Choice>
@@ -7839,7 +7839,7 @@
           <a:graphicData uri="http://schemas.openxmlformats.org/presentationml/2006/ole">
             <mc:AlternateContent xmlns:mc="http://schemas.openxmlformats.org/markup-compatibility/2006">
               <mc:Choice xmlns:v="urn:schemas-microsoft-com:vml" Requires="v">
-                <p:oleObj spid="_x0000_s1080" name="Formula" r:id="rId21" imgW="564120" imgH="167760" progId="Equation.Ribbit">
+                <p:oleObj spid="_x0000_s1095" name="Formula" r:id="rId21" imgW="564120" imgH="167760" progId="Equation.Ribbit">
                   <p:embed/>
                 </p:oleObj>
               </mc:Choice>
@@ -7902,7 +7902,7 @@
           <a:graphicData uri="http://schemas.openxmlformats.org/presentationml/2006/ole">
             <mc:AlternateContent xmlns:mc="http://schemas.openxmlformats.org/markup-compatibility/2006">
               <mc:Choice xmlns:v="urn:schemas-microsoft-com:vml" Requires="v">
-                <p:oleObj spid="_x0000_s1081" name="Formula" r:id="rId23" imgW="454680" imgH="156240" progId="Equation.Ribbit">
+                <p:oleObj spid="_x0000_s1096" name="Formula" r:id="rId23" imgW="454680" imgH="156240" progId="Equation.Ribbit">
                   <p:embed/>
                 </p:oleObj>
               </mc:Choice>
@@ -7965,7 +7965,7 @@
           <a:graphicData uri="http://schemas.openxmlformats.org/presentationml/2006/ole">
             <mc:AlternateContent xmlns:mc="http://schemas.openxmlformats.org/markup-compatibility/2006">
               <mc:Choice xmlns:v="urn:schemas-microsoft-com:vml" Requires="v">
-                <p:oleObj spid="_x0000_s1082" name="Formula" r:id="rId25" imgW="114480" imgH="160200" progId="Equation.Ribbit">
+                <p:oleObj spid="_x0000_s1097" name="Formula" r:id="rId25" imgW="114480" imgH="160200" progId="Equation.Ribbit">
                   <p:embed/>
                 </p:oleObj>
               </mc:Choice>
@@ -8028,7 +8028,7 @@
           <a:graphicData uri="http://schemas.openxmlformats.org/presentationml/2006/ole">
             <mc:AlternateContent xmlns:mc="http://schemas.openxmlformats.org/markup-compatibility/2006">
               <mc:Choice xmlns:v="urn:schemas-microsoft-com:vml" Requires="v">
-                <p:oleObj spid="_x0000_s1083" name="Formula" r:id="rId27" imgW="175320" imgH="62280" progId="Equation.Ribbit">
+                <p:oleObj spid="_x0000_s1098" name="Formula" r:id="rId27" imgW="175320" imgH="62280" progId="Equation.Ribbit">
                   <p:embed/>
                 </p:oleObj>
               </mc:Choice>
@@ -8091,7 +8091,7 @@
           <a:graphicData uri="http://schemas.openxmlformats.org/presentationml/2006/ole">
             <mc:AlternateContent xmlns:mc="http://schemas.openxmlformats.org/markup-compatibility/2006">
               <mc:Choice xmlns:v="urn:schemas-microsoft-com:vml" Requires="v">
-                <p:oleObj spid="_x0000_s1084" name="Formula" r:id="rId29" imgW="88920" imgH="119520" progId="Equation.Ribbit">
+                <p:oleObj spid="_x0000_s1099" name="Formula" r:id="rId29" imgW="88920" imgH="119520" progId="Equation.Ribbit">
                   <p:embed/>
                 </p:oleObj>
               </mc:Choice>
@@ -8195,7 +8195,7 @@
           <a:graphicData uri="http://schemas.openxmlformats.org/presentationml/2006/ole">
             <mc:AlternateContent xmlns:mc="http://schemas.openxmlformats.org/markup-compatibility/2006">
               <mc:Choice xmlns:v="urn:schemas-microsoft-com:vml" Requires="v">
-                <p:oleObj spid="_x0000_s1085" name="Formula" r:id="rId31" imgW="239040" imgH="127080" progId="Equation.Ribbit">
+                <p:oleObj spid="_x0000_s1100" name="Formula" r:id="rId31" imgW="239040" imgH="127080" progId="Equation.Ribbit">
                   <p:embed/>
                 </p:oleObj>
               </mc:Choice>
@@ -9695,7 +9695,7 @@
           <p:nvPr>
             <p:extLst>
               <p:ext uri="{D42A27DB-BD31-4B8C-83A1-F6EECF244321}">
-                <p14:modId xmlns:p14="http://schemas.microsoft.com/office/powerpoint/2010/main" val="1471742751"/>
+                <p14:modId xmlns:p14="http://schemas.microsoft.com/office/powerpoint/2010/main" val="3963390112"/>
               </p:ext>
             </p:extLst>
           </p:nvPr>
@@ -9874,7 +9874,7 @@
                       <a:pPr algn="ctr"/>
                       <a:r>
                         <a:rPr lang="en-US" altLang="zh-CN" sz="1400" dirty="0"/>
-                        <a:t>c(V)</a:t>
+                        <a:t>C(V)</a:t>
                       </a:r>
                       <a:endParaRPr lang="zh-CN" altLang="en-US" sz="1400" dirty="0"/>
                     </a:p>
@@ -10395,7 +10395,7 @@
           <p:nvPr>
             <p:extLst>
               <p:ext uri="{D42A27DB-BD31-4B8C-83A1-F6EECF244321}">
-                <p14:modId xmlns:p14="http://schemas.microsoft.com/office/powerpoint/2010/main" val="2358050839"/>
+                <p14:modId xmlns:p14="http://schemas.microsoft.com/office/powerpoint/2010/main" val="2363896884"/>
               </p:ext>
             </p:extLst>
           </p:nvPr>
@@ -10574,7 +10574,15 @@
                       <a:pPr algn="ctr"/>
                       <a:r>
                         <a:rPr lang="en-US" altLang="zh-CN" sz="1400" dirty="0"/>
-                        <a:t>c(V)</a:t>
+                        <a:t>C</a:t>
+                      </a:r>
+                      <a:r>
+                        <a:rPr lang="en-US" altLang="zh-CN" sz="1400"/>
+                        <a:t>(</a:t>
+                      </a:r>
+                      <a:r>
+                        <a:rPr lang="en-US" altLang="zh-CN" sz="1400" dirty="0"/>
+                        <a:t>V)</a:t>
                       </a:r>
                       <a:endParaRPr lang="zh-CN" altLang="en-US" sz="1400" dirty="0"/>
                     </a:p>
